--- a/Bukunya/flowchart_TA.pptx
+++ b/Bukunya/flowchart_TA.pptx
@@ -11,15 +11,15 @@
     <p:sldId id="260" r:id="rId2"/>
     <p:sldId id="263" r:id="rId3"/>
     <p:sldId id="259" r:id="rId4"/>
-    <p:sldId id="261" r:id="rId5"/>
-    <p:sldId id="264" r:id="rId6"/>
-    <p:sldId id="265" r:id="rId7"/>
-    <p:sldId id="266" r:id="rId8"/>
-    <p:sldId id="262" r:id="rId9"/>
-    <p:sldId id="256" r:id="rId10"/>
-    <p:sldId id="257" r:id="rId11"/>
-    <p:sldId id="258" r:id="rId12"/>
-    <p:sldId id="267" r:id="rId13"/>
+    <p:sldId id="267" r:id="rId5"/>
+    <p:sldId id="261" r:id="rId6"/>
+    <p:sldId id="264" r:id="rId7"/>
+    <p:sldId id="265" r:id="rId8"/>
+    <p:sldId id="266" r:id="rId9"/>
+    <p:sldId id="262" r:id="rId10"/>
+    <p:sldId id="256" r:id="rId11"/>
+    <p:sldId id="257" r:id="rId12"/>
+    <p:sldId id="258" r:id="rId13"/>
   </p:sldIdLst>
   <p:sldSz cx="12192000" cy="6858000"/>
   <p:notesSz cx="6858000" cy="9144000"/>
@@ -208,7 +208,7 @@
           <a:p>
             <a:fld id="{59CD6F6D-F454-9049-8B68-126FD9894877}" type="datetimeFigureOut">
               <a:rPr lang="en-US" smtClean="0"/>
-              <a:t>5/12/17</a:t>
+              <a:t>5/23/17</a:t>
             </a:fld>
             <a:endParaRPr lang="en-US"/>
           </a:p>
@@ -607,7 +607,7 @@
           <a:p>
             <a:fld id="{07A63FB9-08E7-8A4A-813C-0863445D04CC}" type="datetimeFigureOut">
               <a:rPr lang="en-US" smtClean="0"/>
-              <a:t>5/12/17</a:t>
+              <a:t>5/23/17</a:t>
             </a:fld>
             <a:endParaRPr lang="en-US"/>
           </a:p>
@@ -777,7 +777,7 @@
           <a:p>
             <a:fld id="{07A63FB9-08E7-8A4A-813C-0863445D04CC}" type="datetimeFigureOut">
               <a:rPr lang="en-US" smtClean="0"/>
-              <a:t>5/12/17</a:t>
+              <a:t>5/23/17</a:t>
             </a:fld>
             <a:endParaRPr lang="en-US"/>
           </a:p>
@@ -957,7 +957,7 @@
           <a:p>
             <a:fld id="{07A63FB9-08E7-8A4A-813C-0863445D04CC}" type="datetimeFigureOut">
               <a:rPr lang="en-US" smtClean="0"/>
-              <a:t>5/12/17</a:t>
+              <a:t>5/23/17</a:t>
             </a:fld>
             <a:endParaRPr lang="en-US"/>
           </a:p>
@@ -1127,7 +1127,7 @@
           <a:p>
             <a:fld id="{07A63FB9-08E7-8A4A-813C-0863445D04CC}" type="datetimeFigureOut">
               <a:rPr lang="en-US" smtClean="0"/>
-              <a:t>5/12/17</a:t>
+              <a:t>5/23/17</a:t>
             </a:fld>
             <a:endParaRPr lang="en-US"/>
           </a:p>
@@ -1373,7 +1373,7 @@
           <a:p>
             <a:fld id="{07A63FB9-08E7-8A4A-813C-0863445D04CC}" type="datetimeFigureOut">
               <a:rPr lang="en-US" smtClean="0"/>
-              <a:t>5/12/17</a:t>
+              <a:t>5/23/17</a:t>
             </a:fld>
             <a:endParaRPr lang="en-US"/>
           </a:p>
@@ -1605,7 +1605,7 @@
           <a:p>
             <a:fld id="{07A63FB9-08E7-8A4A-813C-0863445D04CC}" type="datetimeFigureOut">
               <a:rPr lang="en-US" smtClean="0"/>
-              <a:t>5/12/17</a:t>
+              <a:t>5/23/17</a:t>
             </a:fld>
             <a:endParaRPr lang="en-US"/>
           </a:p>
@@ -1972,7 +1972,7 @@
           <a:p>
             <a:fld id="{07A63FB9-08E7-8A4A-813C-0863445D04CC}" type="datetimeFigureOut">
               <a:rPr lang="en-US" smtClean="0"/>
-              <a:t>5/12/17</a:t>
+              <a:t>5/23/17</a:t>
             </a:fld>
             <a:endParaRPr lang="en-US"/>
           </a:p>
@@ -2090,7 +2090,7 @@
           <a:p>
             <a:fld id="{07A63FB9-08E7-8A4A-813C-0863445D04CC}" type="datetimeFigureOut">
               <a:rPr lang="en-US" smtClean="0"/>
-              <a:t>5/12/17</a:t>
+              <a:t>5/23/17</a:t>
             </a:fld>
             <a:endParaRPr lang="en-US"/>
           </a:p>
@@ -2185,7 +2185,7 @@
           <a:p>
             <a:fld id="{07A63FB9-08E7-8A4A-813C-0863445D04CC}" type="datetimeFigureOut">
               <a:rPr lang="en-US" smtClean="0"/>
-              <a:t>5/12/17</a:t>
+              <a:t>5/23/17</a:t>
             </a:fld>
             <a:endParaRPr lang="en-US"/>
           </a:p>
@@ -2462,7 +2462,7 @@
           <a:p>
             <a:fld id="{07A63FB9-08E7-8A4A-813C-0863445D04CC}" type="datetimeFigureOut">
               <a:rPr lang="en-US" smtClean="0"/>
-              <a:t>5/12/17</a:t>
+              <a:t>5/23/17</a:t>
             </a:fld>
             <a:endParaRPr lang="en-US"/>
           </a:p>
@@ -2715,7 +2715,7 @@
           <a:p>
             <a:fld id="{07A63FB9-08E7-8A4A-813C-0863445D04CC}" type="datetimeFigureOut">
               <a:rPr lang="en-US" smtClean="0"/>
-              <a:t>5/12/17</a:t>
+              <a:t>5/23/17</a:t>
             </a:fld>
             <a:endParaRPr lang="en-US"/>
           </a:p>
@@ -2928,7 +2928,7 @@
           <a:p>
             <a:fld id="{07A63FB9-08E7-8A4A-813C-0863445D04CC}" type="datetimeFigureOut">
               <a:rPr lang="en-US" smtClean="0"/>
-              <a:t>5/12/17</a:t>
+              <a:t>5/23/17</a:t>
             </a:fld>
             <a:endParaRPr lang="en-US"/>
           </a:p>
@@ -4635,6 +4635,750 @@
 </file>
 
 <file path=ppt/slides/slide10.xml><?xml version="1.0" encoding="utf-8"?>
+<p:sld xmlns:a="http://schemas.openxmlformats.org/drawingml/2006/main" xmlns:r="http://schemas.openxmlformats.org/officeDocument/2006/relationships" xmlns:p="http://schemas.openxmlformats.org/presentationml/2006/main">
+  <p:cSld>
+    <p:spTree>
+      <p:nvGrpSpPr>
+        <p:cNvPr id="1" name=""/>
+        <p:cNvGrpSpPr/>
+        <p:nvPr/>
+      </p:nvGrpSpPr>
+      <p:grpSpPr>
+        <a:xfrm>
+          <a:off x="0" y="0"/>
+          <a:ext cx="0" cy="0"/>
+          <a:chOff x="0" y="0"/>
+          <a:chExt cx="0" cy="0"/>
+        </a:xfrm>
+      </p:grpSpPr>
+      <p:sp>
+        <p:nvSpPr>
+          <p:cNvPr id="4" name="Rounded Rectangle 3"/>
+          <p:cNvSpPr/>
+          <p:nvPr/>
+        </p:nvSpPr>
+        <p:spPr>
+          <a:xfrm>
+            <a:off x="1546541" y="440266"/>
+            <a:ext cx="1686296" cy="498763"/>
+          </a:xfrm>
+          <a:prstGeom prst="roundRect">
+            <a:avLst/>
+          </a:prstGeom>
+        </p:spPr>
+        <p:style>
+          <a:lnRef idx="2">
+            <a:schemeClr val="accent6"/>
+          </a:lnRef>
+          <a:fillRef idx="1">
+            <a:schemeClr val="lt1"/>
+          </a:fillRef>
+          <a:effectRef idx="0">
+            <a:schemeClr val="accent6"/>
+          </a:effectRef>
+          <a:fontRef idx="minor">
+            <a:schemeClr val="dk1"/>
+          </a:fontRef>
+        </p:style>
+        <p:txBody>
+          <a:bodyPr rtlCol="0" anchor="ctr"/>
+          <a:lstStyle/>
+          <a:p>
+            <a:pPr algn="ctr"/>
+            <a:r>
+              <a:rPr lang="en-US" dirty="0" err="1" smtClean="0"/>
+              <a:t>Mulai</a:t>
+            </a:r>
+            <a:endParaRPr lang="en-US" dirty="0"/>
+          </a:p>
+        </p:txBody>
+      </p:sp>
+      <p:sp>
+        <p:nvSpPr>
+          <p:cNvPr id="8" name="Parallelogram 7"/>
+          <p:cNvSpPr/>
+          <p:nvPr/>
+        </p:nvSpPr>
+        <p:spPr>
+          <a:xfrm>
+            <a:off x="1133103" y="1301887"/>
+            <a:ext cx="2099734" cy="880533"/>
+          </a:xfrm>
+          <a:prstGeom prst="parallelogram">
+            <a:avLst/>
+          </a:prstGeom>
+        </p:spPr>
+        <p:style>
+          <a:lnRef idx="2">
+            <a:schemeClr val="accent6"/>
+          </a:lnRef>
+          <a:fillRef idx="1">
+            <a:schemeClr val="lt1"/>
+          </a:fillRef>
+          <a:effectRef idx="0">
+            <a:schemeClr val="accent6"/>
+          </a:effectRef>
+          <a:fontRef idx="minor">
+            <a:schemeClr val="dk1"/>
+          </a:fontRef>
+        </p:style>
+        <p:txBody>
+          <a:bodyPr rtlCol="0" anchor="ctr"/>
+          <a:lstStyle/>
+          <a:p>
+            <a:pPr algn="ctr"/>
+            <a:r>
+              <a:rPr lang="en-US" smtClean="0"/>
+              <a:t>Input Citra</a:t>
+            </a:r>
+            <a:endParaRPr lang="en-US"/>
+          </a:p>
+        </p:txBody>
+      </p:sp>
+      <p:sp>
+        <p:nvSpPr>
+          <p:cNvPr id="9" name="Rectangle 8"/>
+          <p:cNvSpPr/>
+          <p:nvPr/>
+        </p:nvSpPr>
+        <p:spPr>
+          <a:xfrm>
+            <a:off x="1133103" y="2545278"/>
+            <a:ext cx="2540000" cy="897467"/>
+          </a:xfrm>
+          <a:prstGeom prst="rect">
+            <a:avLst/>
+          </a:prstGeom>
+        </p:spPr>
+        <p:style>
+          <a:lnRef idx="2">
+            <a:schemeClr val="accent6"/>
+          </a:lnRef>
+          <a:fillRef idx="1">
+            <a:schemeClr val="lt1"/>
+          </a:fillRef>
+          <a:effectRef idx="0">
+            <a:schemeClr val="accent6"/>
+          </a:effectRef>
+          <a:fontRef idx="minor">
+            <a:schemeClr val="dk1"/>
+          </a:fontRef>
+        </p:style>
+        <p:txBody>
+          <a:bodyPr rtlCol="0" anchor="ctr"/>
+          <a:lstStyle/>
+          <a:p>
+            <a:pPr algn="ctr"/>
+            <a:r>
+              <a:rPr lang="en-US" dirty="0" err="1" smtClean="0"/>
+              <a:t>Membagi</a:t>
+            </a:r>
+            <a:r>
+              <a:rPr lang="en-US" dirty="0" smtClean="0"/>
+              <a:t> </a:t>
+            </a:r>
+            <a:r>
+              <a:rPr lang="en-US" dirty="0" err="1" smtClean="0"/>
+              <a:t>intensitas</a:t>
+            </a:r>
+            <a:r>
+              <a:rPr lang="en-US" dirty="0" smtClean="0"/>
+              <a:t> </a:t>
+            </a:r>
+            <a:r>
+              <a:rPr lang="en-US" dirty="0" err="1" smtClean="0"/>
+              <a:t>citra</a:t>
+            </a:r>
+            <a:r>
+              <a:rPr lang="en-US" dirty="0" smtClean="0"/>
+              <a:t> </a:t>
+            </a:r>
+            <a:r>
+              <a:rPr lang="en-US" dirty="0" err="1" smtClean="0"/>
+              <a:t>menjadi</a:t>
+            </a:r>
+            <a:r>
+              <a:rPr lang="en-US" dirty="0" smtClean="0"/>
+              <a:t> </a:t>
+            </a:r>
+            <a:r>
+              <a:rPr lang="en-US" dirty="0" err="1" smtClean="0"/>
+              <a:t>blok</a:t>
+            </a:r>
+            <a:r>
+              <a:rPr lang="en-US" dirty="0" smtClean="0"/>
+              <a:t> 2x2</a:t>
+            </a:r>
+            <a:endParaRPr lang="en-US" dirty="0"/>
+          </a:p>
+        </p:txBody>
+      </p:sp>
+      <p:sp>
+        <p:nvSpPr>
+          <p:cNvPr id="10" name="Rectangle 9"/>
+          <p:cNvSpPr/>
+          <p:nvPr/>
+        </p:nvSpPr>
+        <p:spPr>
+          <a:xfrm>
+            <a:off x="217274" y="3973285"/>
+            <a:ext cx="1831659" cy="1260325"/>
+          </a:xfrm>
+          <a:prstGeom prst="rect">
+            <a:avLst/>
+          </a:prstGeom>
+        </p:spPr>
+        <p:style>
+          <a:lnRef idx="2">
+            <a:schemeClr val="accent6"/>
+          </a:lnRef>
+          <a:fillRef idx="1">
+            <a:schemeClr val="lt1"/>
+          </a:fillRef>
+          <a:effectRef idx="0">
+            <a:schemeClr val="accent6"/>
+          </a:effectRef>
+          <a:fontRef idx="minor">
+            <a:schemeClr val="dk1"/>
+          </a:fontRef>
+        </p:style>
+        <p:txBody>
+          <a:bodyPr rtlCol="0" anchor="ctr"/>
+          <a:lstStyle/>
+          <a:p>
+            <a:pPr algn="ctr"/>
+            <a:r>
+              <a:rPr lang="en-US" dirty="0" smtClean="0"/>
+              <a:t>D= </a:t>
+            </a:r>
+            <a:r>
+              <a:rPr lang="en-US" dirty="0" err="1" smtClean="0"/>
+              <a:t>standar</a:t>
+            </a:r>
+            <a:r>
+              <a:rPr lang="en-US" dirty="0" smtClean="0"/>
+              <a:t> </a:t>
+            </a:r>
+            <a:r>
+              <a:rPr lang="en-US" dirty="0" err="1" smtClean="0"/>
+              <a:t>deviasi</a:t>
+            </a:r>
+            <a:r>
+              <a:rPr lang="en-US" dirty="0" smtClean="0"/>
+              <a:t> </a:t>
+            </a:r>
+            <a:r>
+              <a:rPr lang="en-US" dirty="0" err="1" smtClean="0"/>
+              <a:t>intensitas</a:t>
+            </a:r>
+            <a:r>
+              <a:rPr lang="en-US" dirty="0" smtClean="0"/>
+              <a:t> </a:t>
+            </a:r>
+            <a:r>
+              <a:rPr lang="en-US" dirty="0" err="1" smtClean="0"/>
+              <a:t>dalam</a:t>
+            </a:r>
+            <a:r>
+              <a:rPr lang="en-US" dirty="0" smtClean="0"/>
+              <a:t> </a:t>
+            </a:r>
+            <a:r>
+              <a:rPr lang="en-US" dirty="0" err="1" smtClean="0"/>
+              <a:t>blok</a:t>
+            </a:r>
+            <a:endParaRPr lang="en-US" dirty="0"/>
+          </a:p>
+        </p:txBody>
+      </p:sp>
+      <p:sp>
+        <p:nvSpPr>
+          <p:cNvPr id="11" name="Rectangle 10"/>
+          <p:cNvSpPr/>
+          <p:nvPr/>
+        </p:nvSpPr>
+        <p:spPr>
+          <a:xfrm>
+            <a:off x="2403103" y="3973285"/>
+            <a:ext cx="1831659" cy="1260325"/>
+          </a:xfrm>
+          <a:prstGeom prst="rect">
+            <a:avLst/>
+          </a:prstGeom>
+        </p:spPr>
+        <p:style>
+          <a:lnRef idx="2">
+            <a:schemeClr val="accent6"/>
+          </a:lnRef>
+          <a:fillRef idx="1">
+            <a:schemeClr val="lt1"/>
+          </a:fillRef>
+          <a:effectRef idx="0">
+            <a:schemeClr val="accent6"/>
+          </a:effectRef>
+          <a:fontRef idx="minor">
+            <a:schemeClr val="dk1"/>
+          </a:fontRef>
+        </p:style>
+        <p:txBody>
+          <a:bodyPr rtlCol="0" anchor="ctr"/>
+          <a:lstStyle/>
+          <a:p>
+            <a:pPr algn="ctr"/>
+            <a:r>
+              <a:rPr lang="en-US" dirty="0"/>
+              <a:t>R</a:t>
+            </a:r>
+            <a:r>
+              <a:rPr lang="en-US" dirty="0" smtClean="0"/>
+              <a:t>= rata-rata </a:t>
+            </a:r>
+            <a:r>
+              <a:rPr lang="en-US" dirty="0" err="1" smtClean="0"/>
+              <a:t>intensitas</a:t>
+            </a:r>
+            <a:r>
+              <a:rPr lang="en-US" dirty="0" smtClean="0"/>
+              <a:t> </a:t>
+            </a:r>
+            <a:r>
+              <a:rPr lang="en-US" dirty="0" err="1" smtClean="0"/>
+              <a:t>dalam</a:t>
+            </a:r>
+            <a:r>
+              <a:rPr lang="en-US" dirty="0" smtClean="0"/>
+              <a:t> </a:t>
+            </a:r>
+            <a:r>
+              <a:rPr lang="en-US" dirty="0" err="1" smtClean="0"/>
+              <a:t>blok</a:t>
+            </a:r>
+            <a:endParaRPr lang="en-US" dirty="0"/>
+          </a:p>
+        </p:txBody>
+      </p:sp>
+      <p:sp>
+        <p:nvSpPr>
+          <p:cNvPr id="15" name="Rectangle 14"/>
+          <p:cNvSpPr/>
+          <p:nvPr/>
+        </p:nvSpPr>
+        <p:spPr>
+          <a:xfrm>
+            <a:off x="4755405" y="1954369"/>
+            <a:ext cx="1831659" cy="861621"/>
+          </a:xfrm>
+          <a:prstGeom prst="rect">
+            <a:avLst/>
+          </a:prstGeom>
+        </p:spPr>
+        <p:style>
+          <a:lnRef idx="2">
+            <a:schemeClr val="accent6"/>
+          </a:lnRef>
+          <a:fillRef idx="1">
+            <a:schemeClr val="lt1"/>
+          </a:fillRef>
+          <a:effectRef idx="0">
+            <a:schemeClr val="accent6"/>
+          </a:effectRef>
+          <a:fontRef idx="minor">
+            <a:schemeClr val="dk1"/>
+          </a:fontRef>
+        </p:style>
+        <p:txBody>
+          <a:bodyPr rtlCol="0" anchor="ctr"/>
+          <a:lstStyle/>
+          <a:p>
+            <a:pPr algn="ctr"/>
+            <a:r>
+              <a:rPr lang="en-US" dirty="0" err="1" smtClean="0"/>
+              <a:t>Geser</a:t>
+            </a:r>
+            <a:r>
+              <a:rPr lang="en-US" dirty="0" smtClean="0"/>
+              <a:t> </a:t>
+            </a:r>
+            <a:r>
+              <a:rPr lang="en-US" dirty="0" err="1" smtClean="0"/>
+              <a:t>blok</a:t>
+            </a:r>
+            <a:r>
+              <a:rPr lang="en-US" dirty="0" smtClean="0"/>
+              <a:t> </a:t>
+            </a:r>
+            <a:r>
+              <a:rPr lang="en-US" dirty="0" err="1" smtClean="0"/>
+              <a:t>ke</a:t>
+            </a:r>
+            <a:r>
+              <a:rPr lang="en-US" dirty="0" smtClean="0"/>
+              <a:t> </a:t>
+            </a:r>
+            <a:r>
+              <a:rPr lang="en-US" dirty="0" err="1" smtClean="0"/>
+              <a:t>atas</a:t>
+            </a:r>
+            <a:endParaRPr lang="en-US" dirty="0"/>
+          </a:p>
+        </p:txBody>
+      </p:sp>
+      <p:sp>
+        <p:nvSpPr>
+          <p:cNvPr id="16" name="Rectangle 15"/>
+          <p:cNvSpPr/>
+          <p:nvPr/>
+        </p:nvSpPr>
+        <p:spPr>
+          <a:xfrm>
+            <a:off x="6675787" y="1954367"/>
+            <a:ext cx="1831659" cy="861621"/>
+          </a:xfrm>
+          <a:prstGeom prst="rect">
+            <a:avLst/>
+          </a:prstGeom>
+        </p:spPr>
+        <p:style>
+          <a:lnRef idx="2">
+            <a:schemeClr val="accent6"/>
+          </a:lnRef>
+          <a:fillRef idx="1">
+            <a:schemeClr val="lt1"/>
+          </a:fillRef>
+          <a:effectRef idx="0">
+            <a:schemeClr val="accent6"/>
+          </a:effectRef>
+          <a:fontRef idx="minor">
+            <a:schemeClr val="dk1"/>
+          </a:fontRef>
+        </p:style>
+        <p:txBody>
+          <a:bodyPr rtlCol="0" anchor="ctr"/>
+          <a:lstStyle/>
+          <a:p>
+            <a:pPr algn="ctr"/>
+            <a:r>
+              <a:rPr lang="en-US" dirty="0" err="1" smtClean="0"/>
+              <a:t>Geser</a:t>
+            </a:r>
+            <a:r>
+              <a:rPr lang="en-US" dirty="0" smtClean="0"/>
+              <a:t> </a:t>
+            </a:r>
+            <a:r>
+              <a:rPr lang="en-US" dirty="0" err="1" smtClean="0"/>
+              <a:t>blok</a:t>
+            </a:r>
+            <a:r>
+              <a:rPr lang="en-US" dirty="0" smtClean="0"/>
+              <a:t> </a:t>
+            </a:r>
+            <a:r>
+              <a:rPr lang="en-US" dirty="0" err="1" smtClean="0"/>
+              <a:t>ke</a:t>
+            </a:r>
+            <a:r>
+              <a:rPr lang="en-US" dirty="0" smtClean="0"/>
+              <a:t> </a:t>
+            </a:r>
+            <a:r>
+              <a:rPr lang="en-US" dirty="0" err="1" smtClean="0"/>
+              <a:t>kiri</a:t>
+            </a:r>
+            <a:endParaRPr lang="en-US" dirty="0"/>
+          </a:p>
+        </p:txBody>
+      </p:sp>
+      <p:sp>
+        <p:nvSpPr>
+          <p:cNvPr id="17" name="Rectangle 16"/>
+          <p:cNvSpPr/>
+          <p:nvPr/>
+        </p:nvSpPr>
+        <p:spPr>
+          <a:xfrm>
+            <a:off x="8596169" y="1954367"/>
+            <a:ext cx="1831659" cy="861621"/>
+          </a:xfrm>
+          <a:prstGeom prst="rect">
+            <a:avLst/>
+          </a:prstGeom>
+        </p:spPr>
+        <p:style>
+          <a:lnRef idx="2">
+            <a:schemeClr val="accent6"/>
+          </a:lnRef>
+          <a:fillRef idx="1">
+            <a:schemeClr val="lt1"/>
+          </a:fillRef>
+          <a:effectRef idx="0">
+            <a:schemeClr val="accent6"/>
+          </a:effectRef>
+          <a:fontRef idx="minor">
+            <a:schemeClr val="dk1"/>
+          </a:fontRef>
+        </p:style>
+        <p:txBody>
+          <a:bodyPr rtlCol="0" anchor="ctr"/>
+          <a:lstStyle/>
+          <a:p>
+            <a:pPr algn="ctr"/>
+            <a:r>
+              <a:rPr lang="en-US" dirty="0" err="1" smtClean="0"/>
+              <a:t>Geser</a:t>
+            </a:r>
+            <a:r>
+              <a:rPr lang="en-US" dirty="0" smtClean="0"/>
+              <a:t> </a:t>
+            </a:r>
+            <a:r>
+              <a:rPr lang="en-US" dirty="0" err="1" smtClean="0"/>
+              <a:t>blok</a:t>
+            </a:r>
+            <a:r>
+              <a:rPr lang="en-US" dirty="0" smtClean="0"/>
+              <a:t> </a:t>
+            </a:r>
+            <a:r>
+              <a:rPr lang="en-US" dirty="0" err="1" smtClean="0"/>
+              <a:t>ke</a:t>
+            </a:r>
+            <a:r>
+              <a:rPr lang="en-US" dirty="0" smtClean="0"/>
+              <a:t> </a:t>
+            </a:r>
+            <a:r>
+              <a:rPr lang="en-US" dirty="0" err="1" smtClean="0"/>
+              <a:t>kanan</a:t>
+            </a:r>
+            <a:endParaRPr lang="en-US" dirty="0"/>
+          </a:p>
+        </p:txBody>
+      </p:sp>
+      <p:sp>
+        <p:nvSpPr>
+          <p:cNvPr id="18" name="Rectangle 17"/>
+          <p:cNvSpPr/>
+          <p:nvPr/>
+        </p:nvSpPr>
+        <p:spPr>
+          <a:xfrm>
+            <a:off x="10529426" y="1954366"/>
+            <a:ext cx="1831659" cy="861621"/>
+          </a:xfrm>
+          <a:prstGeom prst="rect">
+            <a:avLst/>
+          </a:prstGeom>
+        </p:spPr>
+        <p:style>
+          <a:lnRef idx="2">
+            <a:schemeClr val="accent6"/>
+          </a:lnRef>
+          <a:fillRef idx="1">
+            <a:schemeClr val="lt1"/>
+          </a:fillRef>
+          <a:effectRef idx="0">
+            <a:schemeClr val="accent6"/>
+          </a:effectRef>
+          <a:fontRef idx="minor">
+            <a:schemeClr val="dk1"/>
+          </a:fontRef>
+        </p:style>
+        <p:txBody>
+          <a:bodyPr rtlCol="0" anchor="ctr"/>
+          <a:lstStyle/>
+          <a:p>
+            <a:pPr algn="ctr"/>
+            <a:r>
+              <a:rPr lang="en-US" dirty="0" err="1" smtClean="0"/>
+              <a:t>Geser</a:t>
+            </a:r>
+            <a:r>
+              <a:rPr lang="en-US" dirty="0" smtClean="0"/>
+              <a:t> </a:t>
+            </a:r>
+            <a:r>
+              <a:rPr lang="en-US" dirty="0" err="1" smtClean="0"/>
+              <a:t>blok</a:t>
+            </a:r>
+            <a:r>
+              <a:rPr lang="en-US" dirty="0" smtClean="0"/>
+              <a:t> </a:t>
+            </a:r>
+            <a:r>
+              <a:rPr lang="en-US" dirty="0" err="1" smtClean="0"/>
+              <a:t>ke</a:t>
+            </a:r>
+            <a:r>
+              <a:rPr lang="en-US" dirty="0" smtClean="0"/>
+              <a:t> </a:t>
+            </a:r>
+            <a:r>
+              <a:rPr lang="en-US" dirty="0" err="1" smtClean="0"/>
+              <a:t>bawah</a:t>
+            </a:r>
+            <a:endParaRPr lang="en-US" dirty="0"/>
+          </a:p>
+        </p:txBody>
+      </p:sp>
+      <p:sp>
+        <p:nvSpPr>
+          <p:cNvPr id="19" name="Rectangle 18"/>
+          <p:cNvSpPr/>
+          <p:nvPr/>
+        </p:nvSpPr>
+        <p:spPr>
+          <a:xfrm>
+            <a:off x="5957674" y="3708400"/>
+            <a:ext cx="1831659" cy="1260325"/>
+          </a:xfrm>
+          <a:prstGeom prst="rect">
+            <a:avLst/>
+          </a:prstGeom>
+        </p:spPr>
+        <p:style>
+          <a:lnRef idx="2">
+            <a:schemeClr val="accent6"/>
+          </a:lnRef>
+          <a:fillRef idx="1">
+            <a:schemeClr val="lt1"/>
+          </a:fillRef>
+          <a:effectRef idx="0">
+            <a:schemeClr val="accent6"/>
+          </a:effectRef>
+          <a:fontRef idx="minor">
+            <a:schemeClr val="dk1"/>
+          </a:fontRef>
+        </p:style>
+        <p:txBody>
+          <a:bodyPr rtlCol="0" anchor="ctr"/>
+          <a:lstStyle/>
+          <a:p>
+            <a:pPr algn="ctr"/>
+            <a:r>
+              <a:rPr lang="en-US" dirty="0" smtClean="0"/>
+              <a:t>D= </a:t>
+            </a:r>
+            <a:r>
+              <a:rPr lang="en-US" dirty="0" err="1" smtClean="0"/>
+              <a:t>standar</a:t>
+            </a:r>
+            <a:r>
+              <a:rPr lang="en-US" dirty="0" smtClean="0"/>
+              <a:t> </a:t>
+            </a:r>
+            <a:r>
+              <a:rPr lang="en-US" dirty="0" err="1" smtClean="0"/>
+              <a:t>deviasi</a:t>
+            </a:r>
+            <a:r>
+              <a:rPr lang="en-US" dirty="0" smtClean="0"/>
+              <a:t> </a:t>
+            </a:r>
+            <a:r>
+              <a:rPr lang="en-US" dirty="0" err="1" smtClean="0"/>
+              <a:t>intensitas</a:t>
+            </a:r>
+            <a:r>
+              <a:rPr lang="en-US" dirty="0" smtClean="0"/>
+              <a:t> </a:t>
+            </a:r>
+            <a:r>
+              <a:rPr lang="en-US" dirty="0" err="1" smtClean="0"/>
+              <a:t>dalam</a:t>
+            </a:r>
+            <a:r>
+              <a:rPr lang="en-US" dirty="0" smtClean="0"/>
+              <a:t> </a:t>
+            </a:r>
+            <a:r>
+              <a:rPr lang="en-US" dirty="0" err="1" smtClean="0"/>
+              <a:t>blok</a:t>
+            </a:r>
+            <a:endParaRPr lang="en-US" dirty="0"/>
+          </a:p>
+        </p:txBody>
+      </p:sp>
+      <p:sp>
+        <p:nvSpPr>
+          <p:cNvPr id="20" name="Rectangle 19"/>
+          <p:cNvSpPr/>
+          <p:nvPr/>
+        </p:nvSpPr>
+        <p:spPr>
+          <a:xfrm>
+            <a:off x="8143503" y="3708400"/>
+            <a:ext cx="1831659" cy="1260325"/>
+          </a:xfrm>
+          <a:prstGeom prst="rect">
+            <a:avLst/>
+          </a:prstGeom>
+        </p:spPr>
+        <p:style>
+          <a:lnRef idx="2">
+            <a:schemeClr val="accent6"/>
+          </a:lnRef>
+          <a:fillRef idx="1">
+            <a:schemeClr val="lt1"/>
+          </a:fillRef>
+          <a:effectRef idx="0">
+            <a:schemeClr val="accent6"/>
+          </a:effectRef>
+          <a:fontRef idx="minor">
+            <a:schemeClr val="dk1"/>
+          </a:fontRef>
+        </p:style>
+        <p:txBody>
+          <a:bodyPr rtlCol="0" anchor="ctr"/>
+          <a:lstStyle/>
+          <a:p>
+            <a:pPr algn="ctr"/>
+            <a:r>
+              <a:rPr lang="en-US" dirty="0"/>
+              <a:t>R</a:t>
+            </a:r>
+            <a:r>
+              <a:rPr lang="en-US" dirty="0" smtClean="0"/>
+              <a:t>= rata-rata </a:t>
+            </a:r>
+            <a:r>
+              <a:rPr lang="en-US" dirty="0" err="1" smtClean="0"/>
+              <a:t>intensitas</a:t>
+            </a:r>
+            <a:r>
+              <a:rPr lang="en-US" dirty="0" smtClean="0"/>
+              <a:t> </a:t>
+            </a:r>
+            <a:r>
+              <a:rPr lang="en-US" dirty="0" err="1" smtClean="0"/>
+              <a:t>dalam</a:t>
+            </a:r>
+            <a:r>
+              <a:rPr lang="en-US" dirty="0" smtClean="0"/>
+              <a:t> </a:t>
+            </a:r>
+            <a:r>
+              <a:rPr lang="en-US" dirty="0" err="1" smtClean="0"/>
+              <a:t>blok</a:t>
+            </a:r>
+            <a:endParaRPr lang="en-US" dirty="0"/>
+          </a:p>
+        </p:txBody>
+      </p:sp>
+    </p:spTree>
+    <p:extLst>
+      <p:ext uri="{BB962C8B-B14F-4D97-AF65-F5344CB8AC3E}">
+        <p14:creationId xmlns:p14="http://schemas.microsoft.com/office/powerpoint/2010/main" val="1489236652"/>
+      </p:ext>
+    </p:extLst>
+  </p:cSld>
+  <p:clrMapOvr>
+    <a:masterClrMapping/>
+  </p:clrMapOvr>
+</p:sld>
+</file>
+
+<file path=ppt/slides/slide11.xml><?xml version="1.0" encoding="utf-8"?>
 <p:sld xmlns:a="http://schemas.openxmlformats.org/drawingml/2006/main" xmlns:r="http://schemas.openxmlformats.org/officeDocument/2006/relationships" xmlns:p="http://schemas.openxmlformats.org/presentationml/2006/main">
   <p:cSld>
     <p:spTree>
@@ -7631,7 +8375,7 @@
 </p:sld>
 </file>
 
-<file path=ppt/slides/slide11.xml><?xml version="1.0" encoding="utf-8"?>
+<file path=ppt/slides/slide12.xml><?xml version="1.0" encoding="utf-8"?>
 <p:sld xmlns:a="http://schemas.openxmlformats.org/drawingml/2006/main" xmlns:r="http://schemas.openxmlformats.org/officeDocument/2006/relationships" xmlns:p="http://schemas.openxmlformats.org/presentationml/2006/main">
   <p:cSld>
     <p:spTree>
@@ -8274,2062 +9018,6 @@
     <p:extLst>
       <p:ext uri="{BB962C8B-B14F-4D97-AF65-F5344CB8AC3E}">
         <p14:creationId xmlns:p14="http://schemas.microsoft.com/office/powerpoint/2010/main" val="141591680"/>
-      </p:ext>
-    </p:extLst>
-  </p:cSld>
-  <p:clrMapOvr>
-    <a:masterClrMapping/>
-  </p:clrMapOvr>
-</p:sld>
-</file>
-
-<file path=ppt/slides/slide12.xml><?xml version="1.0" encoding="utf-8"?>
-<p:sld xmlns:a="http://schemas.openxmlformats.org/drawingml/2006/main" xmlns:r="http://schemas.openxmlformats.org/officeDocument/2006/relationships" xmlns:p="http://schemas.openxmlformats.org/presentationml/2006/main">
-  <p:cSld>
-    <p:spTree>
-      <p:nvGrpSpPr>
-        <p:cNvPr id="1" name=""/>
-        <p:cNvGrpSpPr/>
-        <p:nvPr/>
-      </p:nvGrpSpPr>
-      <p:grpSpPr>
-        <a:xfrm>
-          <a:off x="0" y="0"/>
-          <a:ext cx="0" cy="0"/>
-          <a:chOff x="0" y="0"/>
-          <a:chExt cx="0" cy="0"/>
-        </a:xfrm>
-      </p:grpSpPr>
-      <p:sp>
-        <p:nvSpPr>
-          <p:cNvPr id="2" name="Title 1"/>
-          <p:cNvSpPr>
-            <a:spLocks noGrp="1"/>
-          </p:cNvSpPr>
-          <p:nvPr>
-            <p:ph type="title"/>
-          </p:nvPr>
-        </p:nvSpPr>
-        <p:spPr/>
-        <p:txBody>
-          <a:bodyPr/>
-          <a:lstStyle/>
-          <a:p>
-            <a:endParaRPr lang="en-US"/>
-          </a:p>
-        </p:txBody>
-      </p:sp>
-      <p:graphicFrame>
-        <p:nvGraphicFramePr>
-          <p:cNvPr id="4" name="Content Placeholder 3"/>
-          <p:cNvGraphicFramePr>
-            <a:graphicFrameLocks noGrp="1"/>
-          </p:cNvGraphicFramePr>
-          <p:nvPr>
-            <p:ph idx="1"/>
-            <p:extLst>
-              <p:ext uri="{D42A27DB-BD31-4B8C-83A1-F6EECF244321}">
-                <p14:modId xmlns:p14="http://schemas.microsoft.com/office/powerpoint/2010/main" val="1004665072"/>
-              </p:ext>
-            </p:extLst>
-          </p:nvPr>
-        </p:nvGraphicFramePr>
-        <p:xfrm>
-          <a:off x="710184" y="-83248"/>
-          <a:ext cx="10515600" cy="9265920"/>
-        </p:xfrm>
-        <a:graphic>
-          <a:graphicData uri="http://schemas.openxmlformats.org/drawingml/2006/table">
-            <a:tbl>
-              <a:tblPr firstRow="1" bandRow="1">
-                <a:tableStyleId>{5C22544A-7EE6-4342-B048-85BDC9FD1C3A}</a:tableStyleId>
-              </a:tblPr>
-              <a:tblGrid>
-                <a:gridCol w="1100328"/>
-                <a:gridCol w="1517904"/>
-                <a:gridCol w="1060704"/>
-                <a:gridCol w="1152144"/>
-                <a:gridCol w="1847088"/>
-                <a:gridCol w="3837432"/>
-              </a:tblGrid>
-              <a:tr h="370840">
-                <a:tc>
-                  <a:txBody>
-                    <a:bodyPr/>
-                    <a:lstStyle/>
-                    <a:p>
-                      <a:r>
-                        <a:rPr lang="en-US" dirty="0" smtClean="0"/>
-                        <a:t>dataset</a:t>
-                      </a:r>
-                      <a:endParaRPr lang="en-US" dirty="0"/>
-                    </a:p>
-                  </a:txBody>
-                  <a:tcPr/>
-                </a:tc>
-                <a:tc>
-                  <a:txBody>
-                    <a:bodyPr/>
-                    <a:lstStyle/>
-                    <a:p>
-                      <a:r>
-                        <a:rPr lang="en-US" dirty="0" err="1" smtClean="0"/>
-                        <a:t>datatraining</a:t>
-                      </a:r>
-                      <a:endParaRPr lang="en-US" dirty="0"/>
-                    </a:p>
-                  </a:txBody>
-                  <a:tcPr/>
-                </a:tc>
-                <a:tc>
-                  <a:txBody>
-                    <a:bodyPr/>
-                    <a:lstStyle/>
-                    <a:p>
-                      <a:r>
-                        <a:rPr lang="en-US" dirty="0" err="1" smtClean="0"/>
-                        <a:t>Jmlh</a:t>
-                      </a:r>
-                      <a:r>
-                        <a:rPr lang="en-US" dirty="0" smtClean="0"/>
-                        <a:t> </a:t>
-                      </a:r>
-                      <a:r>
-                        <a:rPr lang="en-US" dirty="0" err="1" smtClean="0"/>
-                        <a:t>kategori</a:t>
-                      </a:r>
-                      <a:endParaRPr lang="en-US" dirty="0"/>
-                    </a:p>
-                  </a:txBody>
-                  <a:tcPr/>
-                </a:tc>
-                <a:tc>
-                  <a:txBody>
-                    <a:bodyPr/>
-                    <a:lstStyle/>
-                    <a:p>
-                      <a:r>
-                        <a:rPr lang="en-US" dirty="0" smtClean="0"/>
-                        <a:t>Rata-rata precision</a:t>
-                      </a:r>
-                      <a:endParaRPr lang="en-US" dirty="0"/>
-                    </a:p>
-                  </a:txBody>
-                  <a:tcPr/>
-                </a:tc>
-                <a:tc>
-                  <a:txBody>
-                    <a:bodyPr/>
-                    <a:lstStyle/>
-                    <a:p>
-                      <a:r>
-                        <a:rPr lang="en-US" dirty="0" err="1" smtClean="0"/>
-                        <a:t>Jmlh</a:t>
-                      </a:r>
-                      <a:r>
-                        <a:rPr lang="en-US" dirty="0" smtClean="0"/>
-                        <a:t> image yang </a:t>
-                      </a:r>
-                      <a:r>
-                        <a:rPr lang="en-US" dirty="0" err="1" smtClean="0"/>
-                        <a:t>ditampilkan</a:t>
-                      </a:r>
-                      <a:endParaRPr lang="en-US" dirty="0"/>
-                    </a:p>
-                  </a:txBody>
-                  <a:tcPr/>
-                </a:tc>
-                <a:tc>
-                  <a:txBody>
-                    <a:bodyPr/>
-                    <a:lstStyle/>
-                    <a:p>
-                      <a:r>
-                        <a:rPr lang="en-US" dirty="0" err="1" smtClean="0"/>
-                        <a:t>keterangan</a:t>
-                      </a:r>
-                      <a:endParaRPr lang="en-US" dirty="0"/>
-                    </a:p>
-                  </a:txBody>
-                  <a:tcPr/>
-                </a:tc>
-              </a:tr>
-              <a:tr h="370840">
-                <a:tc>
-                  <a:txBody>
-                    <a:bodyPr/>
-                    <a:lstStyle/>
-                    <a:p>
-                      <a:r>
-                        <a:rPr lang="en-US" dirty="0" smtClean="0"/>
-                        <a:t>dataset2</a:t>
-                      </a:r>
-                      <a:endParaRPr lang="en-US" dirty="0"/>
-                    </a:p>
-                  </a:txBody>
-                  <a:tcPr/>
-                </a:tc>
-                <a:tc>
-                  <a:txBody>
-                    <a:bodyPr/>
-                    <a:lstStyle/>
-                    <a:p>
-                      <a:r>
-                        <a:rPr lang="en-US" dirty="0" smtClean="0"/>
-                        <a:t>datatraining3</a:t>
-                      </a:r>
-                      <a:endParaRPr lang="en-US" dirty="0"/>
-                    </a:p>
-                  </a:txBody>
-                  <a:tcPr/>
-                </a:tc>
-                <a:tc>
-                  <a:txBody>
-                    <a:bodyPr/>
-                    <a:lstStyle/>
-                    <a:p>
-                      <a:r>
-                        <a:rPr lang="en-US" dirty="0" smtClean="0"/>
-                        <a:t>100</a:t>
-                      </a:r>
-                      <a:endParaRPr lang="en-US" dirty="0"/>
-                    </a:p>
-                  </a:txBody>
-                  <a:tcPr/>
-                </a:tc>
-                <a:tc>
-                  <a:txBody>
-                    <a:bodyPr/>
-                    <a:lstStyle/>
-                    <a:p>
-                      <a:r>
-                        <a:rPr lang="en-US" dirty="0" smtClean="0"/>
-                        <a:t>25.36</a:t>
-                      </a:r>
-                      <a:endParaRPr lang="en-US" dirty="0"/>
-                    </a:p>
-                  </a:txBody>
-                  <a:tcPr/>
-                </a:tc>
-                <a:tc>
-                  <a:txBody>
-                    <a:bodyPr/>
-                    <a:lstStyle/>
-                    <a:p>
-                      <a:endParaRPr lang="en-US" dirty="0"/>
-                    </a:p>
-                  </a:txBody>
-                  <a:tcPr/>
-                </a:tc>
-                <a:tc>
-                  <a:txBody>
-                    <a:bodyPr/>
-                    <a:lstStyle/>
-                    <a:p>
-                      <a:r>
-                        <a:rPr lang="en-US" dirty="0" err="1" smtClean="0"/>
-                        <a:t>Semu</a:t>
-                      </a:r>
-                      <a:r>
-                        <a:rPr lang="en-US" baseline="0" dirty="0" err="1" smtClean="0"/>
-                        <a:t>a</a:t>
-                      </a:r>
-                      <a:r>
-                        <a:rPr lang="en-US" baseline="0" dirty="0" smtClean="0"/>
-                        <a:t> </a:t>
-                      </a:r>
-                      <a:r>
-                        <a:rPr lang="en-US" baseline="0" dirty="0" err="1" smtClean="0"/>
-                        <a:t>kategori</a:t>
-                      </a:r>
-                      <a:endParaRPr lang="en-US" dirty="0"/>
-                    </a:p>
-                  </a:txBody>
-                  <a:tcPr/>
-                </a:tc>
-              </a:tr>
-              <a:tr h="370840">
-                <a:tc>
-                  <a:txBody>
-                    <a:bodyPr/>
-                    <a:lstStyle/>
-                    <a:p>
-                      <a:r>
-                        <a:rPr lang="en-US" dirty="0" smtClean="0"/>
-                        <a:t>dataset2</a:t>
-                      </a:r>
-                      <a:endParaRPr lang="en-US" dirty="0"/>
-                    </a:p>
-                  </a:txBody>
-                  <a:tcPr/>
-                </a:tc>
-                <a:tc>
-                  <a:txBody>
-                    <a:bodyPr/>
-                    <a:lstStyle/>
-                    <a:p>
-                      <a:r>
-                        <a:rPr lang="en-US" dirty="0" smtClean="0"/>
-                        <a:t>datatraining3</a:t>
-                      </a:r>
-                      <a:endParaRPr lang="en-US" dirty="0"/>
-                    </a:p>
-                  </a:txBody>
-                  <a:tcPr/>
-                </a:tc>
-                <a:tc>
-                  <a:txBody>
-                    <a:bodyPr/>
-                    <a:lstStyle/>
-                    <a:p>
-                      <a:r>
-                        <a:rPr lang="en-US" dirty="0" smtClean="0"/>
-                        <a:t>80</a:t>
-                      </a:r>
-                      <a:endParaRPr lang="en-US" dirty="0"/>
-                    </a:p>
-                  </a:txBody>
-                  <a:tcPr/>
-                </a:tc>
-                <a:tc>
-                  <a:txBody>
-                    <a:bodyPr/>
-                    <a:lstStyle/>
-                    <a:p>
-                      <a:endParaRPr lang="en-US" dirty="0"/>
-                    </a:p>
-                  </a:txBody>
-                  <a:tcPr/>
-                </a:tc>
-                <a:tc>
-                  <a:txBody>
-                    <a:bodyPr/>
-                    <a:lstStyle/>
-                    <a:p>
-                      <a:endParaRPr lang="en-US" dirty="0"/>
-                    </a:p>
-                  </a:txBody>
-                  <a:tcPr/>
-                </a:tc>
-                <a:tc>
-                  <a:txBody>
-                    <a:bodyPr/>
-                    <a:lstStyle/>
-                    <a:p>
-                      <a:pPr marL="0" marR="0" indent="0" algn="l" defTabSz="914400" rtl="0" eaLnBrk="1" fontAlgn="auto" latinLnBrk="0" hangingPunct="1">
-                        <a:lnSpc>
-                          <a:spcPct val="100000"/>
-                        </a:lnSpc>
-                        <a:spcBef>
-                          <a:spcPts val="0"/>
-                        </a:spcBef>
-                        <a:spcAft>
-                          <a:spcPts val="0"/>
-                        </a:spcAft>
-                        <a:buClrTx/>
-                        <a:buSzTx/>
-                        <a:buFontTx/>
-                        <a:buNone/>
-                        <a:tabLst/>
-                        <a:defRPr/>
-                      </a:pPr>
-                      <a:r>
-                        <a:rPr lang="en-US" dirty="0" err="1" smtClean="0"/>
-                        <a:t>Dengan</a:t>
-                      </a:r>
-                      <a:r>
-                        <a:rPr lang="en-US" dirty="0" smtClean="0"/>
-                        <a:t> random  </a:t>
-                      </a:r>
-                      <a:r>
-                        <a:rPr lang="en-US" dirty="0" err="1" smtClean="0"/>
-                        <a:t>kategori</a:t>
-                      </a:r>
-                      <a:r>
-                        <a:rPr lang="en-US" dirty="0" smtClean="0"/>
-                        <a:t> </a:t>
-                      </a:r>
-                      <a:r>
-                        <a:rPr lang="en-US" dirty="0" err="1" smtClean="0"/>
-                        <a:t>dipilih</a:t>
-                      </a:r>
-                      <a:r>
-                        <a:rPr lang="en-US" dirty="0" smtClean="0"/>
-                        <a:t> 80 </a:t>
-                      </a:r>
-                      <a:r>
-                        <a:rPr lang="en-US" dirty="0" err="1" smtClean="0"/>
-                        <a:t>hasil</a:t>
-                      </a:r>
-                      <a:r>
-                        <a:rPr lang="en-US" dirty="0" smtClean="0"/>
-                        <a:t> precision </a:t>
-                      </a:r>
-                      <a:r>
-                        <a:rPr lang="en-US" dirty="0" err="1" smtClean="0"/>
-                        <a:t>tertinggi</a:t>
-                      </a:r>
-                      <a:endParaRPr lang="en-US" dirty="0" smtClean="0"/>
-                    </a:p>
-                  </a:txBody>
-                  <a:tcPr/>
-                </a:tc>
-              </a:tr>
-              <a:tr h="370840">
-                <a:tc>
-                  <a:txBody>
-                    <a:bodyPr/>
-                    <a:lstStyle/>
-                    <a:p>
-                      <a:r>
-                        <a:rPr lang="en-US" dirty="0" smtClean="0"/>
-                        <a:t>dataset2</a:t>
-                      </a:r>
-                      <a:endParaRPr lang="en-US" dirty="0"/>
-                    </a:p>
-                  </a:txBody>
-                  <a:tcPr/>
-                </a:tc>
-                <a:tc>
-                  <a:txBody>
-                    <a:bodyPr/>
-                    <a:lstStyle/>
-                    <a:p>
-                      <a:r>
-                        <a:rPr lang="en-US" dirty="0" smtClean="0"/>
-                        <a:t>datatraining3</a:t>
-                      </a:r>
-                      <a:endParaRPr lang="en-US" dirty="0"/>
-                    </a:p>
-                  </a:txBody>
-                  <a:tcPr/>
-                </a:tc>
-                <a:tc>
-                  <a:txBody>
-                    <a:bodyPr/>
-                    <a:lstStyle/>
-                    <a:p>
-                      <a:r>
-                        <a:rPr lang="en-US" dirty="0" smtClean="0"/>
-                        <a:t>50</a:t>
-                      </a:r>
-                      <a:endParaRPr lang="en-US" dirty="0"/>
-                    </a:p>
-                  </a:txBody>
-                  <a:tcPr/>
-                </a:tc>
-                <a:tc>
-                  <a:txBody>
-                    <a:bodyPr/>
-                    <a:lstStyle/>
-                    <a:p>
-                      <a:r>
-                        <a:rPr lang="en-US" dirty="0" smtClean="0"/>
-                        <a:t>39,88</a:t>
-                      </a:r>
-                      <a:endParaRPr lang="en-US" dirty="0"/>
-                    </a:p>
-                  </a:txBody>
-                  <a:tcPr/>
-                </a:tc>
-                <a:tc>
-                  <a:txBody>
-                    <a:bodyPr/>
-                    <a:lstStyle/>
-                    <a:p>
-                      <a:endParaRPr lang="en-US" dirty="0"/>
-                    </a:p>
-                  </a:txBody>
-                  <a:tcPr/>
-                </a:tc>
-                <a:tc>
-                  <a:txBody>
-                    <a:bodyPr/>
-                    <a:lstStyle/>
-                    <a:p>
-                      <a:r>
-                        <a:rPr lang="en-US" dirty="0" err="1" smtClean="0"/>
-                        <a:t>Dengan</a:t>
-                      </a:r>
-                      <a:r>
-                        <a:rPr lang="en-US" dirty="0" smtClean="0"/>
-                        <a:t> </a:t>
-                      </a:r>
-                      <a:r>
-                        <a:rPr lang="en-US" dirty="0" err="1" smtClean="0"/>
-                        <a:t>kategori</a:t>
-                      </a:r>
-                      <a:r>
-                        <a:rPr lang="en-US" dirty="0" smtClean="0"/>
-                        <a:t> random </a:t>
-                      </a:r>
-                      <a:r>
-                        <a:rPr lang="en-US" dirty="0" err="1" smtClean="0"/>
-                        <a:t>dipilih</a:t>
-                      </a:r>
-                      <a:r>
-                        <a:rPr lang="en-US" dirty="0" smtClean="0"/>
-                        <a:t> </a:t>
-                      </a:r>
-                      <a:r>
-                        <a:rPr lang="en-US" dirty="0" err="1" smtClean="0"/>
-                        <a:t>hasil</a:t>
-                      </a:r>
-                      <a:r>
-                        <a:rPr lang="en-US" dirty="0" smtClean="0"/>
-                        <a:t> precision </a:t>
-                      </a:r>
-                      <a:r>
-                        <a:rPr lang="en-US" dirty="0" err="1" smtClean="0"/>
-                        <a:t>tertinggi</a:t>
-                      </a:r>
-                      <a:endParaRPr lang="en-US" dirty="0"/>
-                    </a:p>
-                  </a:txBody>
-                  <a:tcPr/>
-                </a:tc>
-              </a:tr>
-              <a:tr h="370840">
-                <a:tc>
-                  <a:txBody>
-                    <a:bodyPr/>
-                    <a:lstStyle/>
-                    <a:p>
-                      <a:endParaRPr lang="en-US" dirty="0"/>
-                    </a:p>
-                  </a:txBody>
-                  <a:tcPr/>
-                </a:tc>
-                <a:tc>
-                  <a:txBody>
-                    <a:bodyPr/>
-                    <a:lstStyle/>
-                    <a:p>
-                      <a:endParaRPr lang="en-US" dirty="0"/>
-                    </a:p>
-                  </a:txBody>
-                  <a:tcPr/>
-                </a:tc>
-                <a:tc>
-                  <a:txBody>
-                    <a:bodyPr/>
-                    <a:lstStyle/>
-                    <a:p>
-                      <a:endParaRPr lang="en-US" dirty="0"/>
-                    </a:p>
-                  </a:txBody>
-                  <a:tcPr/>
-                </a:tc>
-                <a:tc>
-                  <a:txBody>
-                    <a:bodyPr/>
-                    <a:lstStyle/>
-                    <a:p>
-                      <a:endParaRPr lang="en-US" dirty="0"/>
-                    </a:p>
-                  </a:txBody>
-                  <a:tcPr/>
-                </a:tc>
-                <a:tc>
-                  <a:txBody>
-                    <a:bodyPr/>
-                    <a:lstStyle/>
-                    <a:p>
-                      <a:endParaRPr lang="en-US" dirty="0"/>
-                    </a:p>
-                  </a:txBody>
-                  <a:tcPr/>
-                </a:tc>
-                <a:tc>
-                  <a:txBody>
-                    <a:bodyPr/>
-                    <a:lstStyle/>
-                    <a:p>
-                      <a:endParaRPr lang="en-US" dirty="0"/>
-                    </a:p>
-                  </a:txBody>
-                  <a:tcPr/>
-                </a:tc>
-              </a:tr>
-              <a:tr h="370840">
-                <a:tc>
-                  <a:txBody>
-                    <a:bodyPr/>
-                    <a:lstStyle/>
-                    <a:p>
-                      <a:r>
-                        <a:rPr lang="en-US" dirty="0" smtClean="0"/>
-                        <a:t>dataset3</a:t>
-                      </a:r>
-                      <a:endParaRPr lang="en-US" dirty="0"/>
-                    </a:p>
-                  </a:txBody>
-                  <a:tcPr/>
-                </a:tc>
-                <a:tc>
-                  <a:txBody>
-                    <a:bodyPr/>
-                    <a:lstStyle/>
-                    <a:p>
-                      <a:r>
-                        <a:rPr lang="en-US" dirty="0" smtClean="0"/>
-                        <a:t>datatraining4</a:t>
-                      </a:r>
-                      <a:endParaRPr lang="en-US" dirty="0"/>
-                    </a:p>
-                  </a:txBody>
-                  <a:tcPr/>
-                </a:tc>
-                <a:tc>
-                  <a:txBody>
-                    <a:bodyPr/>
-                    <a:lstStyle/>
-                    <a:p>
-                      <a:r>
-                        <a:rPr lang="en-US" dirty="0" smtClean="0"/>
-                        <a:t>100</a:t>
-                      </a:r>
-                      <a:endParaRPr lang="en-US" dirty="0"/>
-                    </a:p>
-                  </a:txBody>
-                  <a:tcPr/>
-                </a:tc>
-                <a:tc>
-                  <a:txBody>
-                    <a:bodyPr/>
-                    <a:lstStyle/>
-                    <a:p>
-                      <a:r>
-                        <a:rPr lang="en-US" dirty="0" smtClean="0"/>
-                        <a:t>33.24</a:t>
-                      </a:r>
-                      <a:endParaRPr lang="en-US" dirty="0"/>
-                    </a:p>
-                  </a:txBody>
-                  <a:tcPr/>
-                </a:tc>
-                <a:tc>
-                  <a:txBody>
-                    <a:bodyPr/>
-                    <a:lstStyle/>
-                    <a:p>
-                      <a:r>
-                        <a:rPr lang="en-US" dirty="0" smtClean="0"/>
-                        <a:t>10</a:t>
-                      </a:r>
-                      <a:endParaRPr lang="en-US" dirty="0"/>
-                    </a:p>
-                  </a:txBody>
-                  <a:tcPr/>
-                </a:tc>
-                <a:tc>
-                  <a:txBody>
-                    <a:bodyPr/>
-                    <a:lstStyle/>
-                    <a:p>
-                      <a:r>
-                        <a:rPr lang="en-US" dirty="0" err="1" smtClean="0"/>
-                        <a:t>Semua</a:t>
-                      </a:r>
-                      <a:r>
-                        <a:rPr lang="en-US" dirty="0" smtClean="0"/>
-                        <a:t> </a:t>
-                      </a:r>
-                      <a:r>
-                        <a:rPr lang="en-US" dirty="0" err="1" smtClean="0"/>
-                        <a:t>kategori</a:t>
-                      </a:r>
-                      <a:endParaRPr lang="en-US" dirty="0"/>
-                    </a:p>
-                  </a:txBody>
-                  <a:tcPr/>
-                </a:tc>
-              </a:tr>
-              <a:tr h="370840">
-                <a:tc>
-                  <a:txBody>
-                    <a:bodyPr/>
-                    <a:lstStyle/>
-                    <a:p>
-                      <a:r>
-                        <a:rPr lang="en-US" dirty="0" smtClean="0"/>
-                        <a:t>dataset3</a:t>
-                      </a:r>
-                      <a:endParaRPr lang="en-US" dirty="0"/>
-                    </a:p>
-                  </a:txBody>
-                  <a:tcPr/>
-                </a:tc>
-                <a:tc>
-                  <a:txBody>
-                    <a:bodyPr/>
-                    <a:lstStyle/>
-                    <a:p>
-                      <a:r>
-                        <a:rPr lang="en-US" dirty="0" smtClean="0"/>
-                        <a:t>datatraining4</a:t>
-                      </a:r>
-                      <a:endParaRPr lang="en-US" dirty="0"/>
-                    </a:p>
-                  </a:txBody>
-                  <a:tcPr/>
-                </a:tc>
-                <a:tc>
-                  <a:txBody>
-                    <a:bodyPr/>
-                    <a:lstStyle/>
-                    <a:p>
-                      <a:r>
-                        <a:rPr lang="en-US" dirty="0" smtClean="0"/>
-                        <a:t>80</a:t>
-                      </a:r>
-                      <a:endParaRPr lang="en-US" dirty="0"/>
-                    </a:p>
-                  </a:txBody>
-                  <a:tcPr/>
-                </a:tc>
-                <a:tc>
-                  <a:txBody>
-                    <a:bodyPr/>
-                    <a:lstStyle/>
-                    <a:p>
-                      <a:r>
-                        <a:rPr lang="en-US" dirty="0" smtClean="0"/>
-                        <a:t>48.4792</a:t>
-                      </a:r>
-                      <a:endParaRPr lang="en-US" dirty="0"/>
-                    </a:p>
-                  </a:txBody>
-                  <a:tcPr/>
-                </a:tc>
-                <a:tc>
-                  <a:txBody>
-                    <a:bodyPr/>
-                    <a:lstStyle/>
-                    <a:p>
-                      <a:r>
-                        <a:rPr lang="en-US" dirty="0" smtClean="0"/>
-                        <a:t>10</a:t>
-                      </a:r>
-                      <a:endParaRPr lang="en-US" dirty="0"/>
-                    </a:p>
-                  </a:txBody>
-                  <a:tcPr/>
-                </a:tc>
-                <a:tc>
-                  <a:txBody>
-                    <a:bodyPr/>
-                    <a:lstStyle/>
-                    <a:p>
-                      <a:pPr marL="0" marR="0" indent="0" algn="l" defTabSz="914400" rtl="0" eaLnBrk="1" fontAlgn="auto" latinLnBrk="0" hangingPunct="1">
-                        <a:lnSpc>
-                          <a:spcPct val="100000"/>
-                        </a:lnSpc>
-                        <a:spcBef>
-                          <a:spcPts val="0"/>
-                        </a:spcBef>
-                        <a:spcAft>
-                          <a:spcPts val="0"/>
-                        </a:spcAft>
-                        <a:buClrTx/>
-                        <a:buSzTx/>
-                        <a:buFontTx/>
-                        <a:buNone/>
-                        <a:tabLst/>
-                        <a:defRPr/>
-                      </a:pPr>
-                      <a:r>
-                        <a:rPr lang="en-US" dirty="0" err="1" smtClean="0"/>
-                        <a:t>Dengan</a:t>
-                      </a:r>
-                      <a:r>
-                        <a:rPr lang="en-US" dirty="0" smtClean="0"/>
-                        <a:t> random  </a:t>
-                      </a:r>
-                      <a:r>
-                        <a:rPr lang="en-US" dirty="0" err="1" smtClean="0"/>
-                        <a:t>kategori</a:t>
-                      </a:r>
-                      <a:r>
-                        <a:rPr lang="en-US" dirty="0" smtClean="0"/>
-                        <a:t> </a:t>
-                      </a:r>
-                      <a:r>
-                        <a:rPr lang="en-US" dirty="0" err="1" smtClean="0"/>
-                        <a:t>dipilih</a:t>
-                      </a:r>
-                      <a:r>
-                        <a:rPr lang="en-US" dirty="0" smtClean="0"/>
-                        <a:t> 80 </a:t>
-                      </a:r>
-                      <a:r>
-                        <a:rPr lang="en-US" dirty="0" err="1" smtClean="0"/>
-                        <a:t>hasil</a:t>
-                      </a:r>
-                      <a:r>
-                        <a:rPr lang="en-US" dirty="0" smtClean="0"/>
-                        <a:t> precision </a:t>
-                      </a:r>
-                      <a:r>
-                        <a:rPr lang="en-US" dirty="0" err="1" smtClean="0"/>
-                        <a:t>tertinggi</a:t>
-                      </a:r>
-                      <a:endParaRPr lang="en-US" dirty="0" smtClean="0"/>
-                    </a:p>
-                  </a:txBody>
-                  <a:tcPr/>
-                </a:tc>
-              </a:tr>
-              <a:tr h="370840">
-                <a:tc>
-                  <a:txBody>
-                    <a:bodyPr/>
-                    <a:lstStyle/>
-                    <a:p>
-                      <a:r>
-                        <a:rPr lang="en-US" dirty="0" smtClean="0"/>
-                        <a:t>dataset3</a:t>
-                      </a:r>
-                      <a:endParaRPr lang="en-US" dirty="0"/>
-                    </a:p>
-                  </a:txBody>
-                  <a:tcPr/>
-                </a:tc>
-                <a:tc>
-                  <a:txBody>
-                    <a:bodyPr/>
-                    <a:lstStyle/>
-                    <a:p>
-                      <a:r>
-                        <a:rPr lang="en-US" dirty="0" smtClean="0"/>
-                        <a:t>datatraining4</a:t>
-                      </a:r>
-                      <a:endParaRPr lang="en-US" dirty="0"/>
-                    </a:p>
-                  </a:txBody>
-                  <a:tcPr/>
-                </a:tc>
-                <a:tc>
-                  <a:txBody>
-                    <a:bodyPr/>
-                    <a:lstStyle/>
-                    <a:p>
-                      <a:r>
-                        <a:rPr lang="en-US" dirty="0" smtClean="0"/>
-                        <a:t>50</a:t>
-                      </a:r>
-                      <a:endParaRPr lang="en-US" dirty="0"/>
-                    </a:p>
-                  </a:txBody>
-                  <a:tcPr/>
-                </a:tc>
-                <a:tc>
-                  <a:txBody>
-                    <a:bodyPr/>
-                    <a:lstStyle/>
-                    <a:p>
-                      <a:r>
-                        <a:rPr lang="en-US" noProof="0" dirty="0" smtClean="0"/>
-                        <a:t>59.3</a:t>
-                      </a:r>
-                    </a:p>
-                  </a:txBody>
-                  <a:tcPr/>
-                </a:tc>
-                <a:tc>
-                  <a:txBody>
-                    <a:bodyPr/>
-                    <a:lstStyle/>
-                    <a:p>
-                      <a:r>
-                        <a:rPr lang="en-US" dirty="0" smtClean="0"/>
-                        <a:t>10</a:t>
-                      </a:r>
-                      <a:endParaRPr lang="en-US" dirty="0"/>
-                    </a:p>
-                  </a:txBody>
-                  <a:tcPr/>
-                </a:tc>
-                <a:tc>
-                  <a:txBody>
-                    <a:bodyPr/>
-                    <a:lstStyle/>
-                    <a:p>
-                      <a:pPr marL="0" marR="0" indent="0" algn="l" defTabSz="914400" rtl="0" eaLnBrk="1" fontAlgn="auto" latinLnBrk="0" hangingPunct="1">
-                        <a:lnSpc>
-                          <a:spcPct val="100000"/>
-                        </a:lnSpc>
-                        <a:spcBef>
-                          <a:spcPts val="0"/>
-                        </a:spcBef>
-                        <a:spcAft>
-                          <a:spcPts val="0"/>
-                        </a:spcAft>
-                        <a:buClrTx/>
-                        <a:buSzTx/>
-                        <a:buFontTx/>
-                        <a:buNone/>
-                        <a:tabLst/>
-                        <a:defRPr/>
-                      </a:pPr>
-                      <a:r>
-                        <a:rPr lang="en-US" dirty="0" err="1" smtClean="0"/>
-                        <a:t>Dengan</a:t>
-                      </a:r>
-                      <a:r>
-                        <a:rPr lang="en-US" dirty="0" smtClean="0"/>
-                        <a:t> random </a:t>
-                      </a:r>
-                      <a:r>
-                        <a:rPr lang="en-US" dirty="0" err="1" smtClean="0"/>
-                        <a:t>kategori</a:t>
-                      </a:r>
-                      <a:r>
-                        <a:rPr lang="en-US" dirty="0" smtClean="0"/>
-                        <a:t> </a:t>
-                      </a:r>
-                      <a:r>
-                        <a:rPr lang="en-US" dirty="0" err="1" smtClean="0"/>
-                        <a:t>dipilih</a:t>
-                      </a:r>
-                      <a:r>
-                        <a:rPr lang="en-US" dirty="0" smtClean="0"/>
-                        <a:t> 50</a:t>
-                      </a:r>
-                      <a:r>
-                        <a:rPr lang="en-US" baseline="0" dirty="0" smtClean="0"/>
-                        <a:t> </a:t>
-                      </a:r>
-                      <a:r>
-                        <a:rPr lang="en-US" dirty="0" err="1" smtClean="0"/>
-                        <a:t>hasil</a:t>
-                      </a:r>
-                      <a:r>
-                        <a:rPr lang="en-US" dirty="0" smtClean="0"/>
-                        <a:t> precision </a:t>
-                      </a:r>
-                      <a:r>
-                        <a:rPr lang="en-US" dirty="0" err="1" smtClean="0"/>
-                        <a:t>tertinggi</a:t>
-                      </a:r>
-                      <a:endParaRPr lang="en-US" dirty="0" smtClean="0"/>
-                    </a:p>
-                  </a:txBody>
-                  <a:tcPr/>
-                </a:tc>
-              </a:tr>
-              <a:tr h="370840">
-                <a:tc>
-                  <a:txBody>
-                    <a:bodyPr/>
-                    <a:lstStyle/>
-                    <a:p>
-                      <a:r>
-                        <a:rPr lang="en-US" dirty="0" smtClean="0"/>
-                        <a:t>dataset3</a:t>
-                      </a:r>
-                      <a:endParaRPr lang="en-US" dirty="0"/>
-                    </a:p>
-                  </a:txBody>
-                  <a:tcPr/>
-                </a:tc>
-                <a:tc>
-                  <a:txBody>
-                    <a:bodyPr/>
-                    <a:lstStyle/>
-                    <a:p>
-                      <a:r>
-                        <a:rPr lang="en-US" dirty="0" smtClean="0"/>
-                        <a:t>datatraining4</a:t>
-                      </a:r>
-                      <a:endParaRPr lang="en-US" dirty="0"/>
-                    </a:p>
-                  </a:txBody>
-                  <a:tcPr/>
-                </a:tc>
-                <a:tc>
-                  <a:txBody>
-                    <a:bodyPr/>
-                    <a:lstStyle/>
-                    <a:p>
-                      <a:r>
-                        <a:rPr lang="en-US" dirty="0" smtClean="0"/>
-                        <a:t>100</a:t>
-                      </a:r>
-                      <a:endParaRPr lang="en-US" dirty="0"/>
-                    </a:p>
-                  </a:txBody>
-                  <a:tcPr/>
-                </a:tc>
-                <a:tc>
-                  <a:txBody>
-                    <a:bodyPr/>
-                    <a:lstStyle/>
-                    <a:p>
-                      <a:r>
-                        <a:rPr lang="en-US" dirty="0" smtClean="0"/>
-                        <a:t>31</a:t>
-                      </a:r>
-                      <a:endParaRPr lang="en-US" dirty="0"/>
-                    </a:p>
-                  </a:txBody>
-                  <a:tcPr/>
-                </a:tc>
-                <a:tc>
-                  <a:txBody>
-                    <a:bodyPr/>
-                    <a:lstStyle/>
-                    <a:p>
-                      <a:r>
-                        <a:rPr lang="en-US" dirty="0" smtClean="0"/>
-                        <a:t>12</a:t>
-                      </a:r>
-                      <a:endParaRPr lang="en-US" dirty="0"/>
-                    </a:p>
-                  </a:txBody>
-                  <a:tcPr/>
-                </a:tc>
-                <a:tc>
-                  <a:txBody>
-                    <a:bodyPr/>
-                    <a:lstStyle/>
-                    <a:p>
-                      <a:r>
-                        <a:rPr lang="en-US" dirty="0" err="1" smtClean="0"/>
-                        <a:t>Semua</a:t>
-                      </a:r>
-                      <a:r>
-                        <a:rPr lang="en-US" dirty="0" smtClean="0"/>
-                        <a:t> </a:t>
-                      </a:r>
-                      <a:r>
-                        <a:rPr lang="en-US" dirty="0" err="1" smtClean="0"/>
-                        <a:t>kategori</a:t>
-                      </a:r>
-                      <a:endParaRPr lang="en-US" dirty="0"/>
-                    </a:p>
-                  </a:txBody>
-                  <a:tcPr/>
-                </a:tc>
-              </a:tr>
-              <a:tr h="370840">
-                <a:tc>
-                  <a:txBody>
-                    <a:bodyPr/>
-                    <a:lstStyle/>
-                    <a:p>
-                      <a:r>
-                        <a:rPr lang="en-US" dirty="0" smtClean="0"/>
-                        <a:t>dataset3</a:t>
-                      </a:r>
-                      <a:endParaRPr lang="en-US" dirty="0"/>
-                    </a:p>
-                  </a:txBody>
-                  <a:tcPr/>
-                </a:tc>
-                <a:tc>
-                  <a:txBody>
-                    <a:bodyPr/>
-                    <a:lstStyle/>
-                    <a:p>
-                      <a:r>
-                        <a:rPr lang="en-US" dirty="0" smtClean="0"/>
-                        <a:t>datatraining4</a:t>
-                      </a:r>
-                      <a:endParaRPr lang="en-US" dirty="0"/>
-                    </a:p>
-                  </a:txBody>
-                  <a:tcPr/>
-                </a:tc>
-                <a:tc>
-                  <a:txBody>
-                    <a:bodyPr/>
-                    <a:lstStyle/>
-                    <a:p>
-                      <a:r>
-                        <a:rPr lang="en-US" dirty="0" smtClean="0"/>
-                        <a:t>80</a:t>
-                      </a:r>
-                      <a:endParaRPr lang="en-US" dirty="0"/>
-                    </a:p>
-                  </a:txBody>
-                  <a:tcPr/>
-                </a:tc>
-                <a:tc>
-                  <a:txBody>
-                    <a:bodyPr/>
-                    <a:lstStyle/>
-                    <a:p>
-                      <a:r>
-                        <a:rPr lang="en-US" dirty="0" smtClean="0"/>
-                        <a:t>36.4167</a:t>
-                      </a:r>
-                      <a:endParaRPr lang="en-US" dirty="0"/>
-                    </a:p>
-                  </a:txBody>
-                  <a:tcPr/>
-                </a:tc>
-                <a:tc>
-                  <a:txBody>
-                    <a:bodyPr/>
-                    <a:lstStyle/>
-                    <a:p>
-                      <a:r>
-                        <a:rPr lang="en-US" dirty="0" smtClean="0"/>
-                        <a:t>12</a:t>
-                      </a:r>
-                      <a:endParaRPr lang="en-US" dirty="0"/>
-                    </a:p>
-                  </a:txBody>
-                  <a:tcPr/>
-                </a:tc>
-                <a:tc>
-                  <a:txBody>
-                    <a:bodyPr/>
-                    <a:lstStyle/>
-                    <a:p>
-                      <a:pPr marL="0" marR="0" indent="0" algn="l" defTabSz="914400" rtl="0" eaLnBrk="1" fontAlgn="auto" latinLnBrk="0" hangingPunct="1">
-                        <a:lnSpc>
-                          <a:spcPct val="100000"/>
-                        </a:lnSpc>
-                        <a:spcBef>
-                          <a:spcPts val="0"/>
-                        </a:spcBef>
-                        <a:spcAft>
-                          <a:spcPts val="0"/>
-                        </a:spcAft>
-                        <a:buClrTx/>
-                        <a:buSzTx/>
-                        <a:buFontTx/>
-                        <a:buNone/>
-                        <a:tabLst/>
-                        <a:defRPr/>
-                      </a:pPr>
-                      <a:r>
-                        <a:rPr lang="en-US" dirty="0" err="1" smtClean="0"/>
-                        <a:t>Dengan</a:t>
-                      </a:r>
-                      <a:r>
-                        <a:rPr lang="en-US" dirty="0" smtClean="0"/>
-                        <a:t> random  </a:t>
-                      </a:r>
-                      <a:r>
-                        <a:rPr lang="en-US" dirty="0" err="1" smtClean="0"/>
-                        <a:t>kategori</a:t>
-                      </a:r>
-                      <a:r>
-                        <a:rPr lang="en-US" dirty="0" smtClean="0"/>
-                        <a:t> </a:t>
-                      </a:r>
-                      <a:r>
-                        <a:rPr lang="en-US" dirty="0" err="1" smtClean="0"/>
-                        <a:t>dipilih</a:t>
-                      </a:r>
-                      <a:r>
-                        <a:rPr lang="en-US" dirty="0" smtClean="0"/>
-                        <a:t> 80 </a:t>
-                      </a:r>
-                      <a:r>
-                        <a:rPr lang="en-US" dirty="0" err="1" smtClean="0"/>
-                        <a:t>hasil</a:t>
-                      </a:r>
-                      <a:r>
-                        <a:rPr lang="en-US" dirty="0" smtClean="0"/>
-                        <a:t> precision </a:t>
-                      </a:r>
-                      <a:r>
-                        <a:rPr lang="en-US" dirty="0" err="1" smtClean="0"/>
-                        <a:t>tertinggi</a:t>
-                      </a:r>
-                      <a:endParaRPr lang="en-US" dirty="0" smtClean="0"/>
-                    </a:p>
-                  </a:txBody>
-                  <a:tcPr/>
-                </a:tc>
-              </a:tr>
-              <a:tr h="370840">
-                <a:tc>
-                  <a:txBody>
-                    <a:bodyPr/>
-                    <a:lstStyle/>
-                    <a:p>
-                      <a:r>
-                        <a:rPr lang="en-US" dirty="0" smtClean="0"/>
-                        <a:t>dataset3</a:t>
-                      </a:r>
-                      <a:endParaRPr lang="en-US" dirty="0"/>
-                    </a:p>
-                  </a:txBody>
-                  <a:tcPr/>
-                </a:tc>
-                <a:tc>
-                  <a:txBody>
-                    <a:bodyPr/>
-                    <a:lstStyle/>
-                    <a:p>
-                      <a:r>
-                        <a:rPr lang="en-US" dirty="0" smtClean="0"/>
-                        <a:t>datatraining4</a:t>
-                      </a:r>
-                      <a:endParaRPr lang="en-US" dirty="0"/>
-                    </a:p>
-                  </a:txBody>
-                  <a:tcPr/>
-                </a:tc>
-                <a:tc>
-                  <a:txBody>
-                    <a:bodyPr/>
-                    <a:lstStyle/>
-                    <a:p>
-                      <a:r>
-                        <a:rPr lang="en-US" dirty="0" smtClean="0"/>
-                        <a:t>50</a:t>
-                      </a:r>
-                      <a:endParaRPr lang="en-US" dirty="0"/>
-                    </a:p>
-                  </a:txBody>
-                  <a:tcPr/>
-                </a:tc>
-                <a:tc>
-                  <a:txBody>
-                    <a:bodyPr/>
-                    <a:lstStyle/>
-                    <a:p>
-                      <a:r>
-                        <a:rPr lang="en-US" dirty="0" smtClean="0"/>
-                        <a:t>46.1667</a:t>
-                      </a:r>
-                      <a:endParaRPr lang="en-US" dirty="0"/>
-                    </a:p>
-                  </a:txBody>
-                  <a:tcPr/>
-                </a:tc>
-                <a:tc>
-                  <a:txBody>
-                    <a:bodyPr/>
-                    <a:lstStyle/>
-                    <a:p>
-                      <a:r>
-                        <a:rPr lang="en-US" dirty="0" smtClean="0"/>
-                        <a:t>12</a:t>
-                      </a:r>
-                      <a:endParaRPr lang="en-US" dirty="0"/>
-                    </a:p>
-                  </a:txBody>
-                  <a:tcPr/>
-                </a:tc>
-                <a:tc>
-                  <a:txBody>
-                    <a:bodyPr/>
-                    <a:lstStyle/>
-                    <a:p>
-                      <a:pPr marL="0" marR="0" indent="0" algn="l" defTabSz="914400" rtl="0" eaLnBrk="1" fontAlgn="auto" latinLnBrk="0" hangingPunct="1">
-                        <a:lnSpc>
-                          <a:spcPct val="100000"/>
-                        </a:lnSpc>
-                        <a:spcBef>
-                          <a:spcPts val="0"/>
-                        </a:spcBef>
-                        <a:spcAft>
-                          <a:spcPts val="0"/>
-                        </a:spcAft>
-                        <a:buClrTx/>
-                        <a:buSzTx/>
-                        <a:buFontTx/>
-                        <a:buNone/>
-                        <a:tabLst/>
-                        <a:defRPr/>
-                      </a:pPr>
-                      <a:r>
-                        <a:rPr lang="en-US" dirty="0" err="1" smtClean="0"/>
-                        <a:t>Dengan</a:t>
-                      </a:r>
-                      <a:r>
-                        <a:rPr lang="en-US" dirty="0" smtClean="0"/>
-                        <a:t> random </a:t>
-                      </a:r>
-                      <a:r>
-                        <a:rPr lang="en-US" dirty="0" err="1" smtClean="0"/>
-                        <a:t>kategori</a:t>
-                      </a:r>
-                      <a:r>
-                        <a:rPr lang="en-US" dirty="0" smtClean="0"/>
-                        <a:t> </a:t>
-                      </a:r>
-                      <a:r>
-                        <a:rPr lang="en-US" dirty="0" err="1" smtClean="0"/>
-                        <a:t>dipilih</a:t>
-                      </a:r>
-                      <a:r>
-                        <a:rPr lang="en-US" dirty="0" smtClean="0"/>
-                        <a:t> 50</a:t>
-                      </a:r>
-                      <a:r>
-                        <a:rPr lang="en-US" baseline="0" dirty="0" smtClean="0"/>
-                        <a:t> </a:t>
-                      </a:r>
-                      <a:r>
-                        <a:rPr lang="en-US" dirty="0" err="1" smtClean="0"/>
-                        <a:t>hasil</a:t>
-                      </a:r>
-                      <a:r>
-                        <a:rPr lang="en-US" dirty="0" smtClean="0"/>
-                        <a:t> precision </a:t>
-                      </a:r>
-                      <a:r>
-                        <a:rPr lang="en-US" dirty="0" err="1" smtClean="0"/>
-                        <a:t>tertinggi</a:t>
-                      </a:r>
-                      <a:endParaRPr lang="en-US" dirty="0" smtClean="0"/>
-                    </a:p>
-                  </a:txBody>
-                  <a:tcPr/>
-                </a:tc>
-              </a:tr>
-              <a:tr h="370840">
-                <a:tc>
-                  <a:txBody>
-                    <a:bodyPr/>
-                    <a:lstStyle/>
-                    <a:p>
-                      <a:r>
-                        <a:rPr lang="en-US" dirty="0" smtClean="0"/>
-                        <a:t>dataset3</a:t>
-                      </a:r>
-                      <a:endParaRPr lang="en-US" dirty="0"/>
-                    </a:p>
-                  </a:txBody>
-                  <a:tcPr/>
-                </a:tc>
-                <a:tc>
-                  <a:txBody>
-                    <a:bodyPr/>
-                    <a:lstStyle/>
-                    <a:p>
-                      <a:r>
-                        <a:rPr lang="en-US" dirty="0" smtClean="0"/>
-                        <a:t>datatraining4</a:t>
-                      </a:r>
-                      <a:endParaRPr lang="en-US" dirty="0"/>
-                    </a:p>
-                  </a:txBody>
-                  <a:tcPr/>
-                </a:tc>
-                <a:tc>
-                  <a:txBody>
-                    <a:bodyPr/>
-                    <a:lstStyle/>
-                    <a:p>
-                      <a:r>
-                        <a:rPr lang="en-US" dirty="0" smtClean="0"/>
-                        <a:t>100</a:t>
-                      </a:r>
-                      <a:endParaRPr lang="en-US" dirty="0"/>
-                    </a:p>
-                  </a:txBody>
-                  <a:tcPr/>
-                </a:tc>
-                <a:tc>
-                  <a:txBody>
-                    <a:bodyPr/>
-                    <a:lstStyle/>
-                    <a:p>
-                      <a:r>
-                        <a:rPr lang="en-US" dirty="0" smtClean="0"/>
-                        <a:t>28.1867</a:t>
-                      </a:r>
-                      <a:endParaRPr lang="en-US" dirty="0"/>
-                    </a:p>
-                  </a:txBody>
-                  <a:tcPr/>
-                </a:tc>
-                <a:tc>
-                  <a:txBody>
-                    <a:bodyPr/>
-                    <a:lstStyle/>
-                    <a:p>
-                      <a:r>
-                        <a:rPr lang="en-US" dirty="0" smtClean="0"/>
-                        <a:t>15</a:t>
-                      </a:r>
-                      <a:endParaRPr lang="en-US" dirty="0"/>
-                    </a:p>
-                  </a:txBody>
-                  <a:tcPr/>
-                </a:tc>
-                <a:tc>
-                  <a:txBody>
-                    <a:bodyPr/>
-                    <a:lstStyle/>
-                    <a:p>
-                      <a:r>
-                        <a:rPr lang="en-US" dirty="0" err="1" smtClean="0"/>
-                        <a:t>Semua</a:t>
-                      </a:r>
-                      <a:r>
-                        <a:rPr lang="en-US" dirty="0" smtClean="0"/>
-                        <a:t> </a:t>
-                      </a:r>
-                      <a:r>
-                        <a:rPr lang="en-US" dirty="0" err="1" smtClean="0"/>
-                        <a:t>kategori</a:t>
-                      </a:r>
-                      <a:endParaRPr lang="en-US" dirty="0"/>
-                    </a:p>
-                  </a:txBody>
-                  <a:tcPr/>
-                </a:tc>
-              </a:tr>
-              <a:tr h="370840">
-                <a:tc>
-                  <a:txBody>
-                    <a:bodyPr/>
-                    <a:lstStyle/>
-                    <a:p>
-                      <a:r>
-                        <a:rPr lang="en-US" dirty="0" smtClean="0"/>
-                        <a:t>dataset3</a:t>
-                      </a:r>
-                      <a:endParaRPr lang="en-US" dirty="0"/>
-                    </a:p>
-                  </a:txBody>
-                  <a:tcPr/>
-                </a:tc>
-                <a:tc>
-                  <a:txBody>
-                    <a:bodyPr/>
-                    <a:lstStyle/>
-                    <a:p>
-                      <a:r>
-                        <a:rPr lang="en-US" dirty="0" smtClean="0"/>
-                        <a:t>datatraining4</a:t>
-                      </a:r>
-                      <a:endParaRPr lang="en-US" dirty="0"/>
-                    </a:p>
-                  </a:txBody>
-                  <a:tcPr/>
-                </a:tc>
-                <a:tc>
-                  <a:txBody>
-                    <a:bodyPr/>
-                    <a:lstStyle/>
-                    <a:p>
-                      <a:r>
-                        <a:rPr lang="en-US" dirty="0" smtClean="0"/>
-                        <a:t>80</a:t>
-                      </a:r>
-                      <a:endParaRPr lang="en-US" dirty="0"/>
-                    </a:p>
-                  </a:txBody>
-                  <a:tcPr/>
-                </a:tc>
-                <a:tc>
-                  <a:txBody>
-                    <a:bodyPr/>
-                    <a:lstStyle/>
-                    <a:p>
-                      <a:r>
-                        <a:rPr lang="en-US" dirty="0" smtClean="0"/>
-                        <a:t>33.0833</a:t>
-                      </a:r>
-                      <a:endParaRPr lang="en-US" dirty="0"/>
-                    </a:p>
-                  </a:txBody>
-                  <a:tcPr/>
-                </a:tc>
-                <a:tc>
-                  <a:txBody>
-                    <a:bodyPr/>
-                    <a:lstStyle/>
-                    <a:p>
-                      <a:r>
-                        <a:rPr lang="en-US" dirty="0" smtClean="0"/>
-                        <a:t>15</a:t>
-                      </a:r>
-                      <a:endParaRPr lang="en-US" dirty="0"/>
-                    </a:p>
-                  </a:txBody>
-                  <a:tcPr/>
-                </a:tc>
-                <a:tc>
-                  <a:txBody>
-                    <a:bodyPr/>
-                    <a:lstStyle/>
-                    <a:p>
-                      <a:pPr marL="0" marR="0" indent="0" algn="l" defTabSz="914400" rtl="0" eaLnBrk="1" fontAlgn="auto" latinLnBrk="0" hangingPunct="1">
-                        <a:lnSpc>
-                          <a:spcPct val="100000"/>
-                        </a:lnSpc>
-                        <a:spcBef>
-                          <a:spcPts val="0"/>
-                        </a:spcBef>
-                        <a:spcAft>
-                          <a:spcPts val="0"/>
-                        </a:spcAft>
-                        <a:buClrTx/>
-                        <a:buSzTx/>
-                        <a:buFontTx/>
-                        <a:buNone/>
-                        <a:tabLst/>
-                        <a:defRPr/>
-                      </a:pPr>
-                      <a:r>
-                        <a:rPr lang="en-US" dirty="0" err="1" smtClean="0"/>
-                        <a:t>Dengan</a:t>
-                      </a:r>
-                      <a:r>
-                        <a:rPr lang="en-US" dirty="0" smtClean="0"/>
-                        <a:t> random  </a:t>
-                      </a:r>
-                      <a:r>
-                        <a:rPr lang="en-US" dirty="0" err="1" smtClean="0"/>
-                        <a:t>kategori</a:t>
-                      </a:r>
-                      <a:r>
-                        <a:rPr lang="en-US" dirty="0" smtClean="0"/>
-                        <a:t> </a:t>
-                      </a:r>
-                      <a:r>
-                        <a:rPr lang="en-US" dirty="0" err="1" smtClean="0"/>
-                        <a:t>dipilih</a:t>
-                      </a:r>
-                      <a:r>
-                        <a:rPr lang="en-US" dirty="0" smtClean="0"/>
-                        <a:t> 80 </a:t>
-                      </a:r>
-                      <a:r>
-                        <a:rPr lang="en-US" dirty="0" err="1" smtClean="0"/>
-                        <a:t>hasil</a:t>
-                      </a:r>
-                      <a:r>
-                        <a:rPr lang="en-US" dirty="0" smtClean="0"/>
-                        <a:t> precision </a:t>
-                      </a:r>
-                      <a:r>
-                        <a:rPr lang="en-US" dirty="0" err="1" smtClean="0"/>
-                        <a:t>tertinggi</a:t>
-                      </a:r>
-                      <a:endParaRPr lang="en-US" dirty="0" smtClean="0"/>
-                    </a:p>
-                  </a:txBody>
-                  <a:tcPr/>
-                </a:tc>
-              </a:tr>
-              <a:tr h="370840">
-                <a:tc>
-                  <a:txBody>
-                    <a:bodyPr/>
-                    <a:lstStyle/>
-                    <a:p>
-                      <a:r>
-                        <a:rPr lang="en-US" dirty="0" smtClean="0"/>
-                        <a:t>dataset3</a:t>
-                      </a:r>
-                      <a:endParaRPr lang="en-US" dirty="0"/>
-                    </a:p>
-                  </a:txBody>
-                  <a:tcPr/>
-                </a:tc>
-                <a:tc>
-                  <a:txBody>
-                    <a:bodyPr/>
-                    <a:lstStyle/>
-                    <a:p>
-                      <a:r>
-                        <a:rPr lang="en-US" dirty="0" smtClean="0"/>
-                        <a:t>datatraining4</a:t>
-                      </a:r>
-                      <a:endParaRPr lang="en-US" dirty="0"/>
-                    </a:p>
-                  </a:txBody>
-                  <a:tcPr/>
-                </a:tc>
-                <a:tc>
-                  <a:txBody>
-                    <a:bodyPr/>
-                    <a:lstStyle/>
-                    <a:p>
-                      <a:r>
-                        <a:rPr lang="en-US" dirty="0" smtClean="0"/>
-                        <a:t>50</a:t>
-                      </a:r>
-                      <a:endParaRPr lang="en-US" dirty="0"/>
-                    </a:p>
-                  </a:txBody>
-                  <a:tcPr/>
-                </a:tc>
-                <a:tc>
-                  <a:txBody>
-                    <a:bodyPr/>
-                    <a:lstStyle/>
-                    <a:p>
-                      <a:r>
-                        <a:rPr lang="en-US" dirty="0" smtClean="0"/>
-                        <a:t>42.1867</a:t>
-                      </a:r>
-                      <a:endParaRPr lang="en-US" dirty="0"/>
-                    </a:p>
-                  </a:txBody>
-                  <a:tcPr/>
-                </a:tc>
-                <a:tc>
-                  <a:txBody>
-                    <a:bodyPr/>
-                    <a:lstStyle/>
-                    <a:p>
-                      <a:r>
-                        <a:rPr lang="en-US" dirty="0" smtClean="0"/>
-                        <a:t>15</a:t>
-                      </a:r>
-                      <a:endParaRPr lang="en-US" dirty="0"/>
-                    </a:p>
-                  </a:txBody>
-                  <a:tcPr/>
-                </a:tc>
-                <a:tc>
-                  <a:txBody>
-                    <a:bodyPr/>
-                    <a:lstStyle/>
-                    <a:p>
-                      <a:pPr marL="0" marR="0" indent="0" algn="l" defTabSz="914400" rtl="0" eaLnBrk="1" fontAlgn="auto" latinLnBrk="0" hangingPunct="1">
-                        <a:lnSpc>
-                          <a:spcPct val="100000"/>
-                        </a:lnSpc>
-                        <a:spcBef>
-                          <a:spcPts val="0"/>
-                        </a:spcBef>
-                        <a:spcAft>
-                          <a:spcPts val="0"/>
-                        </a:spcAft>
-                        <a:buClrTx/>
-                        <a:buSzTx/>
-                        <a:buFontTx/>
-                        <a:buNone/>
-                        <a:tabLst/>
-                        <a:defRPr/>
-                      </a:pPr>
-                      <a:r>
-                        <a:rPr lang="en-US" dirty="0" err="1" smtClean="0"/>
-                        <a:t>Dengan</a:t>
-                      </a:r>
-                      <a:r>
-                        <a:rPr lang="en-US" dirty="0" smtClean="0"/>
-                        <a:t> random </a:t>
-                      </a:r>
-                      <a:r>
-                        <a:rPr lang="en-US" dirty="0" err="1" smtClean="0"/>
-                        <a:t>kategori</a:t>
-                      </a:r>
-                      <a:r>
-                        <a:rPr lang="en-US" dirty="0" smtClean="0"/>
-                        <a:t> </a:t>
-                      </a:r>
-                      <a:r>
-                        <a:rPr lang="en-US" dirty="0" err="1" smtClean="0"/>
-                        <a:t>dipilih</a:t>
-                      </a:r>
-                      <a:r>
-                        <a:rPr lang="en-US" dirty="0" smtClean="0"/>
-                        <a:t> 50</a:t>
-                      </a:r>
-                      <a:r>
-                        <a:rPr lang="en-US" baseline="0" dirty="0" smtClean="0"/>
-                        <a:t> </a:t>
-                      </a:r>
-                      <a:r>
-                        <a:rPr lang="en-US" dirty="0" err="1" smtClean="0"/>
-                        <a:t>hasil</a:t>
-                      </a:r>
-                      <a:r>
-                        <a:rPr lang="en-US" dirty="0" smtClean="0"/>
-                        <a:t> precision </a:t>
-                      </a:r>
-                      <a:r>
-                        <a:rPr lang="en-US" dirty="0" err="1" smtClean="0"/>
-                        <a:t>tertinggi</a:t>
-                      </a:r>
-                      <a:endParaRPr lang="en-US" dirty="0" smtClean="0"/>
-                    </a:p>
-                  </a:txBody>
-                  <a:tcPr/>
-                </a:tc>
-              </a:tr>
-              <a:tr h="370840">
-                <a:tc>
-                  <a:txBody>
-                    <a:bodyPr/>
-                    <a:lstStyle/>
-                    <a:p>
-                      <a:r>
-                        <a:rPr lang="en-US" dirty="0" smtClean="0"/>
-                        <a:t>dataset3</a:t>
-                      </a:r>
-                      <a:endParaRPr lang="en-US" dirty="0"/>
-                    </a:p>
-                  </a:txBody>
-                  <a:tcPr/>
-                </a:tc>
-                <a:tc>
-                  <a:txBody>
-                    <a:bodyPr/>
-                    <a:lstStyle/>
-                    <a:p>
-                      <a:r>
-                        <a:rPr lang="en-US" dirty="0" smtClean="0"/>
-                        <a:t>datatraining4</a:t>
-                      </a:r>
-                      <a:endParaRPr lang="en-US" dirty="0"/>
-                    </a:p>
-                  </a:txBody>
-                  <a:tcPr/>
-                </a:tc>
-                <a:tc>
-                  <a:txBody>
-                    <a:bodyPr/>
-                    <a:lstStyle/>
-                    <a:p>
-                      <a:r>
-                        <a:rPr lang="en-US" dirty="0" smtClean="0"/>
-                        <a:t>100</a:t>
-                      </a:r>
-                      <a:endParaRPr lang="en-US" dirty="0"/>
-                    </a:p>
-                  </a:txBody>
-                  <a:tcPr/>
-                </a:tc>
-                <a:tc>
-                  <a:txBody>
-                    <a:bodyPr/>
-                    <a:lstStyle/>
-                    <a:p>
-                      <a:r>
-                        <a:rPr lang="en-US" dirty="0" smtClean="0"/>
-                        <a:t>24,51</a:t>
-                      </a:r>
-                      <a:endParaRPr lang="en-US" dirty="0"/>
-                    </a:p>
-                  </a:txBody>
-                  <a:tcPr/>
-                </a:tc>
-                <a:tc>
-                  <a:txBody>
-                    <a:bodyPr/>
-                    <a:lstStyle/>
-                    <a:p>
-                      <a:r>
-                        <a:rPr lang="en-US" dirty="0" smtClean="0"/>
-                        <a:t>20</a:t>
-                      </a:r>
-                      <a:endParaRPr lang="en-US" dirty="0"/>
-                    </a:p>
-                  </a:txBody>
-                  <a:tcPr/>
-                </a:tc>
-                <a:tc>
-                  <a:txBody>
-                    <a:bodyPr/>
-                    <a:lstStyle/>
-                    <a:p>
-                      <a:r>
-                        <a:rPr lang="en-US" dirty="0" err="1" smtClean="0"/>
-                        <a:t>Semua</a:t>
-                      </a:r>
-                      <a:r>
-                        <a:rPr lang="en-US" dirty="0" smtClean="0"/>
-                        <a:t> </a:t>
-                      </a:r>
-                      <a:r>
-                        <a:rPr lang="en-US" dirty="0" err="1" smtClean="0"/>
-                        <a:t>kategori</a:t>
-                      </a:r>
-                      <a:endParaRPr lang="en-US" dirty="0"/>
-                    </a:p>
-                  </a:txBody>
-                  <a:tcPr/>
-                </a:tc>
-              </a:tr>
-              <a:tr h="370840">
-                <a:tc>
-                  <a:txBody>
-                    <a:bodyPr/>
-                    <a:lstStyle/>
-                    <a:p>
-                      <a:r>
-                        <a:rPr lang="en-US" dirty="0" smtClean="0"/>
-                        <a:t>dataset3</a:t>
-                      </a:r>
-                      <a:endParaRPr lang="en-US" dirty="0"/>
-                    </a:p>
-                  </a:txBody>
-                  <a:tcPr/>
-                </a:tc>
-                <a:tc>
-                  <a:txBody>
-                    <a:bodyPr/>
-                    <a:lstStyle/>
-                    <a:p>
-                      <a:r>
-                        <a:rPr lang="en-US" dirty="0" smtClean="0"/>
-                        <a:t>datatraining4</a:t>
-                      </a:r>
-                      <a:endParaRPr lang="en-US" dirty="0"/>
-                    </a:p>
-                  </a:txBody>
-                  <a:tcPr/>
-                </a:tc>
-                <a:tc>
-                  <a:txBody>
-                    <a:bodyPr/>
-                    <a:lstStyle/>
-                    <a:p>
-                      <a:r>
-                        <a:rPr lang="en-US" dirty="0" smtClean="0"/>
-                        <a:t>80</a:t>
-                      </a:r>
-                      <a:endParaRPr lang="en-US" dirty="0"/>
-                    </a:p>
-                  </a:txBody>
-                  <a:tcPr/>
-                </a:tc>
-                <a:tc>
-                  <a:txBody>
-                    <a:bodyPr/>
-                    <a:lstStyle/>
-                    <a:p>
-                      <a:r>
-                        <a:rPr lang="en-US" dirty="0" smtClean="0"/>
-                        <a:t>28,7</a:t>
-                      </a:r>
-                      <a:endParaRPr lang="en-US" dirty="0"/>
-                    </a:p>
-                  </a:txBody>
-                  <a:tcPr/>
-                </a:tc>
-                <a:tc>
-                  <a:txBody>
-                    <a:bodyPr/>
-                    <a:lstStyle/>
-                    <a:p>
-                      <a:r>
-                        <a:rPr lang="en-US" dirty="0" smtClean="0"/>
-                        <a:t>20</a:t>
-                      </a:r>
-                      <a:endParaRPr lang="en-US" dirty="0"/>
-                    </a:p>
-                  </a:txBody>
-                  <a:tcPr/>
-                </a:tc>
-                <a:tc>
-                  <a:txBody>
-                    <a:bodyPr/>
-                    <a:lstStyle/>
-                    <a:p>
-                      <a:pPr marL="0" marR="0" indent="0" algn="l" defTabSz="914400" rtl="0" eaLnBrk="1" fontAlgn="auto" latinLnBrk="0" hangingPunct="1">
-                        <a:lnSpc>
-                          <a:spcPct val="100000"/>
-                        </a:lnSpc>
-                        <a:spcBef>
-                          <a:spcPts val="0"/>
-                        </a:spcBef>
-                        <a:spcAft>
-                          <a:spcPts val="0"/>
-                        </a:spcAft>
-                        <a:buClrTx/>
-                        <a:buSzTx/>
-                        <a:buFontTx/>
-                        <a:buNone/>
-                        <a:tabLst/>
-                        <a:defRPr/>
-                      </a:pPr>
-                      <a:r>
-                        <a:rPr lang="en-US" dirty="0" err="1" smtClean="0"/>
-                        <a:t>Dengan</a:t>
-                      </a:r>
-                      <a:r>
-                        <a:rPr lang="en-US" dirty="0" smtClean="0"/>
-                        <a:t> random  </a:t>
-                      </a:r>
-                      <a:r>
-                        <a:rPr lang="en-US" dirty="0" err="1" smtClean="0"/>
-                        <a:t>kategori</a:t>
-                      </a:r>
-                      <a:r>
-                        <a:rPr lang="en-US" dirty="0" smtClean="0"/>
-                        <a:t> </a:t>
-                      </a:r>
-                      <a:r>
-                        <a:rPr lang="en-US" dirty="0" err="1" smtClean="0"/>
-                        <a:t>dipilih</a:t>
-                      </a:r>
-                      <a:r>
-                        <a:rPr lang="en-US" dirty="0" smtClean="0"/>
-                        <a:t> 80 </a:t>
-                      </a:r>
-                      <a:r>
-                        <a:rPr lang="en-US" dirty="0" err="1" smtClean="0"/>
-                        <a:t>hasil</a:t>
-                      </a:r>
-                      <a:r>
-                        <a:rPr lang="en-US" dirty="0" smtClean="0"/>
-                        <a:t> precision </a:t>
-                      </a:r>
-                      <a:r>
-                        <a:rPr lang="en-US" dirty="0" err="1" smtClean="0"/>
-                        <a:t>tertinggi</a:t>
-                      </a:r>
-                      <a:endParaRPr lang="en-US" dirty="0" smtClean="0"/>
-                    </a:p>
-                  </a:txBody>
-                  <a:tcPr/>
-                </a:tc>
-              </a:tr>
-              <a:tr h="370840">
-                <a:tc>
-                  <a:txBody>
-                    <a:bodyPr/>
-                    <a:lstStyle/>
-                    <a:p>
-                      <a:r>
-                        <a:rPr lang="en-US" dirty="0" smtClean="0"/>
-                        <a:t>dataset3</a:t>
-                      </a:r>
-                      <a:endParaRPr lang="en-US" dirty="0"/>
-                    </a:p>
-                  </a:txBody>
-                  <a:tcPr/>
-                </a:tc>
-                <a:tc>
-                  <a:txBody>
-                    <a:bodyPr/>
-                    <a:lstStyle/>
-                    <a:p>
-                      <a:r>
-                        <a:rPr lang="en-US" dirty="0" smtClean="0"/>
-                        <a:t>datatraining4</a:t>
-                      </a:r>
-                      <a:endParaRPr lang="en-US" dirty="0"/>
-                    </a:p>
-                  </a:txBody>
-                  <a:tcPr/>
-                </a:tc>
-                <a:tc>
-                  <a:txBody>
-                    <a:bodyPr/>
-                    <a:lstStyle/>
-                    <a:p>
-                      <a:r>
-                        <a:rPr lang="en-US" dirty="0" smtClean="0"/>
-                        <a:t>50</a:t>
-                      </a:r>
-                      <a:endParaRPr lang="en-US" dirty="0"/>
-                    </a:p>
-                  </a:txBody>
-                  <a:tcPr/>
-                </a:tc>
-                <a:tc>
-                  <a:txBody>
-                    <a:bodyPr/>
-                    <a:lstStyle/>
-                    <a:p>
-                      <a:r>
-                        <a:rPr lang="en-US" dirty="0" smtClean="0"/>
-                        <a:t>36,7</a:t>
-                      </a:r>
-                      <a:endParaRPr lang="en-US" dirty="0"/>
-                    </a:p>
-                  </a:txBody>
-                  <a:tcPr/>
-                </a:tc>
-                <a:tc>
-                  <a:txBody>
-                    <a:bodyPr/>
-                    <a:lstStyle/>
-                    <a:p>
-                      <a:r>
-                        <a:rPr lang="en-US" dirty="0" smtClean="0"/>
-                        <a:t>20</a:t>
-                      </a:r>
-                      <a:endParaRPr lang="en-US" dirty="0"/>
-                    </a:p>
-                  </a:txBody>
-                  <a:tcPr/>
-                </a:tc>
-                <a:tc>
-                  <a:txBody>
-                    <a:bodyPr/>
-                    <a:lstStyle/>
-                    <a:p>
-                      <a:pPr marL="0" marR="0" indent="0" algn="l" defTabSz="914400" rtl="0" eaLnBrk="1" fontAlgn="auto" latinLnBrk="0" hangingPunct="1">
-                        <a:lnSpc>
-                          <a:spcPct val="100000"/>
-                        </a:lnSpc>
-                        <a:spcBef>
-                          <a:spcPts val="0"/>
-                        </a:spcBef>
-                        <a:spcAft>
-                          <a:spcPts val="0"/>
-                        </a:spcAft>
-                        <a:buClrTx/>
-                        <a:buSzTx/>
-                        <a:buFontTx/>
-                        <a:buNone/>
-                        <a:tabLst/>
-                        <a:defRPr/>
-                      </a:pPr>
-                      <a:r>
-                        <a:rPr lang="en-US" dirty="0" err="1" smtClean="0"/>
-                        <a:t>Dengan</a:t>
-                      </a:r>
-                      <a:r>
-                        <a:rPr lang="en-US" dirty="0" smtClean="0"/>
-                        <a:t> random </a:t>
-                      </a:r>
-                      <a:r>
-                        <a:rPr lang="en-US" dirty="0" err="1" smtClean="0"/>
-                        <a:t>kategori</a:t>
-                      </a:r>
-                      <a:r>
-                        <a:rPr lang="en-US" dirty="0" smtClean="0"/>
-                        <a:t> </a:t>
-                      </a:r>
-                      <a:r>
-                        <a:rPr lang="en-US" dirty="0" err="1" smtClean="0"/>
-                        <a:t>dipilih</a:t>
-                      </a:r>
-                      <a:r>
-                        <a:rPr lang="en-US" dirty="0" smtClean="0"/>
-                        <a:t> 50</a:t>
-                      </a:r>
-                      <a:r>
-                        <a:rPr lang="en-US" baseline="0" dirty="0" smtClean="0"/>
-                        <a:t> </a:t>
-                      </a:r>
-                      <a:r>
-                        <a:rPr lang="en-US" dirty="0" err="1" smtClean="0"/>
-                        <a:t>hasil</a:t>
-                      </a:r>
-                      <a:r>
-                        <a:rPr lang="en-US" dirty="0" smtClean="0"/>
-                        <a:t> precision </a:t>
-                      </a:r>
-                      <a:r>
-                        <a:rPr lang="en-US" dirty="0" err="1" smtClean="0"/>
-                        <a:t>tertinggi</a:t>
-                      </a:r>
-                      <a:endParaRPr lang="en-US" dirty="0" smtClean="0"/>
-                    </a:p>
-                  </a:txBody>
-                  <a:tcPr/>
-                </a:tc>
-              </a:tr>
-            </a:tbl>
-          </a:graphicData>
-        </a:graphic>
-      </p:graphicFrame>
-    </p:spTree>
-    <p:extLst>
-      <p:ext uri="{BB962C8B-B14F-4D97-AF65-F5344CB8AC3E}">
-        <p14:creationId xmlns:p14="http://schemas.microsoft.com/office/powerpoint/2010/main" val="371349944"/>
       </p:ext>
     </p:extLst>
   </p:cSld>
@@ -16286,29 +14974,2017 @@
           </a:p>
         </p:txBody>
       </p:sp>
-      <p:sp>
-        <p:nvSpPr>
-          <p:cNvPr id="3" name="Content Placeholder 2"/>
-          <p:cNvSpPr>
-            <a:spLocks noGrp="1"/>
-          </p:cNvSpPr>
+      <p:graphicFrame>
+        <p:nvGraphicFramePr>
+          <p:cNvPr id="4" name="Content Placeholder 3"/>
+          <p:cNvGraphicFramePr>
+            <a:graphicFrameLocks noGrp="1"/>
+          </p:cNvGraphicFramePr>
           <p:nvPr>
             <p:ph idx="1"/>
+            <p:extLst>
+              <p:ext uri="{D42A27DB-BD31-4B8C-83A1-F6EECF244321}">
+                <p14:modId xmlns:p14="http://schemas.microsoft.com/office/powerpoint/2010/main" val="1004665072"/>
+              </p:ext>
+            </p:extLst>
           </p:nvPr>
-        </p:nvSpPr>
-        <p:spPr/>
-        <p:txBody>
-          <a:bodyPr/>
-          <a:lstStyle/>
-          <a:p>
-            <a:endParaRPr lang="en-US"/>
-          </a:p>
-        </p:txBody>
-      </p:sp>
+        </p:nvGraphicFramePr>
+        <p:xfrm>
+          <a:off x="710184" y="-83248"/>
+          <a:ext cx="10515600" cy="9265920"/>
+        </p:xfrm>
+        <a:graphic>
+          <a:graphicData uri="http://schemas.openxmlformats.org/drawingml/2006/table">
+            <a:tbl>
+              <a:tblPr firstRow="1" bandRow="1">
+                <a:tableStyleId>{5C22544A-7EE6-4342-B048-85BDC9FD1C3A}</a:tableStyleId>
+              </a:tblPr>
+              <a:tblGrid>
+                <a:gridCol w="1100328"/>
+                <a:gridCol w="1517904"/>
+                <a:gridCol w="1060704"/>
+                <a:gridCol w="1152144"/>
+                <a:gridCol w="1847088"/>
+                <a:gridCol w="3837432"/>
+              </a:tblGrid>
+              <a:tr h="370840">
+                <a:tc>
+                  <a:txBody>
+                    <a:bodyPr/>
+                    <a:lstStyle/>
+                    <a:p>
+                      <a:r>
+                        <a:rPr lang="en-US" dirty="0" smtClean="0"/>
+                        <a:t>dataset</a:t>
+                      </a:r>
+                      <a:endParaRPr lang="en-US" dirty="0"/>
+                    </a:p>
+                  </a:txBody>
+                  <a:tcPr/>
+                </a:tc>
+                <a:tc>
+                  <a:txBody>
+                    <a:bodyPr/>
+                    <a:lstStyle/>
+                    <a:p>
+                      <a:r>
+                        <a:rPr lang="en-US" dirty="0" err="1" smtClean="0"/>
+                        <a:t>datatraining</a:t>
+                      </a:r>
+                      <a:endParaRPr lang="en-US" dirty="0"/>
+                    </a:p>
+                  </a:txBody>
+                  <a:tcPr/>
+                </a:tc>
+                <a:tc>
+                  <a:txBody>
+                    <a:bodyPr/>
+                    <a:lstStyle/>
+                    <a:p>
+                      <a:r>
+                        <a:rPr lang="en-US" dirty="0" err="1" smtClean="0"/>
+                        <a:t>Jmlh</a:t>
+                      </a:r>
+                      <a:r>
+                        <a:rPr lang="en-US" dirty="0" smtClean="0"/>
+                        <a:t> </a:t>
+                      </a:r>
+                      <a:r>
+                        <a:rPr lang="en-US" dirty="0" err="1" smtClean="0"/>
+                        <a:t>kategori</a:t>
+                      </a:r>
+                      <a:endParaRPr lang="en-US" dirty="0"/>
+                    </a:p>
+                  </a:txBody>
+                  <a:tcPr/>
+                </a:tc>
+                <a:tc>
+                  <a:txBody>
+                    <a:bodyPr/>
+                    <a:lstStyle/>
+                    <a:p>
+                      <a:r>
+                        <a:rPr lang="en-US" dirty="0" smtClean="0"/>
+                        <a:t>Rata-rata precision</a:t>
+                      </a:r>
+                      <a:endParaRPr lang="en-US" dirty="0"/>
+                    </a:p>
+                  </a:txBody>
+                  <a:tcPr/>
+                </a:tc>
+                <a:tc>
+                  <a:txBody>
+                    <a:bodyPr/>
+                    <a:lstStyle/>
+                    <a:p>
+                      <a:r>
+                        <a:rPr lang="en-US" dirty="0" err="1" smtClean="0"/>
+                        <a:t>Jmlh</a:t>
+                      </a:r>
+                      <a:r>
+                        <a:rPr lang="en-US" dirty="0" smtClean="0"/>
+                        <a:t> image yang </a:t>
+                      </a:r>
+                      <a:r>
+                        <a:rPr lang="en-US" dirty="0" err="1" smtClean="0"/>
+                        <a:t>ditampilkan</a:t>
+                      </a:r>
+                      <a:endParaRPr lang="en-US" dirty="0"/>
+                    </a:p>
+                  </a:txBody>
+                  <a:tcPr/>
+                </a:tc>
+                <a:tc>
+                  <a:txBody>
+                    <a:bodyPr/>
+                    <a:lstStyle/>
+                    <a:p>
+                      <a:r>
+                        <a:rPr lang="en-US" dirty="0" err="1" smtClean="0"/>
+                        <a:t>keterangan</a:t>
+                      </a:r>
+                      <a:endParaRPr lang="en-US" dirty="0"/>
+                    </a:p>
+                  </a:txBody>
+                  <a:tcPr/>
+                </a:tc>
+              </a:tr>
+              <a:tr h="370840">
+                <a:tc>
+                  <a:txBody>
+                    <a:bodyPr/>
+                    <a:lstStyle/>
+                    <a:p>
+                      <a:r>
+                        <a:rPr lang="en-US" dirty="0" smtClean="0"/>
+                        <a:t>dataset2</a:t>
+                      </a:r>
+                      <a:endParaRPr lang="en-US" dirty="0"/>
+                    </a:p>
+                  </a:txBody>
+                  <a:tcPr/>
+                </a:tc>
+                <a:tc>
+                  <a:txBody>
+                    <a:bodyPr/>
+                    <a:lstStyle/>
+                    <a:p>
+                      <a:r>
+                        <a:rPr lang="en-US" dirty="0" smtClean="0"/>
+                        <a:t>datatraining3</a:t>
+                      </a:r>
+                      <a:endParaRPr lang="en-US" dirty="0"/>
+                    </a:p>
+                  </a:txBody>
+                  <a:tcPr/>
+                </a:tc>
+                <a:tc>
+                  <a:txBody>
+                    <a:bodyPr/>
+                    <a:lstStyle/>
+                    <a:p>
+                      <a:r>
+                        <a:rPr lang="en-US" dirty="0" smtClean="0"/>
+                        <a:t>100</a:t>
+                      </a:r>
+                      <a:endParaRPr lang="en-US" dirty="0"/>
+                    </a:p>
+                  </a:txBody>
+                  <a:tcPr/>
+                </a:tc>
+                <a:tc>
+                  <a:txBody>
+                    <a:bodyPr/>
+                    <a:lstStyle/>
+                    <a:p>
+                      <a:r>
+                        <a:rPr lang="en-US" dirty="0" smtClean="0"/>
+                        <a:t>25.36</a:t>
+                      </a:r>
+                      <a:endParaRPr lang="en-US" dirty="0"/>
+                    </a:p>
+                  </a:txBody>
+                  <a:tcPr/>
+                </a:tc>
+                <a:tc>
+                  <a:txBody>
+                    <a:bodyPr/>
+                    <a:lstStyle/>
+                    <a:p>
+                      <a:endParaRPr lang="en-US" dirty="0"/>
+                    </a:p>
+                  </a:txBody>
+                  <a:tcPr/>
+                </a:tc>
+                <a:tc>
+                  <a:txBody>
+                    <a:bodyPr/>
+                    <a:lstStyle/>
+                    <a:p>
+                      <a:r>
+                        <a:rPr lang="en-US" dirty="0" err="1" smtClean="0"/>
+                        <a:t>Semu</a:t>
+                      </a:r>
+                      <a:r>
+                        <a:rPr lang="en-US" baseline="0" dirty="0" err="1" smtClean="0"/>
+                        <a:t>a</a:t>
+                      </a:r>
+                      <a:r>
+                        <a:rPr lang="en-US" baseline="0" dirty="0" smtClean="0"/>
+                        <a:t> </a:t>
+                      </a:r>
+                      <a:r>
+                        <a:rPr lang="en-US" baseline="0" dirty="0" err="1" smtClean="0"/>
+                        <a:t>kategori</a:t>
+                      </a:r>
+                      <a:endParaRPr lang="en-US" dirty="0"/>
+                    </a:p>
+                  </a:txBody>
+                  <a:tcPr/>
+                </a:tc>
+              </a:tr>
+              <a:tr h="370840">
+                <a:tc>
+                  <a:txBody>
+                    <a:bodyPr/>
+                    <a:lstStyle/>
+                    <a:p>
+                      <a:r>
+                        <a:rPr lang="en-US" dirty="0" smtClean="0"/>
+                        <a:t>dataset2</a:t>
+                      </a:r>
+                      <a:endParaRPr lang="en-US" dirty="0"/>
+                    </a:p>
+                  </a:txBody>
+                  <a:tcPr/>
+                </a:tc>
+                <a:tc>
+                  <a:txBody>
+                    <a:bodyPr/>
+                    <a:lstStyle/>
+                    <a:p>
+                      <a:r>
+                        <a:rPr lang="en-US" dirty="0" smtClean="0"/>
+                        <a:t>datatraining3</a:t>
+                      </a:r>
+                      <a:endParaRPr lang="en-US" dirty="0"/>
+                    </a:p>
+                  </a:txBody>
+                  <a:tcPr/>
+                </a:tc>
+                <a:tc>
+                  <a:txBody>
+                    <a:bodyPr/>
+                    <a:lstStyle/>
+                    <a:p>
+                      <a:r>
+                        <a:rPr lang="en-US" dirty="0" smtClean="0"/>
+                        <a:t>80</a:t>
+                      </a:r>
+                      <a:endParaRPr lang="en-US" dirty="0"/>
+                    </a:p>
+                  </a:txBody>
+                  <a:tcPr/>
+                </a:tc>
+                <a:tc>
+                  <a:txBody>
+                    <a:bodyPr/>
+                    <a:lstStyle/>
+                    <a:p>
+                      <a:endParaRPr lang="en-US" dirty="0"/>
+                    </a:p>
+                  </a:txBody>
+                  <a:tcPr/>
+                </a:tc>
+                <a:tc>
+                  <a:txBody>
+                    <a:bodyPr/>
+                    <a:lstStyle/>
+                    <a:p>
+                      <a:endParaRPr lang="en-US" dirty="0"/>
+                    </a:p>
+                  </a:txBody>
+                  <a:tcPr/>
+                </a:tc>
+                <a:tc>
+                  <a:txBody>
+                    <a:bodyPr/>
+                    <a:lstStyle/>
+                    <a:p>
+                      <a:pPr marL="0" marR="0" indent="0" algn="l" defTabSz="914400" rtl="0" eaLnBrk="1" fontAlgn="auto" latinLnBrk="0" hangingPunct="1">
+                        <a:lnSpc>
+                          <a:spcPct val="100000"/>
+                        </a:lnSpc>
+                        <a:spcBef>
+                          <a:spcPts val="0"/>
+                        </a:spcBef>
+                        <a:spcAft>
+                          <a:spcPts val="0"/>
+                        </a:spcAft>
+                        <a:buClrTx/>
+                        <a:buSzTx/>
+                        <a:buFontTx/>
+                        <a:buNone/>
+                        <a:tabLst/>
+                        <a:defRPr/>
+                      </a:pPr>
+                      <a:r>
+                        <a:rPr lang="en-US" dirty="0" err="1" smtClean="0"/>
+                        <a:t>Dengan</a:t>
+                      </a:r>
+                      <a:r>
+                        <a:rPr lang="en-US" dirty="0" smtClean="0"/>
+                        <a:t> random  </a:t>
+                      </a:r>
+                      <a:r>
+                        <a:rPr lang="en-US" dirty="0" err="1" smtClean="0"/>
+                        <a:t>kategori</a:t>
+                      </a:r>
+                      <a:r>
+                        <a:rPr lang="en-US" dirty="0" smtClean="0"/>
+                        <a:t> </a:t>
+                      </a:r>
+                      <a:r>
+                        <a:rPr lang="en-US" dirty="0" err="1" smtClean="0"/>
+                        <a:t>dipilih</a:t>
+                      </a:r>
+                      <a:r>
+                        <a:rPr lang="en-US" dirty="0" smtClean="0"/>
+                        <a:t> 80 </a:t>
+                      </a:r>
+                      <a:r>
+                        <a:rPr lang="en-US" dirty="0" err="1" smtClean="0"/>
+                        <a:t>hasil</a:t>
+                      </a:r>
+                      <a:r>
+                        <a:rPr lang="en-US" dirty="0" smtClean="0"/>
+                        <a:t> precision </a:t>
+                      </a:r>
+                      <a:r>
+                        <a:rPr lang="en-US" dirty="0" err="1" smtClean="0"/>
+                        <a:t>tertinggi</a:t>
+                      </a:r>
+                      <a:endParaRPr lang="en-US" dirty="0" smtClean="0"/>
+                    </a:p>
+                  </a:txBody>
+                  <a:tcPr/>
+                </a:tc>
+              </a:tr>
+              <a:tr h="370840">
+                <a:tc>
+                  <a:txBody>
+                    <a:bodyPr/>
+                    <a:lstStyle/>
+                    <a:p>
+                      <a:r>
+                        <a:rPr lang="en-US" dirty="0" smtClean="0"/>
+                        <a:t>dataset2</a:t>
+                      </a:r>
+                      <a:endParaRPr lang="en-US" dirty="0"/>
+                    </a:p>
+                  </a:txBody>
+                  <a:tcPr/>
+                </a:tc>
+                <a:tc>
+                  <a:txBody>
+                    <a:bodyPr/>
+                    <a:lstStyle/>
+                    <a:p>
+                      <a:r>
+                        <a:rPr lang="en-US" dirty="0" smtClean="0"/>
+                        <a:t>datatraining3</a:t>
+                      </a:r>
+                      <a:endParaRPr lang="en-US" dirty="0"/>
+                    </a:p>
+                  </a:txBody>
+                  <a:tcPr/>
+                </a:tc>
+                <a:tc>
+                  <a:txBody>
+                    <a:bodyPr/>
+                    <a:lstStyle/>
+                    <a:p>
+                      <a:r>
+                        <a:rPr lang="en-US" dirty="0" smtClean="0"/>
+                        <a:t>50</a:t>
+                      </a:r>
+                      <a:endParaRPr lang="en-US" dirty="0"/>
+                    </a:p>
+                  </a:txBody>
+                  <a:tcPr/>
+                </a:tc>
+                <a:tc>
+                  <a:txBody>
+                    <a:bodyPr/>
+                    <a:lstStyle/>
+                    <a:p>
+                      <a:r>
+                        <a:rPr lang="en-US" dirty="0" smtClean="0"/>
+                        <a:t>39,88</a:t>
+                      </a:r>
+                      <a:endParaRPr lang="en-US" dirty="0"/>
+                    </a:p>
+                  </a:txBody>
+                  <a:tcPr/>
+                </a:tc>
+                <a:tc>
+                  <a:txBody>
+                    <a:bodyPr/>
+                    <a:lstStyle/>
+                    <a:p>
+                      <a:endParaRPr lang="en-US" dirty="0"/>
+                    </a:p>
+                  </a:txBody>
+                  <a:tcPr/>
+                </a:tc>
+                <a:tc>
+                  <a:txBody>
+                    <a:bodyPr/>
+                    <a:lstStyle/>
+                    <a:p>
+                      <a:r>
+                        <a:rPr lang="en-US" dirty="0" err="1" smtClean="0"/>
+                        <a:t>Dengan</a:t>
+                      </a:r>
+                      <a:r>
+                        <a:rPr lang="en-US" dirty="0" smtClean="0"/>
+                        <a:t> </a:t>
+                      </a:r>
+                      <a:r>
+                        <a:rPr lang="en-US" dirty="0" err="1" smtClean="0"/>
+                        <a:t>kategori</a:t>
+                      </a:r>
+                      <a:r>
+                        <a:rPr lang="en-US" dirty="0" smtClean="0"/>
+                        <a:t> random </a:t>
+                      </a:r>
+                      <a:r>
+                        <a:rPr lang="en-US" dirty="0" err="1" smtClean="0"/>
+                        <a:t>dipilih</a:t>
+                      </a:r>
+                      <a:r>
+                        <a:rPr lang="en-US" dirty="0" smtClean="0"/>
+                        <a:t> </a:t>
+                      </a:r>
+                      <a:r>
+                        <a:rPr lang="en-US" dirty="0" err="1" smtClean="0"/>
+                        <a:t>hasil</a:t>
+                      </a:r>
+                      <a:r>
+                        <a:rPr lang="en-US" dirty="0" smtClean="0"/>
+                        <a:t> precision </a:t>
+                      </a:r>
+                      <a:r>
+                        <a:rPr lang="en-US" dirty="0" err="1" smtClean="0"/>
+                        <a:t>tertinggi</a:t>
+                      </a:r>
+                      <a:endParaRPr lang="en-US" dirty="0"/>
+                    </a:p>
+                  </a:txBody>
+                  <a:tcPr/>
+                </a:tc>
+              </a:tr>
+              <a:tr h="370840">
+                <a:tc>
+                  <a:txBody>
+                    <a:bodyPr/>
+                    <a:lstStyle/>
+                    <a:p>
+                      <a:endParaRPr lang="en-US" dirty="0"/>
+                    </a:p>
+                  </a:txBody>
+                  <a:tcPr/>
+                </a:tc>
+                <a:tc>
+                  <a:txBody>
+                    <a:bodyPr/>
+                    <a:lstStyle/>
+                    <a:p>
+                      <a:endParaRPr lang="en-US" dirty="0"/>
+                    </a:p>
+                  </a:txBody>
+                  <a:tcPr/>
+                </a:tc>
+                <a:tc>
+                  <a:txBody>
+                    <a:bodyPr/>
+                    <a:lstStyle/>
+                    <a:p>
+                      <a:endParaRPr lang="en-US" dirty="0"/>
+                    </a:p>
+                  </a:txBody>
+                  <a:tcPr/>
+                </a:tc>
+                <a:tc>
+                  <a:txBody>
+                    <a:bodyPr/>
+                    <a:lstStyle/>
+                    <a:p>
+                      <a:endParaRPr lang="en-US" dirty="0"/>
+                    </a:p>
+                  </a:txBody>
+                  <a:tcPr/>
+                </a:tc>
+                <a:tc>
+                  <a:txBody>
+                    <a:bodyPr/>
+                    <a:lstStyle/>
+                    <a:p>
+                      <a:endParaRPr lang="en-US" dirty="0"/>
+                    </a:p>
+                  </a:txBody>
+                  <a:tcPr/>
+                </a:tc>
+                <a:tc>
+                  <a:txBody>
+                    <a:bodyPr/>
+                    <a:lstStyle/>
+                    <a:p>
+                      <a:endParaRPr lang="en-US" dirty="0"/>
+                    </a:p>
+                  </a:txBody>
+                  <a:tcPr/>
+                </a:tc>
+              </a:tr>
+              <a:tr h="370840">
+                <a:tc>
+                  <a:txBody>
+                    <a:bodyPr/>
+                    <a:lstStyle/>
+                    <a:p>
+                      <a:r>
+                        <a:rPr lang="en-US" dirty="0" smtClean="0"/>
+                        <a:t>dataset3</a:t>
+                      </a:r>
+                      <a:endParaRPr lang="en-US" dirty="0"/>
+                    </a:p>
+                  </a:txBody>
+                  <a:tcPr/>
+                </a:tc>
+                <a:tc>
+                  <a:txBody>
+                    <a:bodyPr/>
+                    <a:lstStyle/>
+                    <a:p>
+                      <a:r>
+                        <a:rPr lang="en-US" dirty="0" smtClean="0"/>
+                        <a:t>datatraining4</a:t>
+                      </a:r>
+                      <a:endParaRPr lang="en-US" dirty="0"/>
+                    </a:p>
+                  </a:txBody>
+                  <a:tcPr/>
+                </a:tc>
+                <a:tc>
+                  <a:txBody>
+                    <a:bodyPr/>
+                    <a:lstStyle/>
+                    <a:p>
+                      <a:r>
+                        <a:rPr lang="en-US" dirty="0" smtClean="0"/>
+                        <a:t>100</a:t>
+                      </a:r>
+                      <a:endParaRPr lang="en-US" dirty="0"/>
+                    </a:p>
+                  </a:txBody>
+                  <a:tcPr/>
+                </a:tc>
+                <a:tc>
+                  <a:txBody>
+                    <a:bodyPr/>
+                    <a:lstStyle/>
+                    <a:p>
+                      <a:r>
+                        <a:rPr lang="en-US" dirty="0" smtClean="0"/>
+                        <a:t>33.24</a:t>
+                      </a:r>
+                      <a:endParaRPr lang="en-US" dirty="0"/>
+                    </a:p>
+                  </a:txBody>
+                  <a:tcPr/>
+                </a:tc>
+                <a:tc>
+                  <a:txBody>
+                    <a:bodyPr/>
+                    <a:lstStyle/>
+                    <a:p>
+                      <a:r>
+                        <a:rPr lang="en-US" dirty="0" smtClean="0"/>
+                        <a:t>10</a:t>
+                      </a:r>
+                      <a:endParaRPr lang="en-US" dirty="0"/>
+                    </a:p>
+                  </a:txBody>
+                  <a:tcPr/>
+                </a:tc>
+                <a:tc>
+                  <a:txBody>
+                    <a:bodyPr/>
+                    <a:lstStyle/>
+                    <a:p>
+                      <a:r>
+                        <a:rPr lang="en-US" dirty="0" err="1" smtClean="0"/>
+                        <a:t>Semua</a:t>
+                      </a:r>
+                      <a:r>
+                        <a:rPr lang="en-US" dirty="0" smtClean="0"/>
+                        <a:t> </a:t>
+                      </a:r>
+                      <a:r>
+                        <a:rPr lang="en-US" dirty="0" err="1" smtClean="0"/>
+                        <a:t>kategori</a:t>
+                      </a:r>
+                      <a:endParaRPr lang="en-US" dirty="0"/>
+                    </a:p>
+                  </a:txBody>
+                  <a:tcPr/>
+                </a:tc>
+              </a:tr>
+              <a:tr h="370840">
+                <a:tc>
+                  <a:txBody>
+                    <a:bodyPr/>
+                    <a:lstStyle/>
+                    <a:p>
+                      <a:r>
+                        <a:rPr lang="en-US" dirty="0" smtClean="0"/>
+                        <a:t>dataset3</a:t>
+                      </a:r>
+                      <a:endParaRPr lang="en-US" dirty="0"/>
+                    </a:p>
+                  </a:txBody>
+                  <a:tcPr/>
+                </a:tc>
+                <a:tc>
+                  <a:txBody>
+                    <a:bodyPr/>
+                    <a:lstStyle/>
+                    <a:p>
+                      <a:r>
+                        <a:rPr lang="en-US" dirty="0" smtClean="0"/>
+                        <a:t>datatraining4</a:t>
+                      </a:r>
+                      <a:endParaRPr lang="en-US" dirty="0"/>
+                    </a:p>
+                  </a:txBody>
+                  <a:tcPr/>
+                </a:tc>
+                <a:tc>
+                  <a:txBody>
+                    <a:bodyPr/>
+                    <a:lstStyle/>
+                    <a:p>
+                      <a:r>
+                        <a:rPr lang="en-US" dirty="0" smtClean="0"/>
+                        <a:t>80</a:t>
+                      </a:r>
+                      <a:endParaRPr lang="en-US" dirty="0"/>
+                    </a:p>
+                  </a:txBody>
+                  <a:tcPr/>
+                </a:tc>
+                <a:tc>
+                  <a:txBody>
+                    <a:bodyPr/>
+                    <a:lstStyle/>
+                    <a:p>
+                      <a:r>
+                        <a:rPr lang="en-US" dirty="0" smtClean="0"/>
+                        <a:t>48.4792</a:t>
+                      </a:r>
+                      <a:endParaRPr lang="en-US" dirty="0"/>
+                    </a:p>
+                  </a:txBody>
+                  <a:tcPr/>
+                </a:tc>
+                <a:tc>
+                  <a:txBody>
+                    <a:bodyPr/>
+                    <a:lstStyle/>
+                    <a:p>
+                      <a:r>
+                        <a:rPr lang="en-US" dirty="0" smtClean="0"/>
+                        <a:t>10</a:t>
+                      </a:r>
+                      <a:endParaRPr lang="en-US" dirty="0"/>
+                    </a:p>
+                  </a:txBody>
+                  <a:tcPr/>
+                </a:tc>
+                <a:tc>
+                  <a:txBody>
+                    <a:bodyPr/>
+                    <a:lstStyle/>
+                    <a:p>
+                      <a:pPr marL="0" marR="0" indent="0" algn="l" defTabSz="914400" rtl="0" eaLnBrk="1" fontAlgn="auto" latinLnBrk="0" hangingPunct="1">
+                        <a:lnSpc>
+                          <a:spcPct val="100000"/>
+                        </a:lnSpc>
+                        <a:spcBef>
+                          <a:spcPts val="0"/>
+                        </a:spcBef>
+                        <a:spcAft>
+                          <a:spcPts val="0"/>
+                        </a:spcAft>
+                        <a:buClrTx/>
+                        <a:buSzTx/>
+                        <a:buFontTx/>
+                        <a:buNone/>
+                        <a:tabLst/>
+                        <a:defRPr/>
+                      </a:pPr>
+                      <a:r>
+                        <a:rPr lang="en-US" dirty="0" err="1" smtClean="0"/>
+                        <a:t>Dengan</a:t>
+                      </a:r>
+                      <a:r>
+                        <a:rPr lang="en-US" dirty="0" smtClean="0"/>
+                        <a:t> random  </a:t>
+                      </a:r>
+                      <a:r>
+                        <a:rPr lang="en-US" dirty="0" err="1" smtClean="0"/>
+                        <a:t>kategori</a:t>
+                      </a:r>
+                      <a:r>
+                        <a:rPr lang="en-US" dirty="0" smtClean="0"/>
+                        <a:t> </a:t>
+                      </a:r>
+                      <a:r>
+                        <a:rPr lang="en-US" dirty="0" err="1" smtClean="0"/>
+                        <a:t>dipilih</a:t>
+                      </a:r>
+                      <a:r>
+                        <a:rPr lang="en-US" dirty="0" smtClean="0"/>
+                        <a:t> 80 </a:t>
+                      </a:r>
+                      <a:r>
+                        <a:rPr lang="en-US" dirty="0" err="1" smtClean="0"/>
+                        <a:t>hasil</a:t>
+                      </a:r>
+                      <a:r>
+                        <a:rPr lang="en-US" dirty="0" smtClean="0"/>
+                        <a:t> precision </a:t>
+                      </a:r>
+                      <a:r>
+                        <a:rPr lang="en-US" dirty="0" err="1" smtClean="0"/>
+                        <a:t>tertinggi</a:t>
+                      </a:r>
+                      <a:endParaRPr lang="en-US" dirty="0" smtClean="0"/>
+                    </a:p>
+                  </a:txBody>
+                  <a:tcPr/>
+                </a:tc>
+              </a:tr>
+              <a:tr h="370840">
+                <a:tc>
+                  <a:txBody>
+                    <a:bodyPr/>
+                    <a:lstStyle/>
+                    <a:p>
+                      <a:r>
+                        <a:rPr lang="en-US" dirty="0" smtClean="0"/>
+                        <a:t>dataset3</a:t>
+                      </a:r>
+                      <a:endParaRPr lang="en-US" dirty="0"/>
+                    </a:p>
+                  </a:txBody>
+                  <a:tcPr/>
+                </a:tc>
+                <a:tc>
+                  <a:txBody>
+                    <a:bodyPr/>
+                    <a:lstStyle/>
+                    <a:p>
+                      <a:r>
+                        <a:rPr lang="en-US" dirty="0" smtClean="0"/>
+                        <a:t>datatraining4</a:t>
+                      </a:r>
+                      <a:endParaRPr lang="en-US" dirty="0"/>
+                    </a:p>
+                  </a:txBody>
+                  <a:tcPr/>
+                </a:tc>
+                <a:tc>
+                  <a:txBody>
+                    <a:bodyPr/>
+                    <a:lstStyle/>
+                    <a:p>
+                      <a:r>
+                        <a:rPr lang="en-US" dirty="0" smtClean="0"/>
+                        <a:t>50</a:t>
+                      </a:r>
+                      <a:endParaRPr lang="en-US" dirty="0"/>
+                    </a:p>
+                  </a:txBody>
+                  <a:tcPr/>
+                </a:tc>
+                <a:tc>
+                  <a:txBody>
+                    <a:bodyPr/>
+                    <a:lstStyle/>
+                    <a:p>
+                      <a:r>
+                        <a:rPr lang="en-US" noProof="0" dirty="0" smtClean="0"/>
+                        <a:t>59.3</a:t>
+                      </a:r>
+                    </a:p>
+                  </a:txBody>
+                  <a:tcPr/>
+                </a:tc>
+                <a:tc>
+                  <a:txBody>
+                    <a:bodyPr/>
+                    <a:lstStyle/>
+                    <a:p>
+                      <a:r>
+                        <a:rPr lang="en-US" dirty="0" smtClean="0"/>
+                        <a:t>10</a:t>
+                      </a:r>
+                      <a:endParaRPr lang="en-US" dirty="0"/>
+                    </a:p>
+                  </a:txBody>
+                  <a:tcPr/>
+                </a:tc>
+                <a:tc>
+                  <a:txBody>
+                    <a:bodyPr/>
+                    <a:lstStyle/>
+                    <a:p>
+                      <a:pPr marL="0" marR="0" indent="0" algn="l" defTabSz="914400" rtl="0" eaLnBrk="1" fontAlgn="auto" latinLnBrk="0" hangingPunct="1">
+                        <a:lnSpc>
+                          <a:spcPct val="100000"/>
+                        </a:lnSpc>
+                        <a:spcBef>
+                          <a:spcPts val="0"/>
+                        </a:spcBef>
+                        <a:spcAft>
+                          <a:spcPts val="0"/>
+                        </a:spcAft>
+                        <a:buClrTx/>
+                        <a:buSzTx/>
+                        <a:buFontTx/>
+                        <a:buNone/>
+                        <a:tabLst/>
+                        <a:defRPr/>
+                      </a:pPr>
+                      <a:r>
+                        <a:rPr lang="en-US" dirty="0" err="1" smtClean="0"/>
+                        <a:t>Dengan</a:t>
+                      </a:r>
+                      <a:r>
+                        <a:rPr lang="en-US" dirty="0" smtClean="0"/>
+                        <a:t> random </a:t>
+                      </a:r>
+                      <a:r>
+                        <a:rPr lang="en-US" dirty="0" err="1" smtClean="0"/>
+                        <a:t>kategori</a:t>
+                      </a:r>
+                      <a:r>
+                        <a:rPr lang="en-US" dirty="0" smtClean="0"/>
+                        <a:t> </a:t>
+                      </a:r>
+                      <a:r>
+                        <a:rPr lang="en-US" dirty="0" err="1" smtClean="0"/>
+                        <a:t>dipilih</a:t>
+                      </a:r>
+                      <a:r>
+                        <a:rPr lang="en-US" dirty="0" smtClean="0"/>
+                        <a:t> 50</a:t>
+                      </a:r>
+                      <a:r>
+                        <a:rPr lang="en-US" baseline="0" dirty="0" smtClean="0"/>
+                        <a:t> </a:t>
+                      </a:r>
+                      <a:r>
+                        <a:rPr lang="en-US" dirty="0" err="1" smtClean="0"/>
+                        <a:t>hasil</a:t>
+                      </a:r>
+                      <a:r>
+                        <a:rPr lang="en-US" dirty="0" smtClean="0"/>
+                        <a:t> precision </a:t>
+                      </a:r>
+                      <a:r>
+                        <a:rPr lang="en-US" dirty="0" err="1" smtClean="0"/>
+                        <a:t>tertinggi</a:t>
+                      </a:r>
+                      <a:endParaRPr lang="en-US" dirty="0" smtClean="0"/>
+                    </a:p>
+                  </a:txBody>
+                  <a:tcPr/>
+                </a:tc>
+              </a:tr>
+              <a:tr h="370840">
+                <a:tc>
+                  <a:txBody>
+                    <a:bodyPr/>
+                    <a:lstStyle/>
+                    <a:p>
+                      <a:r>
+                        <a:rPr lang="en-US" dirty="0" smtClean="0"/>
+                        <a:t>dataset3</a:t>
+                      </a:r>
+                      <a:endParaRPr lang="en-US" dirty="0"/>
+                    </a:p>
+                  </a:txBody>
+                  <a:tcPr/>
+                </a:tc>
+                <a:tc>
+                  <a:txBody>
+                    <a:bodyPr/>
+                    <a:lstStyle/>
+                    <a:p>
+                      <a:r>
+                        <a:rPr lang="en-US" dirty="0" smtClean="0"/>
+                        <a:t>datatraining4</a:t>
+                      </a:r>
+                      <a:endParaRPr lang="en-US" dirty="0"/>
+                    </a:p>
+                  </a:txBody>
+                  <a:tcPr/>
+                </a:tc>
+                <a:tc>
+                  <a:txBody>
+                    <a:bodyPr/>
+                    <a:lstStyle/>
+                    <a:p>
+                      <a:r>
+                        <a:rPr lang="en-US" dirty="0" smtClean="0"/>
+                        <a:t>100</a:t>
+                      </a:r>
+                      <a:endParaRPr lang="en-US" dirty="0"/>
+                    </a:p>
+                  </a:txBody>
+                  <a:tcPr/>
+                </a:tc>
+                <a:tc>
+                  <a:txBody>
+                    <a:bodyPr/>
+                    <a:lstStyle/>
+                    <a:p>
+                      <a:r>
+                        <a:rPr lang="en-US" dirty="0" smtClean="0"/>
+                        <a:t>31</a:t>
+                      </a:r>
+                      <a:endParaRPr lang="en-US" dirty="0"/>
+                    </a:p>
+                  </a:txBody>
+                  <a:tcPr/>
+                </a:tc>
+                <a:tc>
+                  <a:txBody>
+                    <a:bodyPr/>
+                    <a:lstStyle/>
+                    <a:p>
+                      <a:r>
+                        <a:rPr lang="en-US" dirty="0" smtClean="0"/>
+                        <a:t>12</a:t>
+                      </a:r>
+                      <a:endParaRPr lang="en-US" dirty="0"/>
+                    </a:p>
+                  </a:txBody>
+                  <a:tcPr/>
+                </a:tc>
+                <a:tc>
+                  <a:txBody>
+                    <a:bodyPr/>
+                    <a:lstStyle/>
+                    <a:p>
+                      <a:r>
+                        <a:rPr lang="en-US" dirty="0" err="1" smtClean="0"/>
+                        <a:t>Semua</a:t>
+                      </a:r>
+                      <a:r>
+                        <a:rPr lang="en-US" dirty="0" smtClean="0"/>
+                        <a:t> </a:t>
+                      </a:r>
+                      <a:r>
+                        <a:rPr lang="en-US" dirty="0" err="1" smtClean="0"/>
+                        <a:t>kategori</a:t>
+                      </a:r>
+                      <a:endParaRPr lang="en-US" dirty="0"/>
+                    </a:p>
+                  </a:txBody>
+                  <a:tcPr/>
+                </a:tc>
+              </a:tr>
+              <a:tr h="370840">
+                <a:tc>
+                  <a:txBody>
+                    <a:bodyPr/>
+                    <a:lstStyle/>
+                    <a:p>
+                      <a:r>
+                        <a:rPr lang="en-US" dirty="0" smtClean="0"/>
+                        <a:t>dataset3</a:t>
+                      </a:r>
+                      <a:endParaRPr lang="en-US" dirty="0"/>
+                    </a:p>
+                  </a:txBody>
+                  <a:tcPr/>
+                </a:tc>
+                <a:tc>
+                  <a:txBody>
+                    <a:bodyPr/>
+                    <a:lstStyle/>
+                    <a:p>
+                      <a:r>
+                        <a:rPr lang="en-US" dirty="0" smtClean="0"/>
+                        <a:t>datatraining4</a:t>
+                      </a:r>
+                      <a:endParaRPr lang="en-US" dirty="0"/>
+                    </a:p>
+                  </a:txBody>
+                  <a:tcPr/>
+                </a:tc>
+                <a:tc>
+                  <a:txBody>
+                    <a:bodyPr/>
+                    <a:lstStyle/>
+                    <a:p>
+                      <a:r>
+                        <a:rPr lang="en-US" dirty="0" smtClean="0"/>
+                        <a:t>80</a:t>
+                      </a:r>
+                      <a:endParaRPr lang="en-US" dirty="0"/>
+                    </a:p>
+                  </a:txBody>
+                  <a:tcPr/>
+                </a:tc>
+                <a:tc>
+                  <a:txBody>
+                    <a:bodyPr/>
+                    <a:lstStyle/>
+                    <a:p>
+                      <a:r>
+                        <a:rPr lang="en-US" dirty="0" smtClean="0"/>
+                        <a:t>36.4167</a:t>
+                      </a:r>
+                      <a:endParaRPr lang="en-US" dirty="0"/>
+                    </a:p>
+                  </a:txBody>
+                  <a:tcPr/>
+                </a:tc>
+                <a:tc>
+                  <a:txBody>
+                    <a:bodyPr/>
+                    <a:lstStyle/>
+                    <a:p>
+                      <a:r>
+                        <a:rPr lang="en-US" dirty="0" smtClean="0"/>
+                        <a:t>12</a:t>
+                      </a:r>
+                      <a:endParaRPr lang="en-US" dirty="0"/>
+                    </a:p>
+                  </a:txBody>
+                  <a:tcPr/>
+                </a:tc>
+                <a:tc>
+                  <a:txBody>
+                    <a:bodyPr/>
+                    <a:lstStyle/>
+                    <a:p>
+                      <a:pPr marL="0" marR="0" indent="0" algn="l" defTabSz="914400" rtl="0" eaLnBrk="1" fontAlgn="auto" latinLnBrk="0" hangingPunct="1">
+                        <a:lnSpc>
+                          <a:spcPct val="100000"/>
+                        </a:lnSpc>
+                        <a:spcBef>
+                          <a:spcPts val="0"/>
+                        </a:spcBef>
+                        <a:spcAft>
+                          <a:spcPts val="0"/>
+                        </a:spcAft>
+                        <a:buClrTx/>
+                        <a:buSzTx/>
+                        <a:buFontTx/>
+                        <a:buNone/>
+                        <a:tabLst/>
+                        <a:defRPr/>
+                      </a:pPr>
+                      <a:r>
+                        <a:rPr lang="en-US" dirty="0" err="1" smtClean="0"/>
+                        <a:t>Dengan</a:t>
+                      </a:r>
+                      <a:r>
+                        <a:rPr lang="en-US" dirty="0" smtClean="0"/>
+                        <a:t> random  </a:t>
+                      </a:r>
+                      <a:r>
+                        <a:rPr lang="en-US" dirty="0" err="1" smtClean="0"/>
+                        <a:t>kategori</a:t>
+                      </a:r>
+                      <a:r>
+                        <a:rPr lang="en-US" dirty="0" smtClean="0"/>
+                        <a:t> </a:t>
+                      </a:r>
+                      <a:r>
+                        <a:rPr lang="en-US" dirty="0" err="1" smtClean="0"/>
+                        <a:t>dipilih</a:t>
+                      </a:r>
+                      <a:r>
+                        <a:rPr lang="en-US" dirty="0" smtClean="0"/>
+                        <a:t> 80 </a:t>
+                      </a:r>
+                      <a:r>
+                        <a:rPr lang="en-US" dirty="0" err="1" smtClean="0"/>
+                        <a:t>hasil</a:t>
+                      </a:r>
+                      <a:r>
+                        <a:rPr lang="en-US" dirty="0" smtClean="0"/>
+                        <a:t> precision </a:t>
+                      </a:r>
+                      <a:r>
+                        <a:rPr lang="en-US" dirty="0" err="1" smtClean="0"/>
+                        <a:t>tertinggi</a:t>
+                      </a:r>
+                      <a:endParaRPr lang="en-US" dirty="0" smtClean="0"/>
+                    </a:p>
+                  </a:txBody>
+                  <a:tcPr/>
+                </a:tc>
+              </a:tr>
+              <a:tr h="370840">
+                <a:tc>
+                  <a:txBody>
+                    <a:bodyPr/>
+                    <a:lstStyle/>
+                    <a:p>
+                      <a:r>
+                        <a:rPr lang="en-US" dirty="0" smtClean="0"/>
+                        <a:t>dataset3</a:t>
+                      </a:r>
+                      <a:endParaRPr lang="en-US" dirty="0"/>
+                    </a:p>
+                  </a:txBody>
+                  <a:tcPr/>
+                </a:tc>
+                <a:tc>
+                  <a:txBody>
+                    <a:bodyPr/>
+                    <a:lstStyle/>
+                    <a:p>
+                      <a:r>
+                        <a:rPr lang="en-US" dirty="0" smtClean="0"/>
+                        <a:t>datatraining4</a:t>
+                      </a:r>
+                      <a:endParaRPr lang="en-US" dirty="0"/>
+                    </a:p>
+                  </a:txBody>
+                  <a:tcPr/>
+                </a:tc>
+                <a:tc>
+                  <a:txBody>
+                    <a:bodyPr/>
+                    <a:lstStyle/>
+                    <a:p>
+                      <a:r>
+                        <a:rPr lang="en-US" dirty="0" smtClean="0"/>
+                        <a:t>50</a:t>
+                      </a:r>
+                      <a:endParaRPr lang="en-US" dirty="0"/>
+                    </a:p>
+                  </a:txBody>
+                  <a:tcPr/>
+                </a:tc>
+                <a:tc>
+                  <a:txBody>
+                    <a:bodyPr/>
+                    <a:lstStyle/>
+                    <a:p>
+                      <a:r>
+                        <a:rPr lang="en-US" dirty="0" smtClean="0"/>
+                        <a:t>46.1667</a:t>
+                      </a:r>
+                      <a:endParaRPr lang="en-US" dirty="0"/>
+                    </a:p>
+                  </a:txBody>
+                  <a:tcPr/>
+                </a:tc>
+                <a:tc>
+                  <a:txBody>
+                    <a:bodyPr/>
+                    <a:lstStyle/>
+                    <a:p>
+                      <a:r>
+                        <a:rPr lang="en-US" dirty="0" smtClean="0"/>
+                        <a:t>12</a:t>
+                      </a:r>
+                      <a:endParaRPr lang="en-US" dirty="0"/>
+                    </a:p>
+                  </a:txBody>
+                  <a:tcPr/>
+                </a:tc>
+                <a:tc>
+                  <a:txBody>
+                    <a:bodyPr/>
+                    <a:lstStyle/>
+                    <a:p>
+                      <a:pPr marL="0" marR="0" indent="0" algn="l" defTabSz="914400" rtl="0" eaLnBrk="1" fontAlgn="auto" latinLnBrk="0" hangingPunct="1">
+                        <a:lnSpc>
+                          <a:spcPct val="100000"/>
+                        </a:lnSpc>
+                        <a:spcBef>
+                          <a:spcPts val="0"/>
+                        </a:spcBef>
+                        <a:spcAft>
+                          <a:spcPts val="0"/>
+                        </a:spcAft>
+                        <a:buClrTx/>
+                        <a:buSzTx/>
+                        <a:buFontTx/>
+                        <a:buNone/>
+                        <a:tabLst/>
+                        <a:defRPr/>
+                      </a:pPr>
+                      <a:r>
+                        <a:rPr lang="en-US" dirty="0" err="1" smtClean="0"/>
+                        <a:t>Dengan</a:t>
+                      </a:r>
+                      <a:r>
+                        <a:rPr lang="en-US" dirty="0" smtClean="0"/>
+                        <a:t> random </a:t>
+                      </a:r>
+                      <a:r>
+                        <a:rPr lang="en-US" dirty="0" err="1" smtClean="0"/>
+                        <a:t>kategori</a:t>
+                      </a:r>
+                      <a:r>
+                        <a:rPr lang="en-US" dirty="0" smtClean="0"/>
+                        <a:t> </a:t>
+                      </a:r>
+                      <a:r>
+                        <a:rPr lang="en-US" dirty="0" err="1" smtClean="0"/>
+                        <a:t>dipilih</a:t>
+                      </a:r>
+                      <a:r>
+                        <a:rPr lang="en-US" dirty="0" smtClean="0"/>
+                        <a:t> 50</a:t>
+                      </a:r>
+                      <a:r>
+                        <a:rPr lang="en-US" baseline="0" dirty="0" smtClean="0"/>
+                        <a:t> </a:t>
+                      </a:r>
+                      <a:r>
+                        <a:rPr lang="en-US" dirty="0" err="1" smtClean="0"/>
+                        <a:t>hasil</a:t>
+                      </a:r>
+                      <a:r>
+                        <a:rPr lang="en-US" dirty="0" smtClean="0"/>
+                        <a:t> precision </a:t>
+                      </a:r>
+                      <a:r>
+                        <a:rPr lang="en-US" dirty="0" err="1" smtClean="0"/>
+                        <a:t>tertinggi</a:t>
+                      </a:r>
+                      <a:endParaRPr lang="en-US" dirty="0" smtClean="0"/>
+                    </a:p>
+                  </a:txBody>
+                  <a:tcPr/>
+                </a:tc>
+              </a:tr>
+              <a:tr h="370840">
+                <a:tc>
+                  <a:txBody>
+                    <a:bodyPr/>
+                    <a:lstStyle/>
+                    <a:p>
+                      <a:r>
+                        <a:rPr lang="en-US" dirty="0" smtClean="0"/>
+                        <a:t>dataset3</a:t>
+                      </a:r>
+                      <a:endParaRPr lang="en-US" dirty="0"/>
+                    </a:p>
+                  </a:txBody>
+                  <a:tcPr/>
+                </a:tc>
+                <a:tc>
+                  <a:txBody>
+                    <a:bodyPr/>
+                    <a:lstStyle/>
+                    <a:p>
+                      <a:r>
+                        <a:rPr lang="en-US" dirty="0" smtClean="0"/>
+                        <a:t>datatraining4</a:t>
+                      </a:r>
+                      <a:endParaRPr lang="en-US" dirty="0"/>
+                    </a:p>
+                  </a:txBody>
+                  <a:tcPr/>
+                </a:tc>
+                <a:tc>
+                  <a:txBody>
+                    <a:bodyPr/>
+                    <a:lstStyle/>
+                    <a:p>
+                      <a:r>
+                        <a:rPr lang="en-US" dirty="0" smtClean="0"/>
+                        <a:t>100</a:t>
+                      </a:r>
+                      <a:endParaRPr lang="en-US" dirty="0"/>
+                    </a:p>
+                  </a:txBody>
+                  <a:tcPr/>
+                </a:tc>
+                <a:tc>
+                  <a:txBody>
+                    <a:bodyPr/>
+                    <a:lstStyle/>
+                    <a:p>
+                      <a:r>
+                        <a:rPr lang="en-US" dirty="0" smtClean="0"/>
+                        <a:t>28.1867</a:t>
+                      </a:r>
+                      <a:endParaRPr lang="en-US" dirty="0"/>
+                    </a:p>
+                  </a:txBody>
+                  <a:tcPr/>
+                </a:tc>
+                <a:tc>
+                  <a:txBody>
+                    <a:bodyPr/>
+                    <a:lstStyle/>
+                    <a:p>
+                      <a:r>
+                        <a:rPr lang="en-US" dirty="0" smtClean="0"/>
+                        <a:t>15</a:t>
+                      </a:r>
+                      <a:endParaRPr lang="en-US" dirty="0"/>
+                    </a:p>
+                  </a:txBody>
+                  <a:tcPr/>
+                </a:tc>
+                <a:tc>
+                  <a:txBody>
+                    <a:bodyPr/>
+                    <a:lstStyle/>
+                    <a:p>
+                      <a:r>
+                        <a:rPr lang="en-US" dirty="0" err="1" smtClean="0"/>
+                        <a:t>Semua</a:t>
+                      </a:r>
+                      <a:r>
+                        <a:rPr lang="en-US" dirty="0" smtClean="0"/>
+                        <a:t> </a:t>
+                      </a:r>
+                      <a:r>
+                        <a:rPr lang="en-US" dirty="0" err="1" smtClean="0"/>
+                        <a:t>kategori</a:t>
+                      </a:r>
+                      <a:endParaRPr lang="en-US" dirty="0"/>
+                    </a:p>
+                  </a:txBody>
+                  <a:tcPr/>
+                </a:tc>
+              </a:tr>
+              <a:tr h="370840">
+                <a:tc>
+                  <a:txBody>
+                    <a:bodyPr/>
+                    <a:lstStyle/>
+                    <a:p>
+                      <a:r>
+                        <a:rPr lang="en-US" dirty="0" smtClean="0"/>
+                        <a:t>dataset3</a:t>
+                      </a:r>
+                      <a:endParaRPr lang="en-US" dirty="0"/>
+                    </a:p>
+                  </a:txBody>
+                  <a:tcPr/>
+                </a:tc>
+                <a:tc>
+                  <a:txBody>
+                    <a:bodyPr/>
+                    <a:lstStyle/>
+                    <a:p>
+                      <a:r>
+                        <a:rPr lang="en-US" dirty="0" smtClean="0"/>
+                        <a:t>datatraining4</a:t>
+                      </a:r>
+                      <a:endParaRPr lang="en-US" dirty="0"/>
+                    </a:p>
+                  </a:txBody>
+                  <a:tcPr/>
+                </a:tc>
+                <a:tc>
+                  <a:txBody>
+                    <a:bodyPr/>
+                    <a:lstStyle/>
+                    <a:p>
+                      <a:r>
+                        <a:rPr lang="en-US" dirty="0" smtClean="0"/>
+                        <a:t>80</a:t>
+                      </a:r>
+                      <a:endParaRPr lang="en-US" dirty="0"/>
+                    </a:p>
+                  </a:txBody>
+                  <a:tcPr/>
+                </a:tc>
+                <a:tc>
+                  <a:txBody>
+                    <a:bodyPr/>
+                    <a:lstStyle/>
+                    <a:p>
+                      <a:r>
+                        <a:rPr lang="en-US" dirty="0" smtClean="0"/>
+                        <a:t>33.0833</a:t>
+                      </a:r>
+                      <a:endParaRPr lang="en-US" dirty="0"/>
+                    </a:p>
+                  </a:txBody>
+                  <a:tcPr/>
+                </a:tc>
+                <a:tc>
+                  <a:txBody>
+                    <a:bodyPr/>
+                    <a:lstStyle/>
+                    <a:p>
+                      <a:r>
+                        <a:rPr lang="en-US" dirty="0" smtClean="0"/>
+                        <a:t>15</a:t>
+                      </a:r>
+                      <a:endParaRPr lang="en-US" dirty="0"/>
+                    </a:p>
+                  </a:txBody>
+                  <a:tcPr/>
+                </a:tc>
+                <a:tc>
+                  <a:txBody>
+                    <a:bodyPr/>
+                    <a:lstStyle/>
+                    <a:p>
+                      <a:pPr marL="0" marR="0" indent="0" algn="l" defTabSz="914400" rtl="0" eaLnBrk="1" fontAlgn="auto" latinLnBrk="0" hangingPunct="1">
+                        <a:lnSpc>
+                          <a:spcPct val="100000"/>
+                        </a:lnSpc>
+                        <a:spcBef>
+                          <a:spcPts val="0"/>
+                        </a:spcBef>
+                        <a:spcAft>
+                          <a:spcPts val="0"/>
+                        </a:spcAft>
+                        <a:buClrTx/>
+                        <a:buSzTx/>
+                        <a:buFontTx/>
+                        <a:buNone/>
+                        <a:tabLst/>
+                        <a:defRPr/>
+                      </a:pPr>
+                      <a:r>
+                        <a:rPr lang="en-US" dirty="0" err="1" smtClean="0"/>
+                        <a:t>Dengan</a:t>
+                      </a:r>
+                      <a:r>
+                        <a:rPr lang="en-US" dirty="0" smtClean="0"/>
+                        <a:t> random  </a:t>
+                      </a:r>
+                      <a:r>
+                        <a:rPr lang="en-US" dirty="0" err="1" smtClean="0"/>
+                        <a:t>kategori</a:t>
+                      </a:r>
+                      <a:r>
+                        <a:rPr lang="en-US" dirty="0" smtClean="0"/>
+                        <a:t> </a:t>
+                      </a:r>
+                      <a:r>
+                        <a:rPr lang="en-US" dirty="0" err="1" smtClean="0"/>
+                        <a:t>dipilih</a:t>
+                      </a:r>
+                      <a:r>
+                        <a:rPr lang="en-US" dirty="0" smtClean="0"/>
+                        <a:t> 80 </a:t>
+                      </a:r>
+                      <a:r>
+                        <a:rPr lang="en-US" dirty="0" err="1" smtClean="0"/>
+                        <a:t>hasil</a:t>
+                      </a:r>
+                      <a:r>
+                        <a:rPr lang="en-US" dirty="0" smtClean="0"/>
+                        <a:t> precision </a:t>
+                      </a:r>
+                      <a:r>
+                        <a:rPr lang="en-US" dirty="0" err="1" smtClean="0"/>
+                        <a:t>tertinggi</a:t>
+                      </a:r>
+                      <a:endParaRPr lang="en-US" dirty="0" smtClean="0"/>
+                    </a:p>
+                  </a:txBody>
+                  <a:tcPr/>
+                </a:tc>
+              </a:tr>
+              <a:tr h="370840">
+                <a:tc>
+                  <a:txBody>
+                    <a:bodyPr/>
+                    <a:lstStyle/>
+                    <a:p>
+                      <a:r>
+                        <a:rPr lang="en-US" dirty="0" smtClean="0"/>
+                        <a:t>dataset3</a:t>
+                      </a:r>
+                      <a:endParaRPr lang="en-US" dirty="0"/>
+                    </a:p>
+                  </a:txBody>
+                  <a:tcPr/>
+                </a:tc>
+                <a:tc>
+                  <a:txBody>
+                    <a:bodyPr/>
+                    <a:lstStyle/>
+                    <a:p>
+                      <a:r>
+                        <a:rPr lang="en-US" dirty="0" smtClean="0"/>
+                        <a:t>datatraining4</a:t>
+                      </a:r>
+                      <a:endParaRPr lang="en-US" dirty="0"/>
+                    </a:p>
+                  </a:txBody>
+                  <a:tcPr/>
+                </a:tc>
+                <a:tc>
+                  <a:txBody>
+                    <a:bodyPr/>
+                    <a:lstStyle/>
+                    <a:p>
+                      <a:r>
+                        <a:rPr lang="en-US" dirty="0" smtClean="0"/>
+                        <a:t>50</a:t>
+                      </a:r>
+                      <a:endParaRPr lang="en-US" dirty="0"/>
+                    </a:p>
+                  </a:txBody>
+                  <a:tcPr/>
+                </a:tc>
+                <a:tc>
+                  <a:txBody>
+                    <a:bodyPr/>
+                    <a:lstStyle/>
+                    <a:p>
+                      <a:r>
+                        <a:rPr lang="en-US" dirty="0" smtClean="0"/>
+                        <a:t>42.1867</a:t>
+                      </a:r>
+                      <a:endParaRPr lang="en-US" dirty="0"/>
+                    </a:p>
+                  </a:txBody>
+                  <a:tcPr/>
+                </a:tc>
+                <a:tc>
+                  <a:txBody>
+                    <a:bodyPr/>
+                    <a:lstStyle/>
+                    <a:p>
+                      <a:r>
+                        <a:rPr lang="en-US" dirty="0" smtClean="0"/>
+                        <a:t>15</a:t>
+                      </a:r>
+                      <a:endParaRPr lang="en-US" dirty="0"/>
+                    </a:p>
+                  </a:txBody>
+                  <a:tcPr/>
+                </a:tc>
+                <a:tc>
+                  <a:txBody>
+                    <a:bodyPr/>
+                    <a:lstStyle/>
+                    <a:p>
+                      <a:pPr marL="0" marR="0" indent="0" algn="l" defTabSz="914400" rtl="0" eaLnBrk="1" fontAlgn="auto" latinLnBrk="0" hangingPunct="1">
+                        <a:lnSpc>
+                          <a:spcPct val="100000"/>
+                        </a:lnSpc>
+                        <a:spcBef>
+                          <a:spcPts val="0"/>
+                        </a:spcBef>
+                        <a:spcAft>
+                          <a:spcPts val="0"/>
+                        </a:spcAft>
+                        <a:buClrTx/>
+                        <a:buSzTx/>
+                        <a:buFontTx/>
+                        <a:buNone/>
+                        <a:tabLst/>
+                        <a:defRPr/>
+                      </a:pPr>
+                      <a:r>
+                        <a:rPr lang="en-US" dirty="0" err="1" smtClean="0"/>
+                        <a:t>Dengan</a:t>
+                      </a:r>
+                      <a:r>
+                        <a:rPr lang="en-US" dirty="0" smtClean="0"/>
+                        <a:t> random </a:t>
+                      </a:r>
+                      <a:r>
+                        <a:rPr lang="en-US" dirty="0" err="1" smtClean="0"/>
+                        <a:t>kategori</a:t>
+                      </a:r>
+                      <a:r>
+                        <a:rPr lang="en-US" dirty="0" smtClean="0"/>
+                        <a:t> </a:t>
+                      </a:r>
+                      <a:r>
+                        <a:rPr lang="en-US" dirty="0" err="1" smtClean="0"/>
+                        <a:t>dipilih</a:t>
+                      </a:r>
+                      <a:r>
+                        <a:rPr lang="en-US" dirty="0" smtClean="0"/>
+                        <a:t> 50</a:t>
+                      </a:r>
+                      <a:r>
+                        <a:rPr lang="en-US" baseline="0" dirty="0" smtClean="0"/>
+                        <a:t> </a:t>
+                      </a:r>
+                      <a:r>
+                        <a:rPr lang="en-US" dirty="0" err="1" smtClean="0"/>
+                        <a:t>hasil</a:t>
+                      </a:r>
+                      <a:r>
+                        <a:rPr lang="en-US" dirty="0" smtClean="0"/>
+                        <a:t> precision </a:t>
+                      </a:r>
+                      <a:r>
+                        <a:rPr lang="en-US" dirty="0" err="1" smtClean="0"/>
+                        <a:t>tertinggi</a:t>
+                      </a:r>
+                      <a:endParaRPr lang="en-US" dirty="0" smtClean="0"/>
+                    </a:p>
+                  </a:txBody>
+                  <a:tcPr/>
+                </a:tc>
+              </a:tr>
+              <a:tr h="370840">
+                <a:tc>
+                  <a:txBody>
+                    <a:bodyPr/>
+                    <a:lstStyle/>
+                    <a:p>
+                      <a:r>
+                        <a:rPr lang="en-US" dirty="0" smtClean="0"/>
+                        <a:t>dataset3</a:t>
+                      </a:r>
+                      <a:endParaRPr lang="en-US" dirty="0"/>
+                    </a:p>
+                  </a:txBody>
+                  <a:tcPr/>
+                </a:tc>
+                <a:tc>
+                  <a:txBody>
+                    <a:bodyPr/>
+                    <a:lstStyle/>
+                    <a:p>
+                      <a:r>
+                        <a:rPr lang="en-US" dirty="0" smtClean="0"/>
+                        <a:t>datatraining4</a:t>
+                      </a:r>
+                      <a:endParaRPr lang="en-US" dirty="0"/>
+                    </a:p>
+                  </a:txBody>
+                  <a:tcPr/>
+                </a:tc>
+                <a:tc>
+                  <a:txBody>
+                    <a:bodyPr/>
+                    <a:lstStyle/>
+                    <a:p>
+                      <a:r>
+                        <a:rPr lang="en-US" dirty="0" smtClean="0"/>
+                        <a:t>100</a:t>
+                      </a:r>
+                      <a:endParaRPr lang="en-US" dirty="0"/>
+                    </a:p>
+                  </a:txBody>
+                  <a:tcPr/>
+                </a:tc>
+                <a:tc>
+                  <a:txBody>
+                    <a:bodyPr/>
+                    <a:lstStyle/>
+                    <a:p>
+                      <a:r>
+                        <a:rPr lang="en-US" dirty="0" smtClean="0"/>
+                        <a:t>24,51</a:t>
+                      </a:r>
+                      <a:endParaRPr lang="en-US" dirty="0"/>
+                    </a:p>
+                  </a:txBody>
+                  <a:tcPr/>
+                </a:tc>
+                <a:tc>
+                  <a:txBody>
+                    <a:bodyPr/>
+                    <a:lstStyle/>
+                    <a:p>
+                      <a:r>
+                        <a:rPr lang="en-US" dirty="0" smtClean="0"/>
+                        <a:t>20</a:t>
+                      </a:r>
+                      <a:endParaRPr lang="en-US" dirty="0"/>
+                    </a:p>
+                  </a:txBody>
+                  <a:tcPr/>
+                </a:tc>
+                <a:tc>
+                  <a:txBody>
+                    <a:bodyPr/>
+                    <a:lstStyle/>
+                    <a:p>
+                      <a:r>
+                        <a:rPr lang="en-US" dirty="0" err="1" smtClean="0"/>
+                        <a:t>Semua</a:t>
+                      </a:r>
+                      <a:r>
+                        <a:rPr lang="en-US" dirty="0" smtClean="0"/>
+                        <a:t> </a:t>
+                      </a:r>
+                      <a:r>
+                        <a:rPr lang="en-US" dirty="0" err="1" smtClean="0"/>
+                        <a:t>kategori</a:t>
+                      </a:r>
+                      <a:endParaRPr lang="en-US" dirty="0"/>
+                    </a:p>
+                  </a:txBody>
+                  <a:tcPr/>
+                </a:tc>
+              </a:tr>
+              <a:tr h="370840">
+                <a:tc>
+                  <a:txBody>
+                    <a:bodyPr/>
+                    <a:lstStyle/>
+                    <a:p>
+                      <a:r>
+                        <a:rPr lang="en-US" dirty="0" smtClean="0"/>
+                        <a:t>dataset3</a:t>
+                      </a:r>
+                      <a:endParaRPr lang="en-US" dirty="0"/>
+                    </a:p>
+                  </a:txBody>
+                  <a:tcPr/>
+                </a:tc>
+                <a:tc>
+                  <a:txBody>
+                    <a:bodyPr/>
+                    <a:lstStyle/>
+                    <a:p>
+                      <a:r>
+                        <a:rPr lang="en-US" dirty="0" smtClean="0"/>
+                        <a:t>datatraining4</a:t>
+                      </a:r>
+                      <a:endParaRPr lang="en-US" dirty="0"/>
+                    </a:p>
+                  </a:txBody>
+                  <a:tcPr/>
+                </a:tc>
+                <a:tc>
+                  <a:txBody>
+                    <a:bodyPr/>
+                    <a:lstStyle/>
+                    <a:p>
+                      <a:r>
+                        <a:rPr lang="en-US" dirty="0" smtClean="0"/>
+                        <a:t>80</a:t>
+                      </a:r>
+                      <a:endParaRPr lang="en-US" dirty="0"/>
+                    </a:p>
+                  </a:txBody>
+                  <a:tcPr/>
+                </a:tc>
+                <a:tc>
+                  <a:txBody>
+                    <a:bodyPr/>
+                    <a:lstStyle/>
+                    <a:p>
+                      <a:r>
+                        <a:rPr lang="en-US" dirty="0" smtClean="0"/>
+                        <a:t>28,7</a:t>
+                      </a:r>
+                      <a:endParaRPr lang="en-US" dirty="0"/>
+                    </a:p>
+                  </a:txBody>
+                  <a:tcPr/>
+                </a:tc>
+                <a:tc>
+                  <a:txBody>
+                    <a:bodyPr/>
+                    <a:lstStyle/>
+                    <a:p>
+                      <a:r>
+                        <a:rPr lang="en-US" dirty="0" smtClean="0"/>
+                        <a:t>20</a:t>
+                      </a:r>
+                      <a:endParaRPr lang="en-US" dirty="0"/>
+                    </a:p>
+                  </a:txBody>
+                  <a:tcPr/>
+                </a:tc>
+                <a:tc>
+                  <a:txBody>
+                    <a:bodyPr/>
+                    <a:lstStyle/>
+                    <a:p>
+                      <a:pPr marL="0" marR="0" indent="0" algn="l" defTabSz="914400" rtl="0" eaLnBrk="1" fontAlgn="auto" latinLnBrk="0" hangingPunct="1">
+                        <a:lnSpc>
+                          <a:spcPct val="100000"/>
+                        </a:lnSpc>
+                        <a:spcBef>
+                          <a:spcPts val="0"/>
+                        </a:spcBef>
+                        <a:spcAft>
+                          <a:spcPts val="0"/>
+                        </a:spcAft>
+                        <a:buClrTx/>
+                        <a:buSzTx/>
+                        <a:buFontTx/>
+                        <a:buNone/>
+                        <a:tabLst/>
+                        <a:defRPr/>
+                      </a:pPr>
+                      <a:r>
+                        <a:rPr lang="en-US" dirty="0" err="1" smtClean="0"/>
+                        <a:t>Dengan</a:t>
+                      </a:r>
+                      <a:r>
+                        <a:rPr lang="en-US" dirty="0" smtClean="0"/>
+                        <a:t> random  </a:t>
+                      </a:r>
+                      <a:r>
+                        <a:rPr lang="en-US" dirty="0" err="1" smtClean="0"/>
+                        <a:t>kategori</a:t>
+                      </a:r>
+                      <a:r>
+                        <a:rPr lang="en-US" dirty="0" smtClean="0"/>
+                        <a:t> </a:t>
+                      </a:r>
+                      <a:r>
+                        <a:rPr lang="en-US" dirty="0" err="1" smtClean="0"/>
+                        <a:t>dipilih</a:t>
+                      </a:r>
+                      <a:r>
+                        <a:rPr lang="en-US" dirty="0" smtClean="0"/>
+                        <a:t> 80 </a:t>
+                      </a:r>
+                      <a:r>
+                        <a:rPr lang="en-US" dirty="0" err="1" smtClean="0"/>
+                        <a:t>hasil</a:t>
+                      </a:r>
+                      <a:r>
+                        <a:rPr lang="en-US" dirty="0" smtClean="0"/>
+                        <a:t> precision </a:t>
+                      </a:r>
+                      <a:r>
+                        <a:rPr lang="en-US" dirty="0" err="1" smtClean="0"/>
+                        <a:t>tertinggi</a:t>
+                      </a:r>
+                      <a:endParaRPr lang="en-US" dirty="0" smtClean="0"/>
+                    </a:p>
+                  </a:txBody>
+                  <a:tcPr/>
+                </a:tc>
+              </a:tr>
+              <a:tr h="370840">
+                <a:tc>
+                  <a:txBody>
+                    <a:bodyPr/>
+                    <a:lstStyle/>
+                    <a:p>
+                      <a:r>
+                        <a:rPr lang="en-US" dirty="0" smtClean="0"/>
+                        <a:t>dataset3</a:t>
+                      </a:r>
+                      <a:endParaRPr lang="en-US" dirty="0"/>
+                    </a:p>
+                  </a:txBody>
+                  <a:tcPr/>
+                </a:tc>
+                <a:tc>
+                  <a:txBody>
+                    <a:bodyPr/>
+                    <a:lstStyle/>
+                    <a:p>
+                      <a:r>
+                        <a:rPr lang="en-US" dirty="0" smtClean="0"/>
+                        <a:t>datatraining4</a:t>
+                      </a:r>
+                      <a:endParaRPr lang="en-US" dirty="0"/>
+                    </a:p>
+                  </a:txBody>
+                  <a:tcPr/>
+                </a:tc>
+                <a:tc>
+                  <a:txBody>
+                    <a:bodyPr/>
+                    <a:lstStyle/>
+                    <a:p>
+                      <a:r>
+                        <a:rPr lang="en-US" dirty="0" smtClean="0"/>
+                        <a:t>50</a:t>
+                      </a:r>
+                      <a:endParaRPr lang="en-US" dirty="0"/>
+                    </a:p>
+                  </a:txBody>
+                  <a:tcPr/>
+                </a:tc>
+                <a:tc>
+                  <a:txBody>
+                    <a:bodyPr/>
+                    <a:lstStyle/>
+                    <a:p>
+                      <a:r>
+                        <a:rPr lang="en-US" dirty="0" smtClean="0"/>
+                        <a:t>36,7</a:t>
+                      </a:r>
+                      <a:endParaRPr lang="en-US" dirty="0"/>
+                    </a:p>
+                  </a:txBody>
+                  <a:tcPr/>
+                </a:tc>
+                <a:tc>
+                  <a:txBody>
+                    <a:bodyPr/>
+                    <a:lstStyle/>
+                    <a:p>
+                      <a:r>
+                        <a:rPr lang="en-US" dirty="0" smtClean="0"/>
+                        <a:t>20</a:t>
+                      </a:r>
+                      <a:endParaRPr lang="en-US" dirty="0"/>
+                    </a:p>
+                  </a:txBody>
+                  <a:tcPr/>
+                </a:tc>
+                <a:tc>
+                  <a:txBody>
+                    <a:bodyPr/>
+                    <a:lstStyle/>
+                    <a:p>
+                      <a:pPr marL="0" marR="0" indent="0" algn="l" defTabSz="914400" rtl="0" eaLnBrk="1" fontAlgn="auto" latinLnBrk="0" hangingPunct="1">
+                        <a:lnSpc>
+                          <a:spcPct val="100000"/>
+                        </a:lnSpc>
+                        <a:spcBef>
+                          <a:spcPts val="0"/>
+                        </a:spcBef>
+                        <a:spcAft>
+                          <a:spcPts val="0"/>
+                        </a:spcAft>
+                        <a:buClrTx/>
+                        <a:buSzTx/>
+                        <a:buFontTx/>
+                        <a:buNone/>
+                        <a:tabLst/>
+                        <a:defRPr/>
+                      </a:pPr>
+                      <a:r>
+                        <a:rPr lang="en-US" dirty="0" err="1" smtClean="0"/>
+                        <a:t>Dengan</a:t>
+                      </a:r>
+                      <a:r>
+                        <a:rPr lang="en-US" dirty="0" smtClean="0"/>
+                        <a:t> random </a:t>
+                      </a:r>
+                      <a:r>
+                        <a:rPr lang="en-US" dirty="0" err="1" smtClean="0"/>
+                        <a:t>kategori</a:t>
+                      </a:r>
+                      <a:r>
+                        <a:rPr lang="en-US" dirty="0" smtClean="0"/>
+                        <a:t> </a:t>
+                      </a:r>
+                      <a:r>
+                        <a:rPr lang="en-US" dirty="0" err="1" smtClean="0"/>
+                        <a:t>dipilih</a:t>
+                      </a:r>
+                      <a:r>
+                        <a:rPr lang="en-US" dirty="0" smtClean="0"/>
+                        <a:t> 50</a:t>
+                      </a:r>
+                      <a:r>
+                        <a:rPr lang="en-US" baseline="0" dirty="0" smtClean="0"/>
+                        <a:t> </a:t>
+                      </a:r>
+                      <a:r>
+                        <a:rPr lang="en-US" dirty="0" err="1" smtClean="0"/>
+                        <a:t>hasil</a:t>
+                      </a:r>
+                      <a:r>
+                        <a:rPr lang="en-US" dirty="0" smtClean="0"/>
+                        <a:t> precision </a:t>
+                      </a:r>
+                      <a:r>
+                        <a:rPr lang="en-US" dirty="0" err="1" smtClean="0"/>
+                        <a:t>tertinggi</a:t>
+                      </a:r>
+                      <a:endParaRPr lang="en-US" dirty="0" smtClean="0"/>
+                    </a:p>
+                  </a:txBody>
+                  <a:tcPr/>
+                </a:tc>
+              </a:tr>
+            </a:tbl>
+          </a:graphicData>
+        </a:graphic>
+      </p:graphicFrame>
     </p:spTree>
     <p:extLst>
       <p:ext uri="{BB962C8B-B14F-4D97-AF65-F5344CB8AC3E}">
-        <p14:creationId xmlns:p14="http://schemas.microsoft.com/office/powerpoint/2010/main" val="300754224"/>
+        <p14:creationId xmlns:p14="http://schemas.microsoft.com/office/powerpoint/2010/main" val="371349944"/>
       </p:ext>
     </p:extLst>
   </p:cSld>
@@ -16376,7 +17052,7 @@
     </p:spTree>
     <p:extLst>
       <p:ext uri="{BB962C8B-B14F-4D97-AF65-F5344CB8AC3E}">
-        <p14:creationId xmlns:p14="http://schemas.microsoft.com/office/powerpoint/2010/main" val="1615674373"/>
+        <p14:creationId xmlns:p14="http://schemas.microsoft.com/office/powerpoint/2010/main" val="300754224"/>
       </p:ext>
     </p:extLst>
   </p:cSld>
@@ -16444,7 +17120,7 @@
     </p:spTree>
     <p:extLst>
       <p:ext uri="{BB962C8B-B14F-4D97-AF65-F5344CB8AC3E}">
-        <p14:creationId xmlns:p14="http://schemas.microsoft.com/office/powerpoint/2010/main" val="1855954343"/>
+        <p14:creationId xmlns:p14="http://schemas.microsoft.com/office/powerpoint/2010/main" val="1615674373"/>
       </p:ext>
     </p:extLst>
   </p:cSld>
@@ -16512,6 +17188,74 @@
     </p:spTree>
     <p:extLst>
       <p:ext uri="{BB962C8B-B14F-4D97-AF65-F5344CB8AC3E}">
+        <p14:creationId xmlns:p14="http://schemas.microsoft.com/office/powerpoint/2010/main" val="1855954343"/>
+      </p:ext>
+    </p:extLst>
+  </p:cSld>
+  <p:clrMapOvr>
+    <a:masterClrMapping/>
+  </p:clrMapOvr>
+</p:sld>
+</file>
+
+<file path=ppt/slides/slide8.xml><?xml version="1.0" encoding="utf-8"?>
+<p:sld xmlns:a="http://schemas.openxmlformats.org/drawingml/2006/main" xmlns:r="http://schemas.openxmlformats.org/officeDocument/2006/relationships" xmlns:p="http://schemas.openxmlformats.org/presentationml/2006/main">
+  <p:cSld>
+    <p:spTree>
+      <p:nvGrpSpPr>
+        <p:cNvPr id="1" name=""/>
+        <p:cNvGrpSpPr/>
+        <p:nvPr/>
+      </p:nvGrpSpPr>
+      <p:grpSpPr>
+        <a:xfrm>
+          <a:off x="0" y="0"/>
+          <a:ext cx="0" cy="0"/>
+          <a:chOff x="0" y="0"/>
+          <a:chExt cx="0" cy="0"/>
+        </a:xfrm>
+      </p:grpSpPr>
+      <p:sp>
+        <p:nvSpPr>
+          <p:cNvPr id="2" name="Title 1"/>
+          <p:cNvSpPr>
+            <a:spLocks noGrp="1"/>
+          </p:cNvSpPr>
+          <p:nvPr>
+            <p:ph type="title"/>
+          </p:nvPr>
+        </p:nvSpPr>
+        <p:spPr/>
+        <p:txBody>
+          <a:bodyPr/>
+          <a:lstStyle/>
+          <a:p>
+            <a:endParaRPr lang="en-US"/>
+          </a:p>
+        </p:txBody>
+      </p:sp>
+      <p:sp>
+        <p:nvSpPr>
+          <p:cNvPr id="3" name="Content Placeholder 2"/>
+          <p:cNvSpPr>
+            <a:spLocks noGrp="1"/>
+          </p:cNvSpPr>
+          <p:nvPr>
+            <p:ph idx="1"/>
+          </p:nvPr>
+        </p:nvSpPr>
+        <p:spPr/>
+        <p:txBody>
+          <a:bodyPr/>
+          <a:lstStyle/>
+          <a:p>
+            <a:endParaRPr lang="en-US"/>
+          </a:p>
+        </p:txBody>
+      </p:sp>
+    </p:spTree>
+    <p:extLst>
+      <p:ext uri="{BB962C8B-B14F-4D97-AF65-F5344CB8AC3E}">
         <p14:creationId xmlns:p14="http://schemas.microsoft.com/office/powerpoint/2010/main" val="824670126"/>
       </p:ext>
     </p:extLst>
@@ -16522,7 +17266,7 @@
 </p:sld>
 </file>
 
-<file path=ppt/slides/slide8.xml><?xml version="1.0" encoding="utf-8"?>
+<file path=ppt/slides/slide9.xml><?xml version="1.0" encoding="utf-8"?>
 <p:sld xmlns:a="http://schemas.openxmlformats.org/drawingml/2006/main" xmlns:r="http://schemas.openxmlformats.org/officeDocument/2006/relationships" xmlns:p="http://schemas.openxmlformats.org/presentationml/2006/main">
   <p:cSld>
     <p:spTree>
@@ -16574,750 +17318,6 @@
     <p:extLst>
       <p:ext uri="{BB962C8B-B14F-4D97-AF65-F5344CB8AC3E}">
         <p14:creationId xmlns:p14="http://schemas.microsoft.com/office/powerpoint/2010/main" val="1747221377"/>
-      </p:ext>
-    </p:extLst>
-  </p:cSld>
-  <p:clrMapOvr>
-    <a:masterClrMapping/>
-  </p:clrMapOvr>
-</p:sld>
-</file>
-
-<file path=ppt/slides/slide9.xml><?xml version="1.0" encoding="utf-8"?>
-<p:sld xmlns:a="http://schemas.openxmlformats.org/drawingml/2006/main" xmlns:r="http://schemas.openxmlformats.org/officeDocument/2006/relationships" xmlns:p="http://schemas.openxmlformats.org/presentationml/2006/main">
-  <p:cSld>
-    <p:spTree>
-      <p:nvGrpSpPr>
-        <p:cNvPr id="1" name=""/>
-        <p:cNvGrpSpPr/>
-        <p:nvPr/>
-      </p:nvGrpSpPr>
-      <p:grpSpPr>
-        <a:xfrm>
-          <a:off x="0" y="0"/>
-          <a:ext cx="0" cy="0"/>
-          <a:chOff x="0" y="0"/>
-          <a:chExt cx="0" cy="0"/>
-        </a:xfrm>
-      </p:grpSpPr>
-      <p:sp>
-        <p:nvSpPr>
-          <p:cNvPr id="4" name="Rounded Rectangle 3"/>
-          <p:cNvSpPr/>
-          <p:nvPr/>
-        </p:nvSpPr>
-        <p:spPr>
-          <a:xfrm>
-            <a:off x="1546541" y="440266"/>
-            <a:ext cx="1686296" cy="498763"/>
-          </a:xfrm>
-          <a:prstGeom prst="roundRect">
-            <a:avLst/>
-          </a:prstGeom>
-        </p:spPr>
-        <p:style>
-          <a:lnRef idx="2">
-            <a:schemeClr val="accent6"/>
-          </a:lnRef>
-          <a:fillRef idx="1">
-            <a:schemeClr val="lt1"/>
-          </a:fillRef>
-          <a:effectRef idx="0">
-            <a:schemeClr val="accent6"/>
-          </a:effectRef>
-          <a:fontRef idx="minor">
-            <a:schemeClr val="dk1"/>
-          </a:fontRef>
-        </p:style>
-        <p:txBody>
-          <a:bodyPr rtlCol="0" anchor="ctr"/>
-          <a:lstStyle/>
-          <a:p>
-            <a:pPr algn="ctr"/>
-            <a:r>
-              <a:rPr lang="en-US" dirty="0" err="1" smtClean="0"/>
-              <a:t>Mulai</a:t>
-            </a:r>
-            <a:endParaRPr lang="en-US" dirty="0"/>
-          </a:p>
-        </p:txBody>
-      </p:sp>
-      <p:sp>
-        <p:nvSpPr>
-          <p:cNvPr id="8" name="Parallelogram 7"/>
-          <p:cNvSpPr/>
-          <p:nvPr/>
-        </p:nvSpPr>
-        <p:spPr>
-          <a:xfrm>
-            <a:off x="1133103" y="1301887"/>
-            <a:ext cx="2099734" cy="880533"/>
-          </a:xfrm>
-          <a:prstGeom prst="parallelogram">
-            <a:avLst/>
-          </a:prstGeom>
-        </p:spPr>
-        <p:style>
-          <a:lnRef idx="2">
-            <a:schemeClr val="accent6"/>
-          </a:lnRef>
-          <a:fillRef idx="1">
-            <a:schemeClr val="lt1"/>
-          </a:fillRef>
-          <a:effectRef idx="0">
-            <a:schemeClr val="accent6"/>
-          </a:effectRef>
-          <a:fontRef idx="minor">
-            <a:schemeClr val="dk1"/>
-          </a:fontRef>
-        </p:style>
-        <p:txBody>
-          <a:bodyPr rtlCol="0" anchor="ctr"/>
-          <a:lstStyle/>
-          <a:p>
-            <a:pPr algn="ctr"/>
-            <a:r>
-              <a:rPr lang="en-US" smtClean="0"/>
-              <a:t>Input Citra</a:t>
-            </a:r>
-            <a:endParaRPr lang="en-US"/>
-          </a:p>
-        </p:txBody>
-      </p:sp>
-      <p:sp>
-        <p:nvSpPr>
-          <p:cNvPr id="9" name="Rectangle 8"/>
-          <p:cNvSpPr/>
-          <p:nvPr/>
-        </p:nvSpPr>
-        <p:spPr>
-          <a:xfrm>
-            <a:off x="1133103" y="2545278"/>
-            <a:ext cx="2540000" cy="897467"/>
-          </a:xfrm>
-          <a:prstGeom prst="rect">
-            <a:avLst/>
-          </a:prstGeom>
-        </p:spPr>
-        <p:style>
-          <a:lnRef idx="2">
-            <a:schemeClr val="accent6"/>
-          </a:lnRef>
-          <a:fillRef idx="1">
-            <a:schemeClr val="lt1"/>
-          </a:fillRef>
-          <a:effectRef idx="0">
-            <a:schemeClr val="accent6"/>
-          </a:effectRef>
-          <a:fontRef idx="minor">
-            <a:schemeClr val="dk1"/>
-          </a:fontRef>
-        </p:style>
-        <p:txBody>
-          <a:bodyPr rtlCol="0" anchor="ctr"/>
-          <a:lstStyle/>
-          <a:p>
-            <a:pPr algn="ctr"/>
-            <a:r>
-              <a:rPr lang="en-US" dirty="0" err="1" smtClean="0"/>
-              <a:t>Membagi</a:t>
-            </a:r>
-            <a:r>
-              <a:rPr lang="en-US" dirty="0" smtClean="0"/>
-              <a:t> </a:t>
-            </a:r>
-            <a:r>
-              <a:rPr lang="en-US" dirty="0" err="1" smtClean="0"/>
-              <a:t>intensitas</a:t>
-            </a:r>
-            <a:r>
-              <a:rPr lang="en-US" dirty="0" smtClean="0"/>
-              <a:t> </a:t>
-            </a:r>
-            <a:r>
-              <a:rPr lang="en-US" dirty="0" err="1" smtClean="0"/>
-              <a:t>citra</a:t>
-            </a:r>
-            <a:r>
-              <a:rPr lang="en-US" dirty="0" smtClean="0"/>
-              <a:t> </a:t>
-            </a:r>
-            <a:r>
-              <a:rPr lang="en-US" dirty="0" err="1" smtClean="0"/>
-              <a:t>menjadi</a:t>
-            </a:r>
-            <a:r>
-              <a:rPr lang="en-US" dirty="0" smtClean="0"/>
-              <a:t> </a:t>
-            </a:r>
-            <a:r>
-              <a:rPr lang="en-US" dirty="0" err="1" smtClean="0"/>
-              <a:t>blok</a:t>
-            </a:r>
-            <a:r>
-              <a:rPr lang="en-US" dirty="0" smtClean="0"/>
-              <a:t> 2x2</a:t>
-            </a:r>
-            <a:endParaRPr lang="en-US" dirty="0"/>
-          </a:p>
-        </p:txBody>
-      </p:sp>
-      <p:sp>
-        <p:nvSpPr>
-          <p:cNvPr id="10" name="Rectangle 9"/>
-          <p:cNvSpPr/>
-          <p:nvPr/>
-        </p:nvSpPr>
-        <p:spPr>
-          <a:xfrm>
-            <a:off x="217274" y="3973285"/>
-            <a:ext cx="1831659" cy="1260325"/>
-          </a:xfrm>
-          <a:prstGeom prst="rect">
-            <a:avLst/>
-          </a:prstGeom>
-        </p:spPr>
-        <p:style>
-          <a:lnRef idx="2">
-            <a:schemeClr val="accent6"/>
-          </a:lnRef>
-          <a:fillRef idx="1">
-            <a:schemeClr val="lt1"/>
-          </a:fillRef>
-          <a:effectRef idx="0">
-            <a:schemeClr val="accent6"/>
-          </a:effectRef>
-          <a:fontRef idx="minor">
-            <a:schemeClr val="dk1"/>
-          </a:fontRef>
-        </p:style>
-        <p:txBody>
-          <a:bodyPr rtlCol="0" anchor="ctr"/>
-          <a:lstStyle/>
-          <a:p>
-            <a:pPr algn="ctr"/>
-            <a:r>
-              <a:rPr lang="en-US" dirty="0" smtClean="0"/>
-              <a:t>D= </a:t>
-            </a:r>
-            <a:r>
-              <a:rPr lang="en-US" dirty="0" err="1" smtClean="0"/>
-              <a:t>standar</a:t>
-            </a:r>
-            <a:r>
-              <a:rPr lang="en-US" dirty="0" smtClean="0"/>
-              <a:t> </a:t>
-            </a:r>
-            <a:r>
-              <a:rPr lang="en-US" dirty="0" err="1" smtClean="0"/>
-              <a:t>deviasi</a:t>
-            </a:r>
-            <a:r>
-              <a:rPr lang="en-US" dirty="0" smtClean="0"/>
-              <a:t> </a:t>
-            </a:r>
-            <a:r>
-              <a:rPr lang="en-US" dirty="0" err="1" smtClean="0"/>
-              <a:t>intensitas</a:t>
-            </a:r>
-            <a:r>
-              <a:rPr lang="en-US" dirty="0" smtClean="0"/>
-              <a:t> </a:t>
-            </a:r>
-            <a:r>
-              <a:rPr lang="en-US" dirty="0" err="1" smtClean="0"/>
-              <a:t>dalam</a:t>
-            </a:r>
-            <a:r>
-              <a:rPr lang="en-US" dirty="0" smtClean="0"/>
-              <a:t> </a:t>
-            </a:r>
-            <a:r>
-              <a:rPr lang="en-US" dirty="0" err="1" smtClean="0"/>
-              <a:t>blok</a:t>
-            </a:r>
-            <a:endParaRPr lang="en-US" dirty="0"/>
-          </a:p>
-        </p:txBody>
-      </p:sp>
-      <p:sp>
-        <p:nvSpPr>
-          <p:cNvPr id="11" name="Rectangle 10"/>
-          <p:cNvSpPr/>
-          <p:nvPr/>
-        </p:nvSpPr>
-        <p:spPr>
-          <a:xfrm>
-            <a:off x="2403103" y="3973285"/>
-            <a:ext cx="1831659" cy="1260325"/>
-          </a:xfrm>
-          <a:prstGeom prst="rect">
-            <a:avLst/>
-          </a:prstGeom>
-        </p:spPr>
-        <p:style>
-          <a:lnRef idx="2">
-            <a:schemeClr val="accent6"/>
-          </a:lnRef>
-          <a:fillRef idx="1">
-            <a:schemeClr val="lt1"/>
-          </a:fillRef>
-          <a:effectRef idx="0">
-            <a:schemeClr val="accent6"/>
-          </a:effectRef>
-          <a:fontRef idx="minor">
-            <a:schemeClr val="dk1"/>
-          </a:fontRef>
-        </p:style>
-        <p:txBody>
-          <a:bodyPr rtlCol="0" anchor="ctr"/>
-          <a:lstStyle/>
-          <a:p>
-            <a:pPr algn="ctr"/>
-            <a:r>
-              <a:rPr lang="en-US" dirty="0"/>
-              <a:t>R</a:t>
-            </a:r>
-            <a:r>
-              <a:rPr lang="en-US" dirty="0" smtClean="0"/>
-              <a:t>= rata-rata </a:t>
-            </a:r>
-            <a:r>
-              <a:rPr lang="en-US" dirty="0" err="1" smtClean="0"/>
-              <a:t>intensitas</a:t>
-            </a:r>
-            <a:r>
-              <a:rPr lang="en-US" dirty="0" smtClean="0"/>
-              <a:t> </a:t>
-            </a:r>
-            <a:r>
-              <a:rPr lang="en-US" dirty="0" err="1" smtClean="0"/>
-              <a:t>dalam</a:t>
-            </a:r>
-            <a:r>
-              <a:rPr lang="en-US" dirty="0" smtClean="0"/>
-              <a:t> </a:t>
-            </a:r>
-            <a:r>
-              <a:rPr lang="en-US" dirty="0" err="1" smtClean="0"/>
-              <a:t>blok</a:t>
-            </a:r>
-            <a:endParaRPr lang="en-US" dirty="0"/>
-          </a:p>
-        </p:txBody>
-      </p:sp>
-      <p:sp>
-        <p:nvSpPr>
-          <p:cNvPr id="15" name="Rectangle 14"/>
-          <p:cNvSpPr/>
-          <p:nvPr/>
-        </p:nvSpPr>
-        <p:spPr>
-          <a:xfrm>
-            <a:off x="4755405" y="1954369"/>
-            <a:ext cx="1831659" cy="861621"/>
-          </a:xfrm>
-          <a:prstGeom prst="rect">
-            <a:avLst/>
-          </a:prstGeom>
-        </p:spPr>
-        <p:style>
-          <a:lnRef idx="2">
-            <a:schemeClr val="accent6"/>
-          </a:lnRef>
-          <a:fillRef idx="1">
-            <a:schemeClr val="lt1"/>
-          </a:fillRef>
-          <a:effectRef idx="0">
-            <a:schemeClr val="accent6"/>
-          </a:effectRef>
-          <a:fontRef idx="minor">
-            <a:schemeClr val="dk1"/>
-          </a:fontRef>
-        </p:style>
-        <p:txBody>
-          <a:bodyPr rtlCol="0" anchor="ctr"/>
-          <a:lstStyle/>
-          <a:p>
-            <a:pPr algn="ctr"/>
-            <a:r>
-              <a:rPr lang="en-US" dirty="0" err="1" smtClean="0"/>
-              <a:t>Geser</a:t>
-            </a:r>
-            <a:r>
-              <a:rPr lang="en-US" dirty="0" smtClean="0"/>
-              <a:t> </a:t>
-            </a:r>
-            <a:r>
-              <a:rPr lang="en-US" dirty="0" err="1" smtClean="0"/>
-              <a:t>blok</a:t>
-            </a:r>
-            <a:r>
-              <a:rPr lang="en-US" dirty="0" smtClean="0"/>
-              <a:t> </a:t>
-            </a:r>
-            <a:r>
-              <a:rPr lang="en-US" dirty="0" err="1" smtClean="0"/>
-              <a:t>ke</a:t>
-            </a:r>
-            <a:r>
-              <a:rPr lang="en-US" dirty="0" smtClean="0"/>
-              <a:t> </a:t>
-            </a:r>
-            <a:r>
-              <a:rPr lang="en-US" dirty="0" err="1" smtClean="0"/>
-              <a:t>atas</a:t>
-            </a:r>
-            <a:endParaRPr lang="en-US" dirty="0"/>
-          </a:p>
-        </p:txBody>
-      </p:sp>
-      <p:sp>
-        <p:nvSpPr>
-          <p:cNvPr id="16" name="Rectangle 15"/>
-          <p:cNvSpPr/>
-          <p:nvPr/>
-        </p:nvSpPr>
-        <p:spPr>
-          <a:xfrm>
-            <a:off x="6675787" y="1954367"/>
-            <a:ext cx="1831659" cy="861621"/>
-          </a:xfrm>
-          <a:prstGeom prst="rect">
-            <a:avLst/>
-          </a:prstGeom>
-        </p:spPr>
-        <p:style>
-          <a:lnRef idx="2">
-            <a:schemeClr val="accent6"/>
-          </a:lnRef>
-          <a:fillRef idx="1">
-            <a:schemeClr val="lt1"/>
-          </a:fillRef>
-          <a:effectRef idx="0">
-            <a:schemeClr val="accent6"/>
-          </a:effectRef>
-          <a:fontRef idx="minor">
-            <a:schemeClr val="dk1"/>
-          </a:fontRef>
-        </p:style>
-        <p:txBody>
-          <a:bodyPr rtlCol="0" anchor="ctr"/>
-          <a:lstStyle/>
-          <a:p>
-            <a:pPr algn="ctr"/>
-            <a:r>
-              <a:rPr lang="en-US" dirty="0" err="1" smtClean="0"/>
-              <a:t>Geser</a:t>
-            </a:r>
-            <a:r>
-              <a:rPr lang="en-US" dirty="0" smtClean="0"/>
-              <a:t> </a:t>
-            </a:r>
-            <a:r>
-              <a:rPr lang="en-US" dirty="0" err="1" smtClean="0"/>
-              <a:t>blok</a:t>
-            </a:r>
-            <a:r>
-              <a:rPr lang="en-US" dirty="0" smtClean="0"/>
-              <a:t> </a:t>
-            </a:r>
-            <a:r>
-              <a:rPr lang="en-US" dirty="0" err="1" smtClean="0"/>
-              <a:t>ke</a:t>
-            </a:r>
-            <a:r>
-              <a:rPr lang="en-US" dirty="0" smtClean="0"/>
-              <a:t> </a:t>
-            </a:r>
-            <a:r>
-              <a:rPr lang="en-US" dirty="0" err="1" smtClean="0"/>
-              <a:t>kiri</a:t>
-            </a:r>
-            <a:endParaRPr lang="en-US" dirty="0"/>
-          </a:p>
-        </p:txBody>
-      </p:sp>
-      <p:sp>
-        <p:nvSpPr>
-          <p:cNvPr id="17" name="Rectangle 16"/>
-          <p:cNvSpPr/>
-          <p:nvPr/>
-        </p:nvSpPr>
-        <p:spPr>
-          <a:xfrm>
-            <a:off x="8596169" y="1954367"/>
-            <a:ext cx="1831659" cy="861621"/>
-          </a:xfrm>
-          <a:prstGeom prst="rect">
-            <a:avLst/>
-          </a:prstGeom>
-        </p:spPr>
-        <p:style>
-          <a:lnRef idx="2">
-            <a:schemeClr val="accent6"/>
-          </a:lnRef>
-          <a:fillRef idx="1">
-            <a:schemeClr val="lt1"/>
-          </a:fillRef>
-          <a:effectRef idx="0">
-            <a:schemeClr val="accent6"/>
-          </a:effectRef>
-          <a:fontRef idx="minor">
-            <a:schemeClr val="dk1"/>
-          </a:fontRef>
-        </p:style>
-        <p:txBody>
-          <a:bodyPr rtlCol="0" anchor="ctr"/>
-          <a:lstStyle/>
-          <a:p>
-            <a:pPr algn="ctr"/>
-            <a:r>
-              <a:rPr lang="en-US" dirty="0" err="1" smtClean="0"/>
-              <a:t>Geser</a:t>
-            </a:r>
-            <a:r>
-              <a:rPr lang="en-US" dirty="0" smtClean="0"/>
-              <a:t> </a:t>
-            </a:r>
-            <a:r>
-              <a:rPr lang="en-US" dirty="0" err="1" smtClean="0"/>
-              <a:t>blok</a:t>
-            </a:r>
-            <a:r>
-              <a:rPr lang="en-US" dirty="0" smtClean="0"/>
-              <a:t> </a:t>
-            </a:r>
-            <a:r>
-              <a:rPr lang="en-US" dirty="0" err="1" smtClean="0"/>
-              <a:t>ke</a:t>
-            </a:r>
-            <a:r>
-              <a:rPr lang="en-US" dirty="0" smtClean="0"/>
-              <a:t> </a:t>
-            </a:r>
-            <a:r>
-              <a:rPr lang="en-US" dirty="0" err="1" smtClean="0"/>
-              <a:t>kanan</a:t>
-            </a:r>
-            <a:endParaRPr lang="en-US" dirty="0"/>
-          </a:p>
-        </p:txBody>
-      </p:sp>
-      <p:sp>
-        <p:nvSpPr>
-          <p:cNvPr id="18" name="Rectangle 17"/>
-          <p:cNvSpPr/>
-          <p:nvPr/>
-        </p:nvSpPr>
-        <p:spPr>
-          <a:xfrm>
-            <a:off x="10529426" y="1954366"/>
-            <a:ext cx="1831659" cy="861621"/>
-          </a:xfrm>
-          <a:prstGeom prst="rect">
-            <a:avLst/>
-          </a:prstGeom>
-        </p:spPr>
-        <p:style>
-          <a:lnRef idx="2">
-            <a:schemeClr val="accent6"/>
-          </a:lnRef>
-          <a:fillRef idx="1">
-            <a:schemeClr val="lt1"/>
-          </a:fillRef>
-          <a:effectRef idx="0">
-            <a:schemeClr val="accent6"/>
-          </a:effectRef>
-          <a:fontRef idx="minor">
-            <a:schemeClr val="dk1"/>
-          </a:fontRef>
-        </p:style>
-        <p:txBody>
-          <a:bodyPr rtlCol="0" anchor="ctr"/>
-          <a:lstStyle/>
-          <a:p>
-            <a:pPr algn="ctr"/>
-            <a:r>
-              <a:rPr lang="en-US" dirty="0" err="1" smtClean="0"/>
-              <a:t>Geser</a:t>
-            </a:r>
-            <a:r>
-              <a:rPr lang="en-US" dirty="0" smtClean="0"/>
-              <a:t> </a:t>
-            </a:r>
-            <a:r>
-              <a:rPr lang="en-US" dirty="0" err="1" smtClean="0"/>
-              <a:t>blok</a:t>
-            </a:r>
-            <a:r>
-              <a:rPr lang="en-US" dirty="0" smtClean="0"/>
-              <a:t> </a:t>
-            </a:r>
-            <a:r>
-              <a:rPr lang="en-US" dirty="0" err="1" smtClean="0"/>
-              <a:t>ke</a:t>
-            </a:r>
-            <a:r>
-              <a:rPr lang="en-US" dirty="0" smtClean="0"/>
-              <a:t> </a:t>
-            </a:r>
-            <a:r>
-              <a:rPr lang="en-US" dirty="0" err="1" smtClean="0"/>
-              <a:t>bawah</a:t>
-            </a:r>
-            <a:endParaRPr lang="en-US" dirty="0"/>
-          </a:p>
-        </p:txBody>
-      </p:sp>
-      <p:sp>
-        <p:nvSpPr>
-          <p:cNvPr id="19" name="Rectangle 18"/>
-          <p:cNvSpPr/>
-          <p:nvPr/>
-        </p:nvSpPr>
-        <p:spPr>
-          <a:xfrm>
-            <a:off x="5957674" y="3708400"/>
-            <a:ext cx="1831659" cy="1260325"/>
-          </a:xfrm>
-          <a:prstGeom prst="rect">
-            <a:avLst/>
-          </a:prstGeom>
-        </p:spPr>
-        <p:style>
-          <a:lnRef idx="2">
-            <a:schemeClr val="accent6"/>
-          </a:lnRef>
-          <a:fillRef idx="1">
-            <a:schemeClr val="lt1"/>
-          </a:fillRef>
-          <a:effectRef idx="0">
-            <a:schemeClr val="accent6"/>
-          </a:effectRef>
-          <a:fontRef idx="minor">
-            <a:schemeClr val="dk1"/>
-          </a:fontRef>
-        </p:style>
-        <p:txBody>
-          <a:bodyPr rtlCol="0" anchor="ctr"/>
-          <a:lstStyle/>
-          <a:p>
-            <a:pPr algn="ctr"/>
-            <a:r>
-              <a:rPr lang="en-US" dirty="0" smtClean="0"/>
-              <a:t>D= </a:t>
-            </a:r>
-            <a:r>
-              <a:rPr lang="en-US" dirty="0" err="1" smtClean="0"/>
-              <a:t>standar</a:t>
-            </a:r>
-            <a:r>
-              <a:rPr lang="en-US" dirty="0" smtClean="0"/>
-              <a:t> </a:t>
-            </a:r>
-            <a:r>
-              <a:rPr lang="en-US" dirty="0" err="1" smtClean="0"/>
-              <a:t>deviasi</a:t>
-            </a:r>
-            <a:r>
-              <a:rPr lang="en-US" dirty="0" smtClean="0"/>
-              <a:t> </a:t>
-            </a:r>
-            <a:r>
-              <a:rPr lang="en-US" dirty="0" err="1" smtClean="0"/>
-              <a:t>intensitas</a:t>
-            </a:r>
-            <a:r>
-              <a:rPr lang="en-US" dirty="0" smtClean="0"/>
-              <a:t> </a:t>
-            </a:r>
-            <a:r>
-              <a:rPr lang="en-US" dirty="0" err="1" smtClean="0"/>
-              <a:t>dalam</a:t>
-            </a:r>
-            <a:r>
-              <a:rPr lang="en-US" dirty="0" smtClean="0"/>
-              <a:t> </a:t>
-            </a:r>
-            <a:r>
-              <a:rPr lang="en-US" dirty="0" err="1" smtClean="0"/>
-              <a:t>blok</a:t>
-            </a:r>
-            <a:endParaRPr lang="en-US" dirty="0"/>
-          </a:p>
-        </p:txBody>
-      </p:sp>
-      <p:sp>
-        <p:nvSpPr>
-          <p:cNvPr id="20" name="Rectangle 19"/>
-          <p:cNvSpPr/>
-          <p:nvPr/>
-        </p:nvSpPr>
-        <p:spPr>
-          <a:xfrm>
-            <a:off x="8143503" y="3708400"/>
-            <a:ext cx="1831659" cy="1260325"/>
-          </a:xfrm>
-          <a:prstGeom prst="rect">
-            <a:avLst/>
-          </a:prstGeom>
-        </p:spPr>
-        <p:style>
-          <a:lnRef idx="2">
-            <a:schemeClr val="accent6"/>
-          </a:lnRef>
-          <a:fillRef idx="1">
-            <a:schemeClr val="lt1"/>
-          </a:fillRef>
-          <a:effectRef idx="0">
-            <a:schemeClr val="accent6"/>
-          </a:effectRef>
-          <a:fontRef idx="minor">
-            <a:schemeClr val="dk1"/>
-          </a:fontRef>
-        </p:style>
-        <p:txBody>
-          <a:bodyPr rtlCol="0" anchor="ctr"/>
-          <a:lstStyle/>
-          <a:p>
-            <a:pPr algn="ctr"/>
-            <a:r>
-              <a:rPr lang="en-US" dirty="0"/>
-              <a:t>R</a:t>
-            </a:r>
-            <a:r>
-              <a:rPr lang="en-US" dirty="0" smtClean="0"/>
-              <a:t>= rata-rata </a:t>
-            </a:r>
-            <a:r>
-              <a:rPr lang="en-US" dirty="0" err="1" smtClean="0"/>
-              <a:t>intensitas</a:t>
-            </a:r>
-            <a:r>
-              <a:rPr lang="en-US" dirty="0" smtClean="0"/>
-              <a:t> </a:t>
-            </a:r>
-            <a:r>
-              <a:rPr lang="en-US" dirty="0" err="1" smtClean="0"/>
-              <a:t>dalam</a:t>
-            </a:r>
-            <a:r>
-              <a:rPr lang="en-US" dirty="0" smtClean="0"/>
-              <a:t> </a:t>
-            </a:r>
-            <a:r>
-              <a:rPr lang="en-US" dirty="0" err="1" smtClean="0"/>
-              <a:t>blok</a:t>
-            </a:r>
-            <a:endParaRPr lang="en-US" dirty="0"/>
-          </a:p>
-        </p:txBody>
-      </p:sp>
-    </p:spTree>
-    <p:extLst>
-      <p:ext uri="{BB962C8B-B14F-4D97-AF65-F5344CB8AC3E}">
-        <p14:creationId xmlns:p14="http://schemas.microsoft.com/office/powerpoint/2010/main" val="1489236652"/>
       </p:ext>
     </p:extLst>
   </p:cSld>

--- a/Bukunya/flowchart_TA.pptx
+++ b/Bukunya/flowchart_TA.pptx
@@ -14984,13 +14984,13 @@
             <p:ph idx="1"/>
             <p:extLst>
               <p:ext uri="{D42A27DB-BD31-4B8C-83A1-F6EECF244321}">
-                <p14:modId xmlns:p14="http://schemas.microsoft.com/office/powerpoint/2010/main" val="1004665072"/>
+                <p14:modId xmlns:p14="http://schemas.microsoft.com/office/powerpoint/2010/main" val="199453944"/>
               </p:ext>
             </p:extLst>
           </p:nvPr>
         </p:nvGraphicFramePr>
         <p:xfrm>
-          <a:off x="710184" y="-83248"/>
+          <a:off x="509016" y="-1089088"/>
           <a:ext cx="10515600" cy="9265920"/>
         </p:xfrm>
         <a:graphic>
@@ -17030,25 +17030,579 @@
           </a:p>
         </p:txBody>
       </p:sp>
-      <p:sp>
-        <p:nvSpPr>
-          <p:cNvPr id="3" name="Content Placeholder 2"/>
-          <p:cNvSpPr>
-            <a:spLocks noGrp="1"/>
-          </p:cNvSpPr>
+      <p:graphicFrame>
+        <p:nvGraphicFramePr>
+          <p:cNvPr id="4" name="Content Placeholder 3"/>
+          <p:cNvGraphicFramePr>
+            <a:graphicFrameLocks noGrp="1"/>
+          </p:cNvGraphicFramePr>
           <p:nvPr>
             <p:ph idx="1"/>
+            <p:extLst>
+              <p:ext uri="{D42A27DB-BD31-4B8C-83A1-F6EECF244321}">
+                <p14:modId xmlns:p14="http://schemas.microsoft.com/office/powerpoint/2010/main" val="2087139473"/>
+              </p:ext>
+            </p:extLst>
           </p:nvPr>
-        </p:nvSpPr>
-        <p:spPr/>
-        <p:txBody>
-          <a:bodyPr/>
-          <a:lstStyle/>
-          <a:p>
-            <a:endParaRPr lang="en-US"/>
-          </a:p>
-        </p:txBody>
-      </p:sp>
+        </p:nvGraphicFramePr>
+        <p:xfrm>
+          <a:off x="838200" y="1825625"/>
+          <a:ext cx="8412480" cy="4414520"/>
+        </p:xfrm>
+        <a:graphic>
+          <a:graphicData uri="http://schemas.openxmlformats.org/drawingml/2006/table">
+            <a:tbl>
+              <a:tblPr firstRow="1" bandRow="1">
+                <a:tableStyleId>{5C22544A-7EE6-4342-B048-85BDC9FD1C3A}</a:tableStyleId>
+              </a:tblPr>
+              <a:tblGrid>
+                <a:gridCol w="2103120"/>
+                <a:gridCol w="2103120"/>
+                <a:gridCol w="2103120"/>
+                <a:gridCol w="2103120"/>
+              </a:tblGrid>
+              <a:tr h="370840">
+                <a:tc>
+                  <a:txBody>
+                    <a:bodyPr/>
+                    <a:lstStyle/>
+                    <a:p>
+                      <a:r>
+                        <a:rPr lang="en-US" dirty="0" err="1" smtClean="0"/>
+                        <a:t>Fitur</a:t>
+                      </a:r>
+                      <a:endParaRPr lang="en-US" dirty="0"/>
+                    </a:p>
+                  </a:txBody>
+                  <a:tcPr/>
+                </a:tc>
+                <a:tc>
+                  <a:txBody>
+                    <a:bodyPr/>
+                    <a:lstStyle/>
+                    <a:p>
+                      <a:r>
+                        <a:rPr lang="en-US" dirty="0" err="1" smtClean="0"/>
+                        <a:t>Jmlh</a:t>
+                      </a:r>
+                      <a:r>
+                        <a:rPr lang="en-US" dirty="0" smtClean="0"/>
+                        <a:t> </a:t>
+                      </a:r>
+                      <a:r>
+                        <a:rPr lang="en-US" dirty="0" err="1" smtClean="0"/>
+                        <a:t>kategori</a:t>
+                      </a:r>
+                      <a:r>
+                        <a:rPr lang="en-US" dirty="0" smtClean="0"/>
+                        <a:t> </a:t>
+                      </a:r>
+                      <a:endParaRPr lang="en-US" dirty="0"/>
+                    </a:p>
+                  </a:txBody>
+                  <a:tcPr/>
+                </a:tc>
+                <a:tc>
+                  <a:txBody>
+                    <a:bodyPr/>
+                    <a:lstStyle/>
+                    <a:p>
+                      <a:r>
+                        <a:rPr lang="en-US" dirty="0" err="1" smtClean="0"/>
+                        <a:t>Jumlah</a:t>
+                      </a:r>
+                      <a:r>
+                        <a:rPr lang="en-US" dirty="0" smtClean="0"/>
+                        <a:t> image</a:t>
+                      </a:r>
+                      <a:r>
+                        <a:rPr lang="en-US" baseline="0" dirty="0" smtClean="0"/>
+                        <a:t> yang </a:t>
+                      </a:r>
+                      <a:r>
+                        <a:rPr lang="en-US" baseline="0" dirty="0" err="1" smtClean="0"/>
+                        <a:t>ditampilkan</a:t>
+                      </a:r>
+                      <a:endParaRPr lang="en-US" dirty="0"/>
+                    </a:p>
+                  </a:txBody>
+                  <a:tcPr/>
+                </a:tc>
+                <a:tc>
+                  <a:txBody>
+                    <a:bodyPr/>
+                    <a:lstStyle/>
+                    <a:p>
+                      <a:r>
+                        <a:rPr lang="en-US" dirty="0" smtClean="0"/>
+                        <a:t>Rata-rata precision</a:t>
+                      </a:r>
+                      <a:endParaRPr lang="en-US" dirty="0"/>
+                    </a:p>
+                  </a:txBody>
+                  <a:tcPr/>
+                </a:tc>
+              </a:tr>
+              <a:tr h="370840">
+                <a:tc>
+                  <a:txBody>
+                    <a:bodyPr/>
+                    <a:lstStyle/>
+                    <a:p>
+                      <a:r>
+                        <a:rPr lang="en-US" dirty="0" smtClean="0"/>
+                        <a:t>Color histogram</a:t>
+                      </a:r>
+                      <a:endParaRPr lang="en-US" dirty="0"/>
+                    </a:p>
+                  </a:txBody>
+                  <a:tcPr/>
+                </a:tc>
+                <a:tc>
+                  <a:txBody>
+                    <a:bodyPr/>
+                    <a:lstStyle/>
+                    <a:p>
+                      <a:r>
+                        <a:rPr lang="en-US" dirty="0" smtClean="0"/>
+                        <a:t>100</a:t>
+                      </a:r>
+                      <a:endParaRPr lang="en-US" dirty="0"/>
+                    </a:p>
+                  </a:txBody>
+                  <a:tcPr/>
+                </a:tc>
+                <a:tc>
+                  <a:txBody>
+                    <a:bodyPr/>
+                    <a:lstStyle/>
+                    <a:p>
+                      <a:r>
+                        <a:rPr lang="en-US" dirty="0" smtClean="0"/>
+                        <a:t>12</a:t>
+                      </a:r>
+                      <a:endParaRPr lang="en-US" dirty="0"/>
+                    </a:p>
+                  </a:txBody>
+                  <a:tcPr/>
+                </a:tc>
+                <a:tc>
+                  <a:txBody>
+                    <a:bodyPr/>
+                    <a:lstStyle/>
+                    <a:p>
+                      <a:r>
+                        <a:rPr lang="en-US" dirty="0" smtClean="0"/>
+                        <a:t>30.98 %</a:t>
+                      </a:r>
+                      <a:endParaRPr lang="en-US" dirty="0"/>
+                    </a:p>
+                  </a:txBody>
+                  <a:tcPr/>
+                </a:tc>
+              </a:tr>
+              <a:tr h="370840">
+                <a:tc>
+                  <a:txBody>
+                    <a:bodyPr/>
+                    <a:lstStyle/>
+                    <a:p>
+                      <a:r>
+                        <a:rPr lang="en-US" dirty="0" smtClean="0"/>
+                        <a:t>BDIP</a:t>
+                      </a:r>
+                      <a:endParaRPr lang="en-US" dirty="0"/>
+                    </a:p>
+                  </a:txBody>
+                  <a:tcPr/>
+                </a:tc>
+                <a:tc>
+                  <a:txBody>
+                    <a:bodyPr/>
+                    <a:lstStyle/>
+                    <a:p>
+                      <a:r>
+                        <a:rPr lang="en-US" dirty="0" smtClean="0"/>
+                        <a:t>100</a:t>
+                      </a:r>
+                      <a:endParaRPr lang="en-US" dirty="0"/>
+                    </a:p>
+                  </a:txBody>
+                  <a:tcPr/>
+                </a:tc>
+                <a:tc>
+                  <a:txBody>
+                    <a:bodyPr/>
+                    <a:lstStyle/>
+                    <a:p>
+                      <a:r>
+                        <a:rPr lang="en-US" dirty="0" smtClean="0"/>
+                        <a:t>12</a:t>
+                      </a:r>
+                      <a:endParaRPr lang="en-US" dirty="0"/>
+                    </a:p>
+                  </a:txBody>
+                  <a:tcPr/>
+                </a:tc>
+                <a:tc>
+                  <a:txBody>
+                    <a:bodyPr/>
+                    <a:lstStyle/>
+                    <a:p>
+                      <a:r>
+                        <a:rPr lang="en-US" dirty="0" smtClean="0"/>
+                        <a:t>10.56 %</a:t>
+                      </a:r>
+                      <a:endParaRPr lang="en-US" dirty="0"/>
+                    </a:p>
+                  </a:txBody>
+                  <a:tcPr/>
+                </a:tc>
+              </a:tr>
+              <a:tr h="370840">
+                <a:tc>
+                  <a:txBody>
+                    <a:bodyPr/>
+                    <a:lstStyle/>
+                    <a:p>
+                      <a:r>
+                        <a:rPr lang="en-US" dirty="0" smtClean="0"/>
+                        <a:t>BVLC</a:t>
+                      </a:r>
+                      <a:endParaRPr lang="en-US" dirty="0"/>
+                    </a:p>
+                  </a:txBody>
+                  <a:tcPr/>
+                </a:tc>
+                <a:tc>
+                  <a:txBody>
+                    <a:bodyPr/>
+                    <a:lstStyle/>
+                    <a:p>
+                      <a:r>
+                        <a:rPr lang="en-US" dirty="0" smtClean="0"/>
+                        <a:t>100</a:t>
+                      </a:r>
+                      <a:endParaRPr lang="en-US" dirty="0"/>
+                    </a:p>
+                  </a:txBody>
+                  <a:tcPr/>
+                </a:tc>
+                <a:tc>
+                  <a:txBody>
+                    <a:bodyPr/>
+                    <a:lstStyle/>
+                    <a:p>
+                      <a:r>
+                        <a:rPr lang="en-US" dirty="0" smtClean="0"/>
+                        <a:t>12</a:t>
+                      </a:r>
+                      <a:endParaRPr lang="en-US" dirty="0"/>
+                    </a:p>
+                  </a:txBody>
+                  <a:tcPr/>
+                </a:tc>
+                <a:tc>
+                  <a:txBody>
+                    <a:bodyPr/>
+                    <a:lstStyle/>
+                    <a:p>
+                      <a:r>
+                        <a:rPr lang="en-US" dirty="0" smtClean="0"/>
+                        <a:t>10.65 %</a:t>
+                      </a:r>
+                      <a:endParaRPr lang="en-US" dirty="0"/>
+                    </a:p>
+                  </a:txBody>
+                  <a:tcPr/>
+                </a:tc>
+              </a:tr>
+              <a:tr h="370840">
+                <a:tc>
+                  <a:txBody>
+                    <a:bodyPr/>
+                    <a:lstStyle/>
+                    <a:p>
+                      <a:r>
+                        <a:rPr lang="en-US" dirty="0" smtClean="0"/>
+                        <a:t>BDIP + BVLC</a:t>
+                      </a:r>
+                      <a:endParaRPr lang="en-US" dirty="0"/>
+                    </a:p>
+                  </a:txBody>
+                  <a:tcPr/>
+                </a:tc>
+                <a:tc>
+                  <a:txBody>
+                    <a:bodyPr/>
+                    <a:lstStyle/>
+                    <a:p>
+                      <a:r>
+                        <a:rPr lang="en-US" dirty="0" smtClean="0"/>
+                        <a:t>100</a:t>
+                      </a:r>
+                      <a:endParaRPr lang="en-US" dirty="0"/>
+                    </a:p>
+                  </a:txBody>
+                  <a:tcPr/>
+                </a:tc>
+                <a:tc>
+                  <a:txBody>
+                    <a:bodyPr/>
+                    <a:lstStyle/>
+                    <a:p>
+                      <a:r>
+                        <a:rPr lang="en-US" dirty="0" smtClean="0"/>
+                        <a:t>12</a:t>
+                      </a:r>
+                      <a:endParaRPr lang="en-US" dirty="0"/>
+                    </a:p>
+                  </a:txBody>
+                  <a:tcPr/>
+                </a:tc>
+                <a:tc>
+                  <a:txBody>
+                    <a:bodyPr/>
+                    <a:lstStyle/>
+                    <a:p>
+                      <a:r>
+                        <a:rPr lang="en-US" dirty="0" smtClean="0"/>
+                        <a:t>14.5 %</a:t>
+                      </a:r>
+                      <a:endParaRPr lang="en-US" dirty="0"/>
+                    </a:p>
+                  </a:txBody>
+                  <a:tcPr/>
+                </a:tc>
+              </a:tr>
+              <a:tr h="370840">
+                <a:tc>
+                  <a:txBody>
+                    <a:bodyPr/>
+                    <a:lstStyle/>
+                    <a:p>
+                      <a:r>
+                        <a:rPr lang="en-US" dirty="0" smtClean="0"/>
+                        <a:t>Color histogram + BDIP</a:t>
+                      </a:r>
+                      <a:endParaRPr lang="en-US" dirty="0"/>
+                    </a:p>
+                  </a:txBody>
+                  <a:tcPr/>
+                </a:tc>
+                <a:tc>
+                  <a:txBody>
+                    <a:bodyPr/>
+                    <a:lstStyle/>
+                    <a:p>
+                      <a:r>
+                        <a:rPr lang="en-US" dirty="0" smtClean="0"/>
+                        <a:t>100</a:t>
+                      </a:r>
+                      <a:endParaRPr lang="en-US" dirty="0"/>
+                    </a:p>
+                  </a:txBody>
+                  <a:tcPr/>
+                </a:tc>
+                <a:tc>
+                  <a:txBody>
+                    <a:bodyPr/>
+                    <a:lstStyle/>
+                    <a:p>
+                      <a:r>
+                        <a:rPr lang="en-US" dirty="0" smtClean="0"/>
+                        <a:t>12</a:t>
+                      </a:r>
+                      <a:endParaRPr lang="en-US" dirty="0"/>
+                    </a:p>
+                  </a:txBody>
+                  <a:tcPr/>
+                </a:tc>
+                <a:tc>
+                  <a:txBody>
+                    <a:bodyPr/>
+                    <a:lstStyle/>
+                    <a:p>
+                      <a:r>
+                        <a:rPr lang="en-US" dirty="0" smtClean="0"/>
+                        <a:t>31 %</a:t>
+                      </a:r>
+                      <a:endParaRPr lang="en-US" dirty="0"/>
+                    </a:p>
+                  </a:txBody>
+                  <a:tcPr/>
+                </a:tc>
+              </a:tr>
+              <a:tr h="370840">
+                <a:tc>
+                  <a:txBody>
+                    <a:bodyPr/>
+                    <a:lstStyle/>
+                    <a:p>
+                      <a:r>
+                        <a:rPr lang="en-US" dirty="0" smtClean="0"/>
+                        <a:t>Color</a:t>
+                      </a:r>
+                      <a:r>
+                        <a:rPr lang="en-US" baseline="0" dirty="0" smtClean="0"/>
+                        <a:t> histogram + BVLC</a:t>
+                      </a:r>
+                      <a:endParaRPr lang="en-US" dirty="0"/>
+                    </a:p>
+                  </a:txBody>
+                  <a:tcPr/>
+                </a:tc>
+                <a:tc>
+                  <a:txBody>
+                    <a:bodyPr/>
+                    <a:lstStyle/>
+                    <a:p>
+                      <a:r>
+                        <a:rPr lang="en-US" dirty="0" smtClean="0"/>
+                        <a:t>100</a:t>
+                      </a:r>
+                      <a:endParaRPr lang="en-US" dirty="0"/>
+                    </a:p>
+                  </a:txBody>
+                  <a:tcPr/>
+                </a:tc>
+                <a:tc>
+                  <a:txBody>
+                    <a:bodyPr/>
+                    <a:lstStyle/>
+                    <a:p>
+                      <a:r>
+                        <a:rPr lang="en-US" dirty="0" smtClean="0"/>
+                        <a:t>12</a:t>
+                      </a:r>
+                      <a:endParaRPr lang="en-US" dirty="0"/>
+                    </a:p>
+                  </a:txBody>
+                  <a:tcPr/>
+                </a:tc>
+                <a:tc>
+                  <a:txBody>
+                    <a:bodyPr/>
+                    <a:lstStyle/>
+                    <a:p>
+                      <a:r>
+                        <a:rPr lang="en-US" smtClean="0"/>
+                        <a:t>31 %</a:t>
+                      </a:r>
+                      <a:endParaRPr lang="en-US" dirty="0"/>
+                    </a:p>
+                  </a:txBody>
+                  <a:tcPr/>
+                </a:tc>
+              </a:tr>
+              <a:tr h="370840">
+                <a:tc>
+                  <a:txBody>
+                    <a:bodyPr/>
+                    <a:lstStyle/>
+                    <a:p>
+                      <a:r>
+                        <a:rPr lang="en-US" dirty="0" smtClean="0"/>
+                        <a:t>Color</a:t>
+                      </a:r>
+                      <a:r>
+                        <a:rPr lang="en-US" baseline="0" dirty="0" smtClean="0"/>
+                        <a:t> histogram + BDIP + BVLC</a:t>
+                      </a:r>
+                      <a:endParaRPr lang="en-US" dirty="0"/>
+                    </a:p>
+                  </a:txBody>
+                  <a:tcPr/>
+                </a:tc>
+                <a:tc>
+                  <a:txBody>
+                    <a:bodyPr/>
+                    <a:lstStyle/>
+                    <a:p>
+                      <a:r>
+                        <a:rPr lang="en-US" dirty="0" smtClean="0"/>
+                        <a:t>100</a:t>
+                      </a:r>
+                      <a:endParaRPr lang="en-US" dirty="0"/>
+                    </a:p>
+                  </a:txBody>
+                  <a:tcPr/>
+                </a:tc>
+                <a:tc>
+                  <a:txBody>
+                    <a:bodyPr/>
+                    <a:lstStyle/>
+                    <a:p>
+                      <a:r>
+                        <a:rPr lang="en-US" dirty="0" smtClean="0"/>
+                        <a:t>12</a:t>
+                      </a:r>
+                      <a:endParaRPr lang="en-US" dirty="0"/>
+                    </a:p>
+                  </a:txBody>
+                  <a:tcPr/>
+                </a:tc>
+                <a:tc>
+                  <a:txBody>
+                    <a:bodyPr/>
+                    <a:lstStyle/>
+                    <a:p>
+                      <a:r>
+                        <a:rPr lang="en-US" dirty="0" smtClean="0"/>
+                        <a:t>31%</a:t>
+                      </a:r>
+                      <a:endParaRPr lang="en-US" dirty="0"/>
+                    </a:p>
+                  </a:txBody>
+                  <a:tcPr/>
+                </a:tc>
+              </a:tr>
+              <a:tr h="370840">
+                <a:tc>
+                  <a:txBody>
+                    <a:bodyPr/>
+                    <a:lstStyle/>
+                    <a:p>
+                      <a:endParaRPr lang="en-US" dirty="0"/>
+                    </a:p>
+                  </a:txBody>
+                  <a:tcPr/>
+                </a:tc>
+                <a:tc>
+                  <a:txBody>
+                    <a:bodyPr/>
+                    <a:lstStyle/>
+                    <a:p>
+                      <a:endParaRPr lang="en-US"/>
+                    </a:p>
+                  </a:txBody>
+                  <a:tcPr/>
+                </a:tc>
+                <a:tc>
+                  <a:txBody>
+                    <a:bodyPr/>
+                    <a:lstStyle/>
+                    <a:p>
+                      <a:endParaRPr lang="en-US"/>
+                    </a:p>
+                  </a:txBody>
+                  <a:tcPr/>
+                </a:tc>
+                <a:tc>
+                  <a:txBody>
+                    <a:bodyPr/>
+                    <a:lstStyle/>
+                    <a:p>
+                      <a:endParaRPr lang="en-US" dirty="0"/>
+                    </a:p>
+                  </a:txBody>
+                  <a:tcPr/>
+                </a:tc>
+              </a:tr>
+            </a:tbl>
+          </a:graphicData>
+        </a:graphic>
+      </p:graphicFrame>
     </p:spTree>
     <p:extLst>
       <p:ext uri="{BB962C8B-B14F-4D97-AF65-F5344CB8AC3E}">
